--- a/image/그림용 ppt.pptx
+++ b/image/그림용 ppt.pptx
@@ -6,6 +6,9 @@
   </p:sldMasterIdLst>
   <p:sldIdLst>
     <p:sldId id="256" r:id="rId2"/>
+    <p:sldId id="257" r:id="rId3"/>
+    <p:sldId id="259" r:id="rId4"/>
+    <p:sldId id="260" r:id="rId5"/>
   </p:sldIdLst>
   <p:sldSz cx="12192000" cy="6858000"/>
   <p:notesSz cx="6858000" cy="9144000"/>
@@ -104,6 +107,11 @@
       </a:defRPr>
     </a:lvl9pPr>
   </p:defaultTextStyle>
+  <p:extLst>
+    <p:ext uri="{EFAFB233-063F-42B5-8137-9DF3F51BA10A}">
+      <p15:sldGuideLst xmlns:p15="http://schemas.microsoft.com/office/powerpoint/2012/main"/>
+    </p:ext>
+  </p:extLst>
 </p:presentation>
 </file>
 
@@ -266,7 +274,7 @@
           <a:p>
             <a:fld id="{0F03CF3D-38EE-4684-AFC9-14FEB541E724}" type="datetimeFigureOut">
               <a:rPr lang="ko-KR" altLang="en-US" smtClean="0"/>
-              <a:t>2020-10-28</a:t>
+              <a:t>2020-10-29</a:t>
             </a:fld>
             <a:endParaRPr lang="ko-KR" altLang="en-US"/>
           </a:p>
@@ -464,7 +472,7 @@
           <a:p>
             <a:fld id="{0F03CF3D-38EE-4684-AFC9-14FEB541E724}" type="datetimeFigureOut">
               <a:rPr lang="ko-KR" altLang="en-US" smtClean="0"/>
-              <a:t>2020-10-28</a:t>
+              <a:t>2020-10-29</a:t>
             </a:fld>
             <a:endParaRPr lang="ko-KR" altLang="en-US"/>
           </a:p>
@@ -672,7 +680,7 @@
           <a:p>
             <a:fld id="{0F03CF3D-38EE-4684-AFC9-14FEB541E724}" type="datetimeFigureOut">
               <a:rPr lang="ko-KR" altLang="en-US" smtClean="0"/>
-              <a:t>2020-10-28</a:t>
+              <a:t>2020-10-29</a:t>
             </a:fld>
             <a:endParaRPr lang="ko-KR" altLang="en-US"/>
           </a:p>
@@ -870,7 +878,7 @@
           <a:p>
             <a:fld id="{0F03CF3D-38EE-4684-AFC9-14FEB541E724}" type="datetimeFigureOut">
               <a:rPr lang="ko-KR" altLang="en-US" smtClean="0"/>
-              <a:t>2020-10-28</a:t>
+              <a:t>2020-10-29</a:t>
             </a:fld>
             <a:endParaRPr lang="ko-KR" altLang="en-US"/>
           </a:p>
@@ -1145,7 +1153,7 @@
           <a:p>
             <a:fld id="{0F03CF3D-38EE-4684-AFC9-14FEB541E724}" type="datetimeFigureOut">
               <a:rPr lang="ko-KR" altLang="en-US" smtClean="0"/>
-              <a:t>2020-10-28</a:t>
+              <a:t>2020-10-29</a:t>
             </a:fld>
             <a:endParaRPr lang="ko-KR" altLang="en-US"/>
           </a:p>
@@ -1410,7 +1418,7 @@
           <a:p>
             <a:fld id="{0F03CF3D-38EE-4684-AFC9-14FEB541E724}" type="datetimeFigureOut">
               <a:rPr lang="ko-KR" altLang="en-US" smtClean="0"/>
-              <a:t>2020-10-28</a:t>
+              <a:t>2020-10-29</a:t>
             </a:fld>
             <a:endParaRPr lang="ko-KR" altLang="en-US"/>
           </a:p>
@@ -1822,7 +1830,7 @@
           <a:p>
             <a:fld id="{0F03CF3D-38EE-4684-AFC9-14FEB541E724}" type="datetimeFigureOut">
               <a:rPr lang="ko-KR" altLang="en-US" smtClean="0"/>
-              <a:t>2020-10-28</a:t>
+              <a:t>2020-10-29</a:t>
             </a:fld>
             <a:endParaRPr lang="ko-KR" altLang="en-US"/>
           </a:p>
@@ -1963,7 +1971,7 @@
           <a:p>
             <a:fld id="{0F03CF3D-38EE-4684-AFC9-14FEB541E724}" type="datetimeFigureOut">
               <a:rPr lang="ko-KR" altLang="en-US" smtClean="0"/>
-              <a:t>2020-10-28</a:t>
+              <a:t>2020-10-29</a:t>
             </a:fld>
             <a:endParaRPr lang="ko-KR" altLang="en-US"/>
           </a:p>
@@ -2076,7 +2084,7 @@
           <a:p>
             <a:fld id="{0F03CF3D-38EE-4684-AFC9-14FEB541E724}" type="datetimeFigureOut">
               <a:rPr lang="ko-KR" altLang="en-US" smtClean="0"/>
-              <a:t>2020-10-28</a:t>
+              <a:t>2020-10-29</a:t>
             </a:fld>
             <a:endParaRPr lang="ko-KR" altLang="en-US"/>
           </a:p>
@@ -2387,7 +2395,7 @@
           <a:p>
             <a:fld id="{0F03CF3D-38EE-4684-AFC9-14FEB541E724}" type="datetimeFigureOut">
               <a:rPr lang="ko-KR" altLang="en-US" smtClean="0"/>
-              <a:t>2020-10-28</a:t>
+              <a:t>2020-10-29</a:t>
             </a:fld>
             <a:endParaRPr lang="ko-KR" altLang="en-US"/>
           </a:p>
@@ -2675,7 +2683,7 @@
           <a:p>
             <a:fld id="{0F03CF3D-38EE-4684-AFC9-14FEB541E724}" type="datetimeFigureOut">
               <a:rPr lang="ko-KR" altLang="en-US" smtClean="0"/>
-              <a:t>2020-10-28</a:t>
+              <a:t>2020-10-29</a:t>
             </a:fld>
             <a:endParaRPr lang="ko-KR" altLang="en-US"/>
           </a:p>
@@ -2916,7 +2924,7 @@
           <a:p>
             <a:fld id="{0F03CF3D-38EE-4684-AFC9-14FEB541E724}" type="datetimeFigureOut">
               <a:rPr lang="ko-KR" altLang="en-US" smtClean="0"/>
-              <a:t>2020-10-28</a:t>
+              <a:t>2020-10-29</a:t>
             </a:fld>
             <a:endParaRPr lang="ko-KR" altLang="en-US"/>
           </a:p>
@@ -3637,8 +3645,8 @@
           </a:p>
         </p:txBody>
       </p:sp>
-      <mc:AlternateContent xmlns:mc="http://schemas.openxmlformats.org/markup-compatibility/2006">
-        <mc:Choice xmlns:a14="http://schemas.microsoft.com/office/drawing/2010/main" Requires="a14">
+      <mc:AlternateContent xmlns:mc="http://schemas.openxmlformats.org/markup-compatibility/2006" xmlns:a14="http://schemas.microsoft.com/office/drawing/2010/main">
+        <mc:Choice Requires="a14">
           <p:sp>
             <p:nvSpPr>
               <p:cNvPr id="14" name="TextBox 13">
@@ -3690,7 +3698,7 @@
             </p:txBody>
           </p:sp>
         </mc:Choice>
-        <mc:Fallback>
+        <mc:Fallback xmlns="">
           <p:sp>
             <p:nvSpPr>
               <p:cNvPr id="14" name="TextBox 13">
@@ -3735,8 +3743,8 @@
           </p:sp>
         </mc:Fallback>
       </mc:AlternateContent>
-      <mc:AlternateContent xmlns:mc="http://schemas.openxmlformats.org/markup-compatibility/2006">
-        <mc:Choice xmlns:a14="http://schemas.microsoft.com/office/drawing/2010/main" Requires="a14">
+      <mc:AlternateContent xmlns:mc="http://schemas.openxmlformats.org/markup-compatibility/2006" xmlns:a14="http://schemas.microsoft.com/office/drawing/2010/main">
+        <mc:Choice Requires="a14">
           <p:sp>
             <p:nvSpPr>
               <p:cNvPr id="16" name="TextBox 15">
@@ -3788,7 +3796,7 @@
             </p:txBody>
           </p:sp>
         </mc:Choice>
-        <mc:Fallback>
+        <mc:Fallback xmlns="">
           <p:sp>
             <p:nvSpPr>
               <p:cNvPr id="16" name="TextBox 15">
@@ -3833,8 +3841,8 @@
           </p:sp>
         </mc:Fallback>
       </mc:AlternateContent>
-      <mc:AlternateContent xmlns:mc="http://schemas.openxmlformats.org/markup-compatibility/2006">
-        <mc:Choice xmlns:a14="http://schemas.microsoft.com/office/drawing/2010/main" Requires="a14">
+      <mc:AlternateContent xmlns:mc="http://schemas.openxmlformats.org/markup-compatibility/2006" xmlns:a14="http://schemas.microsoft.com/office/drawing/2010/main">
+        <mc:Choice Requires="a14">
           <p:sp>
             <p:nvSpPr>
               <p:cNvPr id="18" name="TextBox 17">
@@ -3886,7 +3894,7 @@
             </p:txBody>
           </p:sp>
         </mc:Choice>
-        <mc:Fallback>
+        <mc:Fallback xmlns="">
           <p:sp>
             <p:nvSpPr>
               <p:cNvPr id="18" name="TextBox 17">
@@ -3931,8 +3939,8 @@
           </p:sp>
         </mc:Fallback>
       </mc:AlternateContent>
-      <mc:AlternateContent xmlns:mc="http://schemas.openxmlformats.org/markup-compatibility/2006">
-        <mc:Choice xmlns:a14="http://schemas.microsoft.com/office/drawing/2010/main" Requires="a14">
+      <mc:AlternateContent xmlns:mc="http://schemas.openxmlformats.org/markup-compatibility/2006" xmlns:a14="http://schemas.microsoft.com/office/drawing/2010/main">
+        <mc:Choice Requires="a14">
           <p:sp>
             <p:nvSpPr>
               <p:cNvPr id="20" name="TextBox 19">
@@ -3984,7 +3992,7 @@
             </p:txBody>
           </p:sp>
         </mc:Choice>
-        <mc:Fallback>
+        <mc:Fallback xmlns="">
           <p:sp>
             <p:nvSpPr>
               <p:cNvPr id="20" name="TextBox 19">
@@ -4029,8 +4037,8 @@
           </p:sp>
         </mc:Fallback>
       </mc:AlternateContent>
-      <mc:AlternateContent xmlns:mc="http://schemas.openxmlformats.org/markup-compatibility/2006">
-        <mc:Choice xmlns:a14="http://schemas.microsoft.com/office/drawing/2010/main" Requires="a14">
+      <mc:AlternateContent xmlns:mc="http://schemas.openxmlformats.org/markup-compatibility/2006" xmlns:a14="http://schemas.microsoft.com/office/drawing/2010/main">
+        <mc:Choice Requires="a14">
           <p:sp>
             <p:nvSpPr>
               <p:cNvPr id="25" name="TextBox 24">
@@ -4101,7 +4109,7 @@
             </p:txBody>
           </p:sp>
         </mc:Choice>
-        <mc:Fallback>
+        <mc:Fallback xmlns="">
           <p:sp>
             <p:nvSpPr>
               <p:cNvPr id="25" name="TextBox 24">
@@ -4146,8 +4154,8 @@
           </p:sp>
         </mc:Fallback>
       </mc:AlternateContent>
-      <mc:AlternateContent xmlns:mc="http://schemas.openxmlformats.org/markup-compatibility/2006">
-        <mc:Choice xmlns:a14="http://schemas.microsoft.com/office/drawing/2010/main" Requires="a14">
+      <mc:AlternateContent xmlns:mc="http://schemas.openxmlformats.org/markup-compatibility/2006" xmlns:a14="http://schemas.microsoft.com/office/drawing/2010/main">
+        <mc:Choice Requires="a14">
           <p:sp>
             <p:nvSpPr>
               <p:cNvPr id="27" name="TextBox 26">
@@ -4218,7 +4226,7 @@
             </p:txBody>
           </p:sp>
         </mc:Choice>
-        <mc:Fallback>
+        <mc:Fallback xmlns="">
           <p:sp>
             <p:nvSpPr>
               <p:cNvPr id="27" name="TextBox 26">
@@ -4434,8 +4442,8 @@
           </a:fontRef>
         </p:style>
       </p:cxnSp>
-      <mc:AlternateContent xmlns:mc="http://schemas.openxmlformats.org/markup-compatibility/2006">
-        <mc:Choice xmlns:a14="http://schemas.microsoft.com/office/drawing/2010/main" Requires="a14">
+      <mc:AlternateContent xmlns:mc="http://schemas.openxmlformats.org/markup-compatibility/2006" xmlns:a14="http://schemas.microsoft.com/office/drawing/2010/main">
+        <mc:Choice Requires="a14">
           <p:sp>
             <p:nvSpPr>
               <p:cNvPr id="37" name="TextBox 36">
@@ -4487,7 +4495,7 @@
             </p:txBody>
           </p:sp>
         </mc:Choice>
-        <mc:Fallback>
+        <mc:Fallback xmlns="">
           <p:sp>
             <p:nvSpPr>
               <p:cNvPr id="37" name="TextBox 36">
@@ -4532,8 +4540,8 @@
           </p:sp>
         </mc:Fallback>
       </mc:AlternateContent>
-      <mc:AlternateContent xmlns:mc="http://schemas.openxmlformats.org/markup-compatibility/2006">
-        <mc:Choice xmlns:a14="http://schemas.microsoft.com/office/drawing/2010/main" Requires="a14">
+      <mc:AlternateContent xmlns:mc="http://schemas.openxmlformats.org/markup-compatibility/2006" xmlns:a14="http://schemas.microsoft.com/office/drawing/2010/main">
+        <mc:Choice Requires="a14">
           <p:sp>
             <p:nvSpPr>
               <p:cNvPr id="39" name="TextBox 38">
@@ -4585,7 +4593,7 @@
             </p:txBody>
           </p:sp>
         </mc:Choice>
-        <mc:Fallback>
+        <mc:Fallback xmlns="">
           <p:sp>
             <p:nvSpPr>
               <p:cNvPr id="39" name="TextBox 38">
@@ -4744,6 +4752,3138 @@
     <p:extLst>
       <p:ext uri="{BB962C8B-B14F-4D97-AF65-F5344CB8AC3E}">
         <p14:creationId xmlns:p14="http://schemas.microsoft.com/office/powerpoint/2010/main" val="3740892975"/>
+      </p:ext>
+    </p:extLst>
+  </p:cSld>
+  <p:clrMapOvr>
+    <a:masterClrMapping/>
+  </p:clrMapOvr>
+</p:sld>
+</file>
+
+<file path=ppt/slides/slide2.xml><?xml version="1.0" encoding="utf-8"?>
+<p:sld xmlns:a="http://schemas.openxmlformats.org/drawingml/2006/main" xmlns:r="http://schemas.openxmlformats.org/officeDocument/2006/relationships" xmlns:p="http://schemas.openxmlformats.org/presentationml/2006/main">
+  <p:cSld>
+    <p:spTree>
+      <p:nvGrpSpPr>
+        <p:cNvPr id="1" name=""/>
+        <p:cNvGrpSpPr/>
+        <p:nvPr/>
+      </p:nvGrpSpPr>
+      <p:grpSpPr>
+        <a:xfrm>
+          <a:off x="0" y="0"/>
+          <a:ext cx="0" cy="0"/>
+          <a:chOff x="0" y="0"/>
+          <a:chExt cx="0" cy="0"/>
+        </a:xfrm>
+      </p:grpSpPr>
+      <p:grpSp>
+        <p:nvGrpSpPr>
+          <p:cNvPr id="50" name="그룹 49">
+            <a:extLst>
+              <a:ext uri="{FF2B5EF4-FFF2-40B4-BE49-F238E27FC236}">
+                <a16:creationId xmlns:a16="http://schemas.microsoft.com/office/drawing/2014/main" id="{07C79899-BDE3-4A6A-96AC-FB43E4113A25}"/>
+              </a:ext>
+            </a:extLst>
+          </p:cNvPr>
+          <p:cNvGrpSpPr/>
+          <p:nvPr/>
+        </p:nvGrpSpPr>
+        <p:grpSpPr>
+          <a:xfrm>
+            <a:off x="2364397" y="1192789"/>
+            <a:ext cx="7463206" cy="3726854"/>
+            <a:chOff x="1875620" y="1512279"/>
+            <a:chExt cx="7463206" cy="3726854"/>
+          </a:xfrm>
+        </p:grpSpPr>
+        <p:sp>
+          <p:nvSpPr>
+            <p:cNvPr id="20" name="TextBox 19">
+              <a:extLst>
+                <a:ext uri="{FF2B5EF4-FFF2-40B4-BE49-F238E27FC236}">
+                  <a16:creationId xmlns:a16="http://schemas.microsoft.com/office/drawing/2014/main" id="{2CAF5D9D-B212-4CBE-AD9A-0A5C193F71A7}"/>
+                </a:ext>
+              </a:extLst>
+            </p:cNvPr>
+            <p:cNvSpPr txBox="1"/>
+            <p:nvPr/>
+          </p:nvSpPr>
+          <p:spPr>
+            <a:xfrm>
+              <a:off x="4841363" y="1512279"/>
+              <a:ext cx="1400100" cy="369332"/>
+            </a:xfrm>
+            <a:prstGeom prst="rect">
+              <a:avLst/>
+            </a:prstGeom>
+            <a:noFill/>
+          </p:spPr>
+          <p:txBody>
+            <a:bodyPr wrap="square" rtlCol="0">
+              <a:spAutoFit/>
+            </a:bodyPr>
+            <a:lstStyle/>
+            <a:p>
+              <a:pPr algn="ctr"/>
+              <a:r>
+                <a:rPr lang="en-US" altLang="ko-KR" dirty="0"/>
+                <a:t>&lt;A</a:t>
+              </a:r>
+              <a:r>
+                <a:rPr lang="ko-KR" altLang="en-US" dirty="0"/>
+                <a:t>좌표계</a:t>
+              </a:r>
+              <a:r>
+                <a:rPr lang="en-US" altLang="ko-KR" dirty="0"/>
+                <a:t>&gt;</a:t>
+              </a:r>
+              <a:endParaRPr lang="ko-KR" altLang="en-US" dirty="0"/>
+            </a:p>
+          </p:txBody>
+        </p:sp>
+        <p:grpSp>
+          <p:nvGrpSpPr>
+            <p:cNvPr id="49" name="그룹 48">
+              <a:extLst>
+                <a:ext uri="{FF2B5EF4-FFF2-40B4-BE49-F238E27FC236}">
+                  <a16:creationId xmlns:a16="http://schemas.microsoft.com/office/drawing/2014/main" id="{06BD2957-056F-4CA5-A068-540E55CFE50F}"/>
+                </a:ext>
+              </a:extLst>
+            </p:cNvPr>
+            <p:cNvGrpSpPr/>
+            <p:nvPr/>
+          </p:nvGrpSpPr>
+          <p:grpSpPr>
+            <a:xfrm>
+              <a:off x="1875620" y="1927908"/>
+              <a:ext cx="7463206" cy="3311225"/>
+              <a:chOff x="950204" y="506732"/>
+              <a:chExt cx="7463206" cy="3311225"/>
+            </a:xfrm>
+          </p:grpSpPr>
+          <p:cxnSp>
+            <p:nvCxnSpPr>
+              <p:cNvPr id="2" name="직선 화살표 연결선 1">
+                <a:extLst>
+                  <a:ext uri="{FF2B5EF4-FFF2-40B4-BE49-F238E27FC236}">
+                    <a16:creationId xmlns:a16="http://schemas.microsoft.com/office/drawing/2014/main" id="{8770F50C-3491-4BBA-8BEA-0AE4978567B7}"/>
+                  </a:ext>
+                </a:extLst>
+              </p:cNvPr>
+              <p:cNvCxnSpPr>
+                <a:cxnSpLocks/>
+              </p:cNvCxnSpPr>
+              <p:nvPr/>
+            </p:nvCxnSpPr>
+            <p:spPr>
+              <a:xfrm>
+                <a:off x="2861274" y="2906044"/>
+                <a:ext cx="4632960" cy="0"/>
+              </a:xfrm>
+              <a:prstGeom prst="straightConnector1">
+                <a:avLst/>
+              </a:prstGeom>
+              <a:ln w="19050">
+                <a:solidFill>
+                  <a:schemeClr val="tx1"/>
+                </a:solidFill>
+                <a:tailEnd type="triangle"/>
+              </a:ln>
+            </p:spPr>
+            <p:style>
+              <a:lnRef idx="1">
+                <a:schemeClr val="accent1"/>
+              </a:lnRef>
+              <a:fillRef idx="0">
+                <a:schemeClr val="accent1"/>
+              </a:fillRef>
+              <a:effectRef idx="0">
+                <a:schemeClr val="accent1"/>
+              </a:effectRef>
+              <a:fontRef idx="minor">
+                <a:schemeClr val="tx1"/>
+              </a:fontRef>
+            </p:style>
+          </p:cxnSp>
+          <p:sp>
+            <p:nvSpPr>
+              <p:cNvPr id="3" name="타원 2">
+                <a:extLst>
+                  <a:ext uri="{FF2B5EF4-FFF2-40B4-BE49-F238E27FC236}">
+                    <a16:creationId xmlns:a16="http://schemas.microsoft.com/office/drawing/2014/main" id="{2E0EAF2F-44A7-4651-8A35-8FCBF4C1F10A}"/>
+                  </a:ext>
+                </a:extLst>
+              </p:cNvPr>
+              <p:cNvSpPr>
+                <a:spLocks noChangeAspect="1"/>
+              </p:cNvSpPr>
+              <p:nvPr/>
+            </p:nvSpPr>
+            <p:spPr>
+              <a:xfrm>
+                <a:off x="4078214" y="2855244"/>
+                <a:ext cx="101600" cy="101600"/>
+              </a:xfrm>
+              <a:prstGeom prst="ellipse">
+                <a:avLst/>
+              </a:prstGeom>
+              <a:solidFill>
+                <a:schemeClr val="tx1"/>
+              </a:solidFill>
+              <a:ln w="0">
+                <a:noFill/>
+              </a:ln>
+            </p:spPr>
+            <p:style>
+              <a:lnRef idx="2">
+                <a:schemeClr val="accent1">
+                  <a:shade val="50000"/>
+                </a:schemeClr>
+              </a:lnRef>
+              <a:fillRef idx="1">
+                <a:schemeClr val="accent1"/>
+              </a:fillRef>
+              <a:effectRef idx="0">
+                <a:schemeClr val="accent1"/>
+              </a:effectRef>
+              <a:fontRef idx="minor">
+                <a:schemeClr val="lt1"/>
+              </a:fontRef>
+            </p:style>
+            <p:txBody>
+              <a:bodyPr rtlCol="0" anchor="ctr"/>
+              <a:lstStyle/>
+              <a:p>
+                <a:pPr algn="ctr"/>
+                <a:endParaRPr lang="ko-KR" altLang="en-US"/>
+              </a:p>
+            </p:txBody>
+          </p:sp>
+          <p:sp>
+            <p:nvSpPr>
+              <p:cNvPr id="4" name="타원 3">
+                <a:extLst>
+                  <a:ext uri="{FF2B5EF4-FFF2-40B4-BE49-F238E27FC236}">
+                    <a16:creationId xmlns:a16="http://schemas.microsoft.com/office/drawing/2014/main" id="{C5C804AA-76C6-4844-A655-C0106AE73940}"/>
+                  </a:ext>
+                </a:extLst>
+              </p:cNvPr>
+              <p:cNvSpPr>
+                <a:spLocks noChangeAspect="1"/>
+              </p:cNvSpPr>
+              <p:nvPr/>
+            </p:nvSpPr>
+            <p:spPr>
+              <a:xfrm>
+                <a:off x="6249914" y="2855244"/>
+                <a:ext cx="101600" cy="101600"/>
+              </a:xfrm>
+              <a:prstGeom prst="ellipse">
+                <a:avLst/>
+              </a:prstGeom>
+              <a:solidFill>
+                <a:schemeClr val="tx1"/>
+              </a:solidFill>
+              <a:ln w="0">
+                <a:noFill/>
+              </a:ln>
+            </p:spPr>
+            <p:style>
+              <a:lnRef idx="2">
+                <a:schemeClr val="accent1">
+                  <a:shade val="50000"/>
+                </a:schemeClr>
+              </a:lnRef>
+              <a:fillRef idx="1">
+                <a:schemeClr val="accent1"/>
+              </a:fillRef>
+              <a:effectRef idx="0">
+                <a:schemeClr val="accent1"/>
+              </a:effectRef>
+              <a:fontRef idx="minor">
+                <a:schemeClr val="lt1"/>
+              </a:fontRef>
+            </p:style>
+            <p:txBody>
+              <a:bodyPr rtlCol="0" anchor="ctr"/>
+              <a:lstStyle/>
+              <a:p>
+                <a:pPr algn="ctr"/>
+                <a:endParaRPr lang="ko-KR" altLang="en-US"/>
+              </a:p>
+            </p:txBody>
+          </p:sp>
+          <mc:AlternateContent xmlns:mc="http://schemas.openxmlformats.org/markup-compatibility/2006">
+            <mc:Choice xmlns:a14="http://schemas.microsoft.com/office/drawing/2010/main" Requires="a14">
+              <p:sp>
+                <p:nvSpPr>
+                  <p:cNvPr id="8" name="TextBox 7">
+                    <a:extLst>
+                      <a:ext uri="{FF2B5EF4-FFF2-40B4-BE49-F238E27FC236}">
+                        <a16:creationId xmlns:a16="http://schemas.microsoft.com/office/drawing/2014/main" id="{3AF66CAF-4525-4AE8-ABB0-E3EA4014A045}"/>
+                      </a:ext>
+                    </a:extLst>
+                  </p:cNvPr>
+                  <p:cNvSpPr txBox="1"/>
+                  <p:nvPr/>
+                </p:nvSpPr>
+                <p:spPr>
+                  <a:xfrm>
+                    <a:off x="4027694" y="3007644"/>
+                    <a:ext cx="233680" cy="369332"/>
+                  </a:xfrm>
+                  <a:prstGeom prst="rect">
+                    <a:avLst/>
+                  </a:prstGeom>
+                  <a:noFill/>
+                </p:spPr>
+                <p:txBody>
+                  <a:bodyPr wrap="square" rtlCol="0">
+                    <a:spAutoFit/>
+                  </a:bodyPr>
+                  <a:lstStyle/>
+                  <a:p>
+                    <a:pPr algn="ctr"/>
+                    <a14:m>
+                      <m:oMathPara xmlns:m="http://schemas.openxmlformats.org/officeDocument/2006/math">
+                        <m:oMathParaPr>
+                          <m:jc m:val="centerGroup"/>
+                        </m:oMathParaPr>
+                        <m:oMath xmlns:m="http://schemas.openxmlformats.org/officeDocument/2006/math">
+                          <m:r>
+                            <a:rPr lang="en-US" altLang="ko-KR" b="0" i="1" smtClean="0">
+                              <a:latin typeface="Cambria Math" panose="02040503050406030204" pitchFamily="18" charset="0"/>
+                            </a:rPr>
+                            <m:t>𝐴</m:t>
+                          </m:r>
+                        </m:oMath>
+                      </m:oMathPara>
+                    </a14:m>
+                    <a:endParaRPr lang="ko-KR" altLang="en-US" dirty="0">
+                      <a:latin typeface="Cambria Math" panose="02040503050406030204" pitchFamily="18" charset="0"/>
+                    </a:endParaRPr>
+                  </a:p>
+                </p:txBody>
+              </p:sp>
+            </mc:Choice>
+            <mc:Fallback>
+              <p:sp>
+                <p:nvSpPr>
+                  <p:cNvPr id="8" name="TextBox 7">
+                    <a:extLst>
+                      <a:ext uri="{FF2B5EF4-FFF2-40B4-BE49-F238E27FC236}">
+                        <a16:creationId xmlns:a16="http://schemas.microsoft.com/office/drawing/2014/main" id="{3AF66CAF-4525-4AE8-ABB0-E3EA4014A045}"/>
+                      </a:ext>
+                    </a:extLst>
+                  </p:cNvPr>
+                  <p:cNvSpPr txBox="1">
+                    <a:spLocks noRot="1" noChangeAspect="1" noMove="1" noResize="1" noEditPoints="1" noAdjustHandles="1" noChangeArrowheads="1" noChangeShapeType="1" noTextEdit="1"/>
+                  </p:cNvSpPr>
+                  <p:nvPr/>
+                </p:nvSpPr>
+                <p:spPr>
+                  <a:xfrm>
+                    <a:off x="4027694" y="3007644"/>
+                    <a:ext cx="233680" cy="369332"/>
+                  </a:xfrm>
+                  <a:prstGeom prst="rect">
+                    <a:avLst/>
+                  </a:prstGeom>
+                  <a:blipFill>
+                    <a:blip r:embed="rId2"/>
+                    <a:stretch>
+                      <a:fillRect l="-28947" r="-5263"/>
+                    </a:stretch>
+                  </a:blipFill>
+                </p:spPr>
+                <p:txBody>
+                  <a:bodyPr/>
+                  <a:lstStyle/>
+                  <a:p>
+                    <a:r>
+                      <a:rPr lang="ko-KR" altLang="en-US">
+                        <a:noFill/>
+                      </a:rPr>
+                      <a:t> </a:t>
+                    </a:r>
+                  </a:p>
+                </p:txBody>
+              </p:sp>
+            </mc:Fallback>
+          </mc:AlternateContent>
+          <mc:AlternateContent xmlns:mc="http://schemas.openxmlformats.org/markup-compatibility/2006">
+            <mc:Choice xmlns:a14="http://schemas.microsoft.com/office/drawing/2010/main" Requires="a14">
+              <p:sp>
+                <p:nvSpPr>
+                  <p:cNvPr id="10" name="TextBox 9">
+                    <a:extLst>
+                      <a:ext uri="{FF2B5EF4-FFF2-40B4-BE49-F238E27FC236}">
+                        <a16:creationId xmlns:a16="http://schemas.microsoft.com/office/drawing/2014/main" id="{CBEFC10D-D445-4B49-9786-DFDEBA0B7F31}"/>
+                      </a:ext>
+                    </a:extLst>
+                  </p:cNvPr>
+                  <p:cNvSpPr txBox="1"/>
+                  <p:nvPr/>
+                </p:nvSpPr>
+                <p:spPr>
+                  <a:xfrm>
+                    <a:off x="6183874" y="3007644"/>
+                    <a:ext cx="233680" cy="369332"/>
+                  </a:xfrm>
+                  <a:prstGeom prst="rect">
+                    <a:avLst/>
+                  </a:prstGeom>
+                  <a:noFill/>
+                </p:spPr>
+                <p:txBody>
+                  <a:bodyPr wrap="square" rtlCol="0">
+                    <a:spAutoFit/>
+                  </a:bodyPr>
+                  <a:lstStyle/>
+                  <a:p>
+                    <a:pPr algn="ctr"/>
+                    <a14:m>
+                      <m:oMathPara xmlns:m="http://schemas.openxmlformats.org/officeDocument/2006/math">
+                        <m:oMathParaPr>
+                          <m:jc m:val="centerGroup"/>
+                        </m:oMathParaPr>
+                        <m:oMath xmlns:m="http://schemas.openxmlformats.org/officeDocument/2006/math">
+                          <m:r>
+                            <a:rPr lang="en-US" altLang="ko-KR" b="0" i="1" smtClean="0">
+                              <a:latin typeface="Cambria Math" panose="02040503050406030204" pitchFamily="18" charset="0"/>
+                            </a:rPr>
+                            <m:t>𝐵</m:t>
+                          </m:r>
+                        </m:oMath>
+                      </m:oMathPara>
+                    </a14:m>
+                    <a:endParaRPr lang="ko-KR" altLang="en-US" dirty="0">
+                      <a:latin typeface="Cambria Math" panose="02040503050406030204" pitchFamily="18" charset="0"/>
+                    </a:endParaRPr>
+                  </a:p>
+                </p:txBody>
+              </p:sp>
+            </mc:Choice>
+            <mc:Fallback>
+              <p:sp>
+                <p:nvSpPr>
+                  <p:cNvPr id="10" name="TextBox 9">
+                    <a:extLst>
+                      <a:ext uri="{FF2B5EF4-FFF2-40B4-BE49-F238E27FC236}">
+                        <a16:creationId xmlns:a16="http://schemas.microsoft.com/office/drawing/2014/main" id="{CBEFC10D-D445-4B49-9786-DFDEBA0B7F31}"/>
+                      </a:ext>
+                    </a:extLst>
+                  </p:cNvPr>
+                  <p:cNvSpPr txBox="1">
+                    <a:spLocks noRot="1" noChangeAspect="1" noMove="1" noResize="1" noEditPoints="1" noAdjustHandles="1" noChangeArrowheads="1" noChangeShapeType="1" noTextEdit="1"/>
+                  </p:cNvSpPr>
+                  <p:nvPr/>
+                </p:nvSpPr>
+                <p:spPr>
+                  <a:xfrm>
+                    <a:off x="6183874" y="3007644"/>
+                    <a:ext cx="233680" cy="369332"/>
+                  </a:xfrm>
+                  <a:prstGeom prst="rect">
+                    <a:avLst/>
+                  </a:prstGeom>
+                  <a:blipFill>
+                    <a:blip r:embed="rId3"/>
+                    <a:stretch>
+                      <a:fillRect l="-28205" r="-5128"/>
+                    </a:stretch>
+                  </a:blipFill>
+                </p:spPr>
+                <p:txBody>
+                  <a:bodyPr/>
+                  <a:lstStyle/>
+                  <a:p>
+                    <a:r>
+                      <a:rPr lang="ko-KR" altLang="en-US">
+                        <a:noFill/>
+                      </a:rPr>
+                      <a:t> </a:t>
+                    </a:r>
+                  </a:p>
+                </p:txBody>
+              </p:sp>
+            </mc:Fallback>
+          </mc:AlternateContent>
+          <mc:AlternateContent xmlns:mc="http://schemas.openxmlformats.org/markup-compatibility/2006">
+            <mc:Choice xmlns:a14="http://schemas.microsoft.com/office/drawing/2010/main" Requires="a14">
+              <p:sp>
+                <p:nvSpPr>
+                  <p:cNvPr id="13" name="TextBox 12">
+                    <a:extLst>
+                      <a:ext uri="{FF2B5EF4-FFF2-40B4-BE49-F238E27FC236}">
+                        <a16:creationId xmlns:a16="http://schemas.microsoft.com/office/drawing/2014/main" id="{EDCD02BD-365E-4DBE-BAED-1BC6C3044CD0}"/>
+                      </a:ext>
+                    </a:extLst>
+                  </p:cNvPr>
+                  <p:cNvSpPr txBox="1"/>
+                  <p:nvPr/>
+                </p:nvSpPr>
+                <p:spPr>
+                  <a:xfrm>
+                    <a:off x="7494234" y="2721378"/>
+                    <a:ext cx="398500" cy="369332"/>
+                  </a:xfrm>
+                  <a:prstGeom prst="rect">
+                    <a:avLst/>
+                  </a:prstGeom>
+                  <a:noFill/>
+                </p:spPr>
+                <p:txBody>
+                  <a:bodyPr wrap="square" rtlCol="0">
+                    <a:spAutoFit/>
+                  </a:bodyPr>
+                  <a:lstStyle/>
+                  <a:p>
+                    <a:pPr algn="ctr"/>
+                    <a14:m>
+                      <m:oMathPara xmlns:m="http://schemas.openxmlformats.org/officeDocument/2006/math">
+                        <m:oMathParaPr>
+                          <m:jc m:val="centerGroup"/>
+                        </m:oMathParaPr>
+                        <m:oMath xmlns:m="http://schemas.openxmlformats.org/officeDocument/2006/math">
+                          <m:sSub>
+                            <m:sSubPr>
+                              <m:ctrlPr>
+                                <a:rPr lang="en-US" altLang="ko-KR" b="0" i="1" smtClean="0">
+                                  <a:latin typeface="Cambria Math" panose="02040503050406030204" pitchFamily="18" charset="0"/>
+                                </a:rPr>
+                              </m:ctrlPr>
+                            </m:sSubPr>
+                            <m:e>
+                              <m:r>
+                                <a:rPr lang="en-US" altLang="ko-KR" b="0" i="1" smtClean="0">
+                                  <a:latin typeface="Cambria Math" panose="02040503050406030204" pitchFamily="18" charset="0"/>
+                                </a:rPr>
+                                <m:t>𝑥</m:t>
+                              </m:r>
+                            </m:e>
+                            <m:sub>
+                              <m:r>
+                                <a:rPr lang="en-US" altLang="ko-KR" b="0" i="1" smtClean="0">
+                                  <a:latin typeface="Cambria Math" panose="02040503050406030204" pitchFamily="18" charset="0"/>
+                                </a:rPr>
+                                <m:t>𝐴</m:t>
+                              </m:r>
+                            </m:sub>
+                          </m:sSub>
+                        </m:oMath>
+                      </m:oMathPara>
+                    </a14:m>
+                    <a:endParaRPr lang="ko-KR" altLang="en-US" dirty="0">
+                      <a:latin typeface="Cambria Math" panose="02040503050406030204" pitchFamily="18" charset="0"/>
+                    </a:endParaRPr>
+                  </a:p>
+                </p:txBody>
+              </p:sp>
+            </mc:Choice>
+            <mc:Fallback>
+              <p:sp>
+                <p:nvSpPr>
+                  <p:cNvPr id="13" name="TextBox 12">
+                    <a:extLst>
+                      <a:ext uri="{FF2B5EF4-FFF2-40B4-BE49-F238E27FC236}">
+                        <a16:creationId xmlns:a16="http://schemas.microsoft.com/office/drawing/2014/main" id="{EDCD02BD-365E-4DBE-BAED-1BC6C3044CD0}"/>
+                      </a:ext>
+                    </a:extLst>
+                  </p:cNvPr>
+                  <p:cNvSpPr txBox="1">
+                    <a:spLocks noRot="1" noChangeAspect="1" noMove="1" noResize="1" noEditPoints="1" noAdjustHandles="1" noChangeArrowheads="1" noChangeShapeType="1" noTextEdit="1"/>
+                  </p:cNvSpPr>
+                  <p:nvPr/>
+                </p:nvSpPr>
+                <p:spPr>
+                  <a:xfrm>
+                    <a:off x="7494234" y="2721378"/>
+                    <a:ext cx="398500" cy="369332"/>
+                  </a:xfrm>
+                  <a:prstGeom prst="rect">
+                    <a:avLst/>
+                  </a:prstGeom>
+                  <a:blipFill>
+                    <a:blip r:embed="rId4"/>
+                    <a:stretch>
+                      <a:fillRect/>
+                    </a:stretch>
+                  </a:blipFill>
+                </p:spPr>
+                <p:txBody>
+                  <a:bodyPr/>
+                  <a:lstStyle/>
+                  <a:p>
+                    <a:r>
+                      <a:rPr lang="ko-KR" altLang="en-US">
+                        <a:noFill/>
+                      </a:rPr>
+                      <a:t> </a:t>
+                    </a:r>
+                  </a:p>
+                </p:txBody>
+              </p:sp>
+            </mc:Fallback>
+          </mc:AlternateContent>
+          <p:sp>
+            <p:nvSpPr>
+              <p:cNvPr id="14" name="TextBox 13">
+                <a:extLst>
+                  <a:ext uri="{FF2B5EF4-FFF2-40B4-BE49-F238E27FC236}">
+                    <a16:creationId xmlns:a16="http://schemas.microsoft.com/office/drawing/2014/main" id="{2EBF8255-50D9-4514-9F1D-57D545C82F37}"/>
+                  </a:ext>
+                </a:extLst>
+              </p:cNvPr>
+              <p:cNvSpPr txBox="1"/>
+              <p:nvPr/>
+            </p:nvSpPr>
+            <p:spPr>
+              <a:xfrm>
+                <a:off x="3795742" y="2429316"/>
+                <a:ext cx="657855" cy="369332"/>
+              </a:xfrm>
+              <a:prstGeom prst="rect">
+                <a:avLst/>
+              </a:prstGeom>
+              <a:noFill/>
+            </p:spPr>
+            <p:txBody>
+              <a:bodyPr wrap="square" rtlCol="0">
+                <a:spAutoFit/>
+              </a:bodyPr>
+              <a:lstStyle/>
+              <a:p>
+                <a:pPr algn="ctr"/>
+                <a:r>
+                  <a:rPr lang="ko-KR" altLang="en-US" dirty="0"/>
+                  <a:t>정지</a:t>
+                </a:r>
+              </a:p>
+            </p:txBody>
+          </p:sp>
+          <p:cxnSp>
+            <p:nvCxnSpPr>
+              <p:cNvPr id="16" name="직선 화살표 연결선 15">
+                <a:extLst>
+                  <a:ext uri="{FF2B5EF4-FFF2-40B4-BE49-F238E27FC236}">
+                    <a16:creationId xmlns:a16="http://schemas.microsoft.com/office/drawing/2014/main" id="{4CED7D5F-E7E8-4BC4-AFFC-3C759AC4ADA2}"/>
+                  </a:ext>
+                </a:extLst>
+              </p:cNvPr>
+              <p:cNvCxnSpPr>
+                <a:cxnSpLocks/>
+              </p:cNvCxnSpPr>
+              <p:nvPr/>
+            </p:nvCxnSpPr>
+            <p:spPr>
+              <a:xfrm>
+                <a:off x="6097514" y="2721378"/>
+                <a:ext cx="426720" cy="0"/>
+              </a:xfrm>
+              <a:prstGeom prst="straightConnector1">
+                <a:avLst/>
+              </a:prstGeom>
+              <a:ln w="19050">
+                <a:solidFill>
+                  <a:srgbClr val="FF0000"/>
+                </a:solidFill>
+                <a:tailEnd type="triangle"/>
+              </a:ln>
+            </p:spPr>
+            <p:style>
+              <a:lnRef idx="1">
+                <a:schemeClr val="accent1"/>
+              </a:lnRef>
+              <a:fillRef idx="0">
+                <a:schemeClr val="accent1"/>
+              </a:fillRef>
+              <a:effectRef idx="0">
+                <a:schemeClr val="accent1"/>
+              </a:effectRef>
+              <a:fontRef idx="minor">
+                <a:schemeClr val="tx1"/>
+              </a:fontRef>
+            </p:style>
+          </p:cxnSp>
+          <mc:AlternateContent xmlns:mc="http://schemas.openxmlformats.org/markup-compatibility/2006">
+            <mc:Choice xmlns:a14="http://schemas.microsoft.com/office/drawing/2010/main" Requires="a14">
+              <p:sp>
+                <p:nvSpPr>
+                  <p:cNvPr id="18" name="TextBox 17">
+                    <a:extLst>
+                      <a:ext uri="{FF2B5EF4-FFF2-40B4-BE49-F238E27FC236}">
+                        <a16:creationId xmlns:a16="http://schemas.microsoft.com/office/drawing/2014/main" id="{64F12715-E915-4875-82DD-69659255BC23}"/>
+                      </a:ext>
+                    </a:extLst>
+                  </p:cNvPr>
+                  <p:cNvSpPr txBox="1"/>
+                  <p:nvPr/>
+                </p:nvSpPr>
+                <p:spPr>
+                  <a:xfrm>
+                    <a:off x="6205604" y="2361313"/>
+                    <a:ext cx="233680" cy="369332"/>
+                  </a:xfrm>
+                  <a:prstGeom prst="rect">
+                    <a:avLst/>
+                  </a:prstGeom>
+                  <a:noFill/>
+                </p:spPr>
+                <p:txBody>
+                  <a:bodyPr wrap="square" rtlCol="0">
+                    <a:spAutoFit/>
+                  </a:bodyPr>
+                  <a:lstStyle/>
+                  <a:p>
+                    <a:pPr algn="ctr"/>
+                    <a14:m>
+                      <m:oMathPara xmlns:m="http://schemas.openxmlformats.org/officeDocument/2006/math">
+                        <m:oMathParaPr>
+                          <m:jc m:val="centerGroup"/>
+                        </m:oMathParaPr>
+                        <m:oMath xmlns:m="http://schemas.openxmlformats.org/officeDocument/2006/math">
+                          <m:r>
+                            <a:rPr lang="en-US" altLang="ko-KR" b="0" i="1" smtClean="0">
+                              <a:latin typeface="Cambria Math" panose="02040503050406030204" pitchFamily="18" charset="0"/>
+                            </a:rPr>
+                            <m:t>𝑣</m:t>
+                          </m:r>
+                        </m:oMath>
+                      </m:oMathPara>
+                    </a14:m>
+                    <a:endParaRPr lang="ko-KR" altLang="en-US" dirty="0">
+                      <a:latin typeface="Cambria Math" panose="02040503050406030204" pitchFamily="18" charset="0"/>
+                    </a:endParaRPr>
+                  </a:p>
+                </p:txBody>
+              </p:sp>
+            </mc:Choice>
+            <mc:Fallback>
+              <p:sp>
+                <p:nvSpPr>
+                  <p:cNvPr id="18" name="TextBox 17">
+                    <a:extLst>
+                      <a:ext uri="{FF2B5EF4-FFF2-40B4-BE49-F238E27FC236}">
+                        <a16:creationId xmlns:a16="http://schemas.microsoft.com/office/drawing/2014/main" id="{64F12715-E915-4875-82DD-69659255BC23}"/>
+                      </a:ext>
+                    </a:extLst>
+                  </p:cNvPr>
+                  <p:cNvSpPr txBox="1">
+                    <a:spLocks noRot="1" noChangeAspect="1" noMove="1" noResize="1" noEditPoints="1" noAdjustHandles="1" noChangeArrowheads="1" noChangeShapeType="1" noTextEdit="1"/>
+                  </p:cNvSpPr>
+                  <p:nvPr/>
+                </p:nvSpPr>
+                <p:spPr>
+                  <a:xfrm>
+                    <a:off x="6205604" y="2361313"/>
+                    <a:ext cx="233680" cy="369332"/>
+                  </a:xfrm>
+                  <a:prstGeom prst="rect">
+                    <a:avLst/>
+                  </a:prstGeom>
+                  <a:blipFill>
+                    <a:blip r:embed="rId5"/>
+                    <a:stretch>
+                      <a:fillRect l="-15789"/>
+                    </a:stretch>
+                  </a:blipFill>
+                </p:spPr>
+                <p:txBody>
+                  <a:bodyPr/>
+                  <a:lstStyle/>
+                  <a:p>
+                    <a:r>
+                      <a:rPr lang="ko-KR" altLang="en-US">
+                        <a:noFill/>
+                      </a:rPr>
+                      <a:t> </a:t>
+                    </a:r>
+                  </a:p>
+                </p:txBody>
+              </p:sp>
+            </mc:Fallback>
+          </mc:AlternateContent>
+          <p:cxnSp>
+            <p:nvCxnSpPr>
+              <p:cNvPr id="23" name="직선 화살표 연결선 22">
+                <a:extLst>
+                  <a:ext uri="{FF2B5EF4-FFF2-40B4-BE49-F238E27FC236}">
+                    <a16:creationId xmlns:a16="http://schemas.microsoft.com/office/drawing/2014/main" id="{5B9C2A20-3060-409D-9F3B-9BD5DD6F63D4}"/>
+                  </a:ext>
+                </a:extLst>
+              </p:cNvPr>
+              <p:cNvCxnSpPr>
+                <a:cxnSpLocks/>
+              </p:cNvCxnSpPr>
+              <p:nvPr/>
+            </p:nvCxnSpPr>
+            <p:spPr>
+              <a:xfrm flipV="1">
+                <a:off x="2861274" y="936434"/>
+                <a:ext cx="7247" cy="1969610"/>
+              </a:xfrm>
+              <a:prstGeom prst="straightConnector1">
+                <a:avLst/>
+              </a:prstGeom>
+              <a:ln w="19050">
+                <a:solidFill>
+                  <a:schemeClr val="tx1"/>
+                </a:solidFill>
+                <a:tailEnd type="triangle"/>
+              </a:ln>
+            </p:spPr>
+            <p:style>
+              <a:lnRef idx="1">
+                <a:schemeClr val="accent1"/>
+              </a:lnRef>
+              <a:fillRef idx="0">
+                <a:schemeClr val="accent1"/>
+              </a:fillRef>
+              <a:effectRef idx="0">
+                <a:schemeClr val="accent1"/>
+              </a:effectRef>
+              <a:fontRef idx="minor">
+                <a:schemeClr val="tx1"/>
+              </a:fontRef>
+            </p:style>
+          </p:cxnSp>
+          <p:cxnSp>
+            <p:nvCxnSpPr>
+              <p:cNvPr id="25" name="직선 화살표 연결선 24">
+                <a:extLst>
+                  <a:ext uri="{FF2B5EF4-FFF2-40B4-BE49-F238E27FC236}">
+                    <a16:creationId xmlns:a16="http://schemas.microsoft.com/office/drawing/2014/main" id="{941849B0-EE85-46C2-9CF6-740A74116AA0}"/>
+                  </a:ext>
+                </a:extLst>
+              </p:cNvPr>
+              <p:cNvCxnSpPr>
+                <a:cxnSpLocks/>
+              </p:cNvCxnSpPr>
+              <p:nvPr/>
+            </p:nvCxnSpPr>
+            <p:spPr>
+              <a:xfrm flipH="1">
+                <a:off x="1605125" y="2906044"/>
+                <a:ext cx="1263396" cy="626588"/>
+              </a:xfrm>
+              <a:prstGeom prst="straightConnector1">
+                <a:avLst/>
+              </a:prstGeom>
+              <a:ln w="19050">
+                <a:solidFill>
+                  <a:schemeClr val="tx1"/>
+                </a:solidFill>
+                <a:tailEnd type="triangle"/>
+              </a:ln>
+            </p:spPr>
+            <p:style>
+              <a:lnRef idx="1">
+                <a:schemeClr val="accent1"/>
+              </a:lnRef>
+              <a:fillRef idx="0">
+                <a:schemeClr val="accent1"/>
+              </a:fillRef>
+              <a:effectRef idx="0">
+                <a:schemeClr val="accent1"/>
+              </a:effectRef>
+              <a:fontRef idx="minor">
+                <a:schemeClr val="tx1"/>
+              </a:fontRef>
+            </p:style>
+          </p:cxnSp>
+          <p:sp>
+            <p:nvSpPr>
+              <p:cNvPr id="29" name="평행 사변형 28">
+                <a:extLst>
+                  <a:ext uri="{FF2B5EF4-FFF2-40B4-BE49-F238E27FC236}">
+                    <a16:creationId xmlns:a16="http://schemas.microsoft.com/office/drawing/2014/main" id="{A241696E-7340-4D13-98AF-8C73A6201F8C}"/>
+                  </a:ext>
+                </a:extLst>
+              </p:cNvPr>
+              <p:cNvSpPr/>
+              <p:nvPr/>
+            </p:nvSpPr>
+            <p:spPr>
+              <a:xfrm>
+                <a:off x="950204" y="1353814"/>
+                <a:ext cx="7463206" cy="832100"/>
+              </a:xfrm>
+              <a:prstGeom prst="parallelogram">
+                <a:avLst>
+                  <a:gd name="adj" fmla="val 195237"/>
+                </a:avLst>
+              </a:prstGeom>
+              <a:solidFill>
+                <a:schemeClr val="accent1">
+                  <a:alpha val="50000"/>
+                </a:schemeClr>
+              </a:solidFill>
+            </p:spPr>
+            <p:style>
+              <a:lnRef idx="2">
+                <a:schemeClr val="accent1">
+                  <a:shade val="50000"/>
+                </a:schemeClr>
+              </a:lnRef>
+              <a:fillRef idx="1">
+                <a:schemeClr val="accent1"/>
+              </a:fillRef>
+              <a:effectRef idx="0">
+                <a:schemeClr val="accent1"/>
+              </a:effectRef>
+              <a:fontRef idx="minor">
+                <a:schemeClr val="lt1"/>
+              </a:fontRef>
+            </p:style>
+            <p:txBody>
+              <a:bodyPr rtlCol="0" anchor="ctr"/>
+              <a:lstStyle/>
+              <a:p>
+                <a:pPr algn="ctr"/>
+                <a:endParaRPr lang="ko-KR" altLang="en-US" dirty="0"/>
+              </a:p>
+            </p:txBody>
+          </p:sp>
+          <p:sp>
+            <p:nvSpPr>
+              <p:cNvPr id="32" name="타원 31">
+                <a:extLst>
+                  <a:ext uri="{FF2B5EF4-FFF2-40B4-BE49-F238E27FC236}">
+                    <a16:creationId xmlns:a16="http://schemas.microsoft.com/office/drawing/2014/main" id="{48CDDB8E-5B3C-48B2-9752-090CB2F0BB06}"/>
+                  </a:ext>
+                </a:extLst>
+              </p:cNvPr>
+              <p:cNvSpPr>
+                <a:spLocks noChangeAspect="1"/>
+              </p:cNvSpPr>
+              <p:nvPr/>
+            </p:nvSpPr>
+            <p:spPr>
+              <a:xfrm>
+                <a:off x="4073870" y="1769864"/>
+                <a:ext cx="101600" cy="101600"/>
+              </a:xfrm>
+              <a:prstGeom prst="ellipse">
+                <a:avLst/>
+              </a:prstGeom>
+              <a:solidFill>
+                <a:schemeClr val="tx1"/>
+              </a:solidFill>
+              <a:ln w="0">
+                <a:noFill/>
+              </a:ln>
+            </p:spPr>
+            <p:style>
+              <a:lnRef idx="2">
+                <a:schemeClr val="accent1">
+                  <a:shade val="50000"/>
+                </a:schemeClr>
+              </a:lnRef>
+              <a:fillRef idx="1">
+                <a:schemeClr val="accent1"/>
+              </a:fillRef>
+              <a:effectRef idx="0">
+                <a:schemeClr val="accent1"/>
+              </a:effectRef>
+              <a:fontRef idx="minor">
+                <a:schemeClr val="lt1"/>
+              </a:fontRef>
+            </p:style>
+            <p:txBody>
+              <a:bodyPr rtlCol="0" anchor="ctr"/>
+              <a:lstStyle/>
+              <a:p>
+                <a:pPr algn="ctr"/>
+                <a:endParaRPr lang="ko-KR" altLang="en-US"/>
+              </a:p>
+            </p:txBody>
+          </p:sp>
+          <p:sp>
+            <p:nvSpPr>
+              <p:cNvPr id="34" name="타원 33">
+                <a:extLst>
+                  <a:ext uri="{FF2B5EF4-FFF2-40B4-BE49-F238E27FC236}">
+                    <a16:creationId xmlns:a16="http://schemas.microsoft.com/office/drawing/2014/main" id="{5B41FCE4-E09F-43ED-B437-D45649E9CC50}"/>
+                  </a:ext>
+                </a:extLst>
+              </p:cNvPr>
+              <p:cNvSpPr>
+                <a:spLocks noChangeAspect="1"/>
+              </p:cNvSpPr>
+              <p:nvPr/>
+            </p:nvSpPr>
+            <p:spPr>
+              <a:xfrm>
+                <a:off x="6247760" y="1769864"/>
+                <a:ext cx="101600" cy="101600"/>
+              </a:xfrm>
+              <a:prstGeom prst="ellipse">
+                <a:avLst/>
+              </a:prstGeom>
+              <a:solidFill>
+                <a:schemeClr val="tx1"/>
+              </a:solidFill>
+              <a:ln w="0">
+                <a:noFill/>
+              </a:ln>
+            </p:spPr>
+            <p:style>
+              <a:lnRef idx="2">
+                <a:schemeClr val="accent1">
+                  <a:shade val="50000"/>
+                </a:schemeClr>
+              </a:lnRef>
+              <a:fillRef idx="1">
+                <a:schemeClr val="accent1"/>
+              </a:fillRef>
+              <a:effectRef idx="0">
+                <a:schemeClr val="accent1"/>
+              </a:effectRef>
+              <a:fontRef idx="minor">
+                <a:schemeClr val="lt1"/>
+              </a:fontRef>
+            </p:style>
+            <p:txBody>
+              <a:bodyPr rtlCol="0" anchor="ctr"/>
+              <a:lstStyle/>
+              <a:p>
+                <a:pPr algn="ctr"/>
+                <a:endParaRPr lang="ko-KR" altLang="en-US"/>
+              </a:p>
+            </p:txBody>
+          </p:sp>
+          <p:sp>
+            <p:nvSpPr>
+              <p:cNvPr id="37" name="왼쪽 중괄호 36">
+                <a:extLst>
+                  <a:ext uri="{FF2B5EF4-FFF2-40B4-BE49-F238E27FC236}">
+                    <a16:creationId xmlns:a16="http://schemas.microsoft.com/office/drawing/2014/main" id="{1EE882FA-16E3-4902-908F-7864386FFD4A}"/>
+                  </a:ext>
+                </a:extLst>
+              </p:cNvPr>
+              <p:cNvSpPr/>
+              <p:nvPr/>
+            </p:nvSpPr>
+            <p:spPr>
+              <a:xfrm>
+                <a:off x="2524248" y="1811093"/>
+                <a:ext cx="337026" cy="1094951"/>
+              </a:xfrm>
+              <a:prstGeom prst="leftBrace">
+                <a:avLst/>
+              </a:prstGeom>
+              <a:ln w="19050">
+                <a:solidFill>
+                  <a:schemeClr val="tx1"/>
+                </a:solidFill>
+              </a:ln>
+            </p:spPr>
+            <p:style>
+              <a:lnRef idx="1">
+                <a:schemeClr val="accent1"/>
+              </a:lnRef>
+              <a:fillRef idx="0">
+                <a:schemeClr val="accent1"/>
+              </a:fillRef>
+              <a:effectRef idx="0">
+                <a:schemeClr val="accent1"/>
+              </a:effectRef>
+              <a:fontRef idx="minor">
+                <a:schemeClr val="tx1"/>
+              </a:fontRef>
+            </p:style>
+            <p:txBody>
+              <a:bodyPr rtlCol="0" anchor="ctr"/>
+              <a:lstStyle/>
+              <a:p>
+                <a:pPr algn="ctr"/>
+                <a:endParaRPr lang="ko-KR" altLang="en-US"/>
+              </a:p>
+            </p:txBody>
+          </p:sp>
+          <p:sp>
+            <p:nvSpPr>
+              <p:cNvPr id="39" name="타원 38">
+                <a:extLst>
+                  <a:ext uri="{FF2B5EF4-FFF2-40B4-BE49-F238E27FC236}">
+                    <a16:creationId xmlns:a16="http://schemas.microsoft.com/office/drawing/2014/main" id="{2040BF3A-9712-4EBB-AE26-17C9259C00CD}"/>
+                  </a:ext>
+                </a:extLst>
+              </p:cNvPr>
+              <p:cNvSpPr>
+                <a:spLocks noChangeAspect="1"/>
+              </p:cNvSpPr>
+              <p:nvPr/>
+            </p:nvSpPr>
+            <p:spPr>
+              <a:xfrm>
+                <a:off x="2826347" y="1769864"/>
+                <a:ext cx="101600" cy="101600"/>
+              </a:xfrm>
+              <a:prstGeom prst="ellipse">
+                <a:avLst/>
+              </a:prstGeom>
+              <a:solidFill>
+                <a:schemeClr val="tx1"/>
+              </a:solidFill>
+              <a:ln w="0">
+                <a:noFill/>
+              </a:ln>
+            </p:spPr>
+            <p:style>
+              <a:lnRef idx="2">
+                <a:schemeClr val="accent1">
+                  <a:shade val="50000"/>
+                </a:schemeClr>
+              </a:lnRef>
+              <a:fillRef idx="1">
+                <a:schemeClr val="accent1"/>
+              </a:fillRef>
+              <a:effectRef idx="0">
+                <a:schemeClr val="accent1"/>
+              </a:effectRef>
+              <a:fontRef idx="minor">
+                <a:schemeClr val="lt1"/>
+              </a:fontRef>
+            </p:style>
+            <p:txBody>
+              <a:bodyPr rtlCol="0" anchor="ctr"/>
+              <a:lstStyle/>
+              <a:p>
+                <a:pPr algn="ctr"/>
+                <a:endParaRPr lang="ko-KR" altLang="en-US"/>
+              </a:p>
+            </p:txBody>
+          </p:sp>
+          <p:sp>
+            <p:nvSpPr>
+              <p:cNvPr id="41" name="타원 40">
+                <a:extLst>
+                  <a:ext uri="{FF2B5EF4-FFF2-40B4-BE49-F238E27FC236}">
+                    <a16:creationId xmlns:a16="http://schemas.microsoft.com/office/drawing/2014/main" id="{4500505B-2090-4CD7-B52F-92C7A9DB6DA2}"/>
+                  </a:ext>
+                </a:extLst>
+              </p:cNvPr>
+              <p:cNvSpPr>
+                <a:spLocks noChangeAspect="1"/>
+              </p:cNvSpPr>
+              <p:nvPr/>
+            </p:nvSpPr>
+            <p:spPr>
+              <a:xfrm>
+                <a:off x="2817721" y="2851712"/>
+                <a:ext cx="101600" cy="101600"/>
+              </a:xfrm>
+              <a:prstGeom prst="ellipse">
+                <a:avLst/>
+              </a:prstGeom>
+              <a:solidFill>
+                <a:schemeClr val="tx1"/>
+              </a:solidFill>
+              <a:ln w="0">
+                <a:noFill/>
+              </a:ln>
+            </p:spPr>
+            <p:style>
+              <a:lnRef idx="2">
+                <a:schemeClr val="accent1">
+                  <a:shade val="50000"/>
+                </a:schemeClr>
+              </a:lnRef>
+              <a:fillRef idx="1">
+                <a:schemeClr val="accent1"/>
+              </a:fillRef>
+              <a:effectRef idx="0">
+                <a:schemeClr val="accent1"/>
+              </a:effectRef>
+              <a:fontRef idx="minor">
+                <a:schemeClr val="lt1"/>
+              </a:fontRef>
+            </p:style>
+            <p:txBody>
+              <a:bodyPr rtlCol="0" anchor="ctr"/>
+              <a:lstStyle/>
+              <a:p>
+                <a:pPr algn="ctr"/>
+                <a:endParaRPr lang="ko-KR" altLang="en-US"/>
+              </a:p>
+            </p:txBody>
+          </p:sp>
+          <p:cxnSp>
+            <p:nvCxnSpPr>
+              <p:cNvPr id="42" name="직선 화살표 연결선 41">
+                <a:extLst>
+                  <a:ext uri="{FF2B5EF4-FFF2-40B4-BE49-F238E27FC236}">
+                    <a16:creationId xmlns:a16="http://schemas.microsoft.com/office/drawing/2014/main" id="{066165DC-3E8F-4E09-996E-0FA3EE357F17}"/>
+                  </a:ext>
+                </a:extLst>
+              </p:cNvPr>
+              <p:cNvCxnSpPr>
+                <a:cxnSpLocks/>
+              </p:cNvCxnSpPr>
+              <p:nvPr/>
+            </p:nvCxnSpPr>
+            <p:spPr>
+              <a:xfrm>
+                <a:off x="2861274" y="1811093"/>
+                <a:ext cx="4632960" cy="0"/>
+              </a:xfrm>
+              <a:prstGeom prst="straightConnector1">
+                <a:avLst/>
+              </a:prstGeom>
+              <a:ln w="19050">
+                <a:solidFill>
+                  <a:schemeClr val="tx1"/>
+                </a:solidFill>
+                <a:tailEnd type="triangle"/>
+              </a:ln>
+            </p:spPr>
+            <p:style>
+              <a:lnRef idx="1">
+                <a:schemeClr val="accent1"/>
+              </a:lnRef>
+              <a:fillRef idx="0">
+                <a:schemeClr val="accent1"/>
+              </a:fillRef>
+              <a:effectRef idx="0">
+                <a:schemeClr val="accent1"/>
+              </a:effectRef>
+              <a:fontRef idx="minor">
+                <a:schemeClr val="tx1"/>
+              </a:fontRef>
+            </p:style>
+          </p:cxnSp>
+          <mc:AlternateContent xmlns:mc="http://schemas.openxmlformats.org/markup-compatibility/2006">
+            <mc:Choice xmlns:a14="http://schemas.microsoft.com/office/drawing/2010/main" Requires="a14">
+              <p:sp>
+                <p:nvSpPr>
+                  <p:cNvPr id="44" name="TextBox 43">
+                    <a:extLst>
+                      <a:ext uri="{FF2B5EF4-FFF2-40B4-BE49-F238E27FC236}">
+                        <a16:creationId xmlns:a16="http://schemas.microsoft.com/office/drawing/2014/main" id="{7E31A168-326C-4C1A-87A8-7181D130E304}"/>
+                      </a:ext>
+                    </a:extLst>
+                  </p:cNvPr>
+                  <p:cNvSpPr txBox="1"/>
+                  <p:nvPr/>
+                </p:nvSpPr>
+                <p:spPr>
+                  <a:xfrm>
+                    <a:off x="2669271" y="506732"/>
+                    <a:ext cx="398500" cy="369332"/>
+                  </a:xfrm>
+                  <a:prstGeom prst="rect">
+                    <a:avLst/>
+                  </a:prstGeom>
+                  <a:noFill/>
+                </p:spPr>
+                <p:txBody>
+                  <a:bodyPr wrap="square" rtlCol="0">
+                    <a:spAutoFit/>
+                  </a:bodyPr>
+                  <a:lstStyle/>
+                  <a:p>
+                    <a:pPr algn="ctr"/>
+                    <a14:m>
+                      <m:oMathPara xmlns:m="http://schemas.openxmlformats.org/officeDocument/2006/math">
+                        <m:oMathParaPr>
+                          <m:jc m:val="centerGroup"/>
+                        </m:oMathParaPr>
+                        <m:oMath xmlns:m="http://schemas.openxmlformats.org/officeDocument/2006/math">
+                          <m:sSub>
+                            <m:sSubPr>
+                              <m:ctrlPr>
+                                <a:rPr lang="en-US" altLang="ko-KR" b="0" i="1" smtClean="0">
+                                  <a:latin typeface="Cambria Math" panose="02040503050406030204" pitchFamily="18" charset="0"/>
+                                </a:rPr>
+                              </m:ctrlPr>
+                            </m:sSubPr>
+                            <m:e>
+                              <m:r>
+                                <a:rPr lang="en-US" altLang="ko-KR" b="0" i="1" smtClean="0">
+                                  <a:latin typeface="Cambria Math" panose="02040503050406030204" pitchFamily="18" charset="0"/>
+                                </a:rPr>
+                                <m:t>𝑧</m:t>
+                              </m:r>
+                            </m:e>
+                            <m:sub>
+                              <m:r>
+                                <a:rPr lang="en-US" altLang="ko-KR" b="0" i="1" smtClean="0">
+                                  <a:latin typeface="Cambria Math" panose="02040503050406030204" pitchFamily="18" charset="0"/>
+                                </a:rPr>
+                                <m:t>𝐴</m:t>
+                              </m:r>
+                            </m:sub>
+                          </m:sSub>
+                        </m:oMath>
+                      </m:oMathPara>
+                    </a14:m>
+                    <a:endParaRPr lang="ko-KR" altLang="en-US" dirty="0">
+                      <a:latin typeface="Cambria Math" panose="02040503050406030204" pitchFamily="18" charset="0"/>
+                    </a:endParaRPr>
+                  </a:p>
+                </p:txBody>
+              </p:sp>
+            </mc:Choice>
+            <mc:Fallback>
+              <p:sp>
+                <p:nvSpPr>
+                  <p:cNvPr id="44" name="TextBox 43">
+                    <a:extLst>
+                      <a:ext uri="{FF2B5EF4-FFF2-40B4-BE49-F238E27FC236}">
+                        <a16:creationId xmlns:a16="http://schemas.microsoft.com/office/drawing/2014/main" id="{7E31A168-326C-4C1A-87A8-7181D130E304}"/>
+                      </a:ext>
+                    </a:extLst>
+                  </p:cNvPr>
+                  <p:cNvSpPr txBox="1">
+                    <a:spLocks noRot="1" noChangeAspect="1" noMove="1" noResize="1" noEditPoints="1" noAdjustHandles="1" noChangeArrowheads="1" noChangeShapeType="1" noTextEdit="1"/>
+                  </p:cNvSpPr>
+                  <p:nvPr/>
+                </p:nvSpPr>
+                <p:spPr>
+                  <a:xfrm>
+                    <a:off x="2669271" y="506732"/>
+                    <a:ext cx="398500" cy="369332"/>
+                  </a:xfrm>
+                  <a:prstGeom prst="rect">
+                    <a:avLst/>
+                  </a:prstGeom>
+                  <a:blipFill>
+                    <a:blip r:embed="rId6"/>
+                    <a:stretch>
+                      <a:fillRect b="-1667"/>
+                    </a:stretch>
+                  </a:blipFill>
+                </p:spPr>
+                <p:txBody>
+                  <a:bodyPr/>
+                  <a:lstStyle/>
+                  <a:p>
+                    <a:r>
+                      <a:rPr lang="ko-KR" altLang="en-US">
+                        <a:noFill/>
+                      </a:rPr>
+                      <a:t> </a:t>
+                    </a:r>
+                  </a:p>
+                </p:txBody>
+              </p:sp>
+            </mc:Fallback>
+          </mc:AlternateContent>
+          <mc:AlternateContent xmlns:mc="http://schemas.openxmlformats.org/markup-compatibility/2006">
+            <mc:Choice xmlns:a14="http://schemas.microsoft.com/office/drawing/2010/main" Requires="a14">
+              <p:sp>
+                <p:nvSpPr>
+                  <p:cNvPr id="46" name="TextBox 45">
+                    <a:extLst>
+                      <a:ext uri="{FF2B5EF4-FFF2-40B4-BE49-F238E27FC236}">
+                        <a16:creationId xmlns:a16="http://schemas.microsoft.com/office/drawing/2014/main" id="{A8F64A91-014A-451F-B539-CC6D4FF33F89}"/>
+                      </a:ext>
+                    </a:extLst>
+                  </p:cNvPr>
+                  <p:cNvSpPr txBox="1"/>
+                  <p:nvPr/>
+                </p:nvSpPr>
+                <p:spPr>
+                  <a:xfrm>
+                    <a:off x="2095011" y="2173902"/>
+                    <a:ext cx="398500" cy="369332"/>
+                  </a:xfrm>
+                  <a:prstGeom prst="rect">
+                    <a:avLst/>
+                  </a:prstGeom>
+                  <a:noFill/>
+                </p:spPr>
+                <p:txBody>
+                  <a:bodyPr wrap="square" rtlCol="0">
+                    <a:spAutoFit/>
+                  </a:bodyPr>
+                  <a:lstStyle/>
+                  <a:p>
+                    <a:pPr algn="ctr"/>
+                    <a14:m>
+                      <m:oMathPara xmlns:m="http://schemas.openxmlformats.org/officeDocument/2006/math">
+                        <m:oMathParaPr>
+                          <m:jc m:val="centerGroup"/>
+                        </m:oMathParaPr>
+                        <m:oMath xmlns:m="http://schemas.openxmlformats.org/officeDocument/2006/math">
+                          <m:sSub>
+                            <m:sSubPr>
+                              <m:ctrlPr>
+                                <a:rPr lang="en-US" altLang="ko-KR" b="0" i="1" smtClean="0">
+                                  <a:latin typeface="Cambria Math" panose="02040503050406030204" pitchFamily="18" charset="0"/>
+                                </a:rPr>
+                              </m:ctrlPr>
+                            </m:sSubPr>
+                            <m:e>
+                              <m:r>
+                                <a:rPr lang="en-US" altLang="ko-KR" b="0" i="1" smtClean="0">
+                                  <a:latin typeface="Cambria Math" panose="02040503050406030204" pitchFamily="18" charset="0"/>
+                                </a:rPr>
+                                <m:t>𝑘</m:t>
+                              </m:r>
+                            </m:e>
+                            <m:sub>
+                              <m:r>
+                                <a:rPr lang="en-US" altLang="ko-KR" b="0" i="1" smtClean="0">
+                                  <a:latin typeface="Cambria Math" panose="02040503050406030204" pitchFamily="18" charset="0"/>
+                                </a:rPr>
+                                <m:t>𝐴</m:t>
+                              </m:r>
+                            </m:sub>
+                          </m:sSub>
+                        </m:oMath>
+                      </m:oMathPara>
+                    </a14:m>
+                    <a:endParaRPr lang="ko-KR" altLang="en-US" dirty="0">
+                      <a:latin typeface="Cambria Math" panose="02040503050406030204" pitchFamily="18" charset="0"/>
+                    </a:endParaRPr>
+                  </a:p>
+                </p:txBody>
+              </p:sp>
+            </mc:Choice>
+            <mc:Fallback>
+              <p:sp>
+                <p:nvSpPr>
+                  <p:cNvPr id="46" name="TextBox 45">
+                    <a:extLst>
+                      <a:ext uri="{FF2B5EF4-FFF2-40B4-BE49-F238E27FC236}">
+                        <a16:creationId xmlns:a16="http://schemas.microsoft.com/office/drawing/2014/main" id="{A8F64A91-014A-451F-B539-CC6D4FF33F89}"/>
+                      </a:ext>
+                    </a:extLst>
+                  </p:cNvPr>
+                  <p:cNvSpPr txBox="1">
+                    <a:spLocks noRot="1" noChangeAspect="1" noMove="1" noResize="1" noEditPoints="1" noAdjustHandles="1" noChangeArrowheads="1" noChangeShapeType="1" noTextEdit="1"/>
+                  </p:cNvSpPr>
+                  <p:nvPr/>
+                </p:nvSpPr>
+                <p:spPr>
+                  <a:xfrm>
+                    <a:off x="2095011" y="2173902"/>
+                    <a:ext cx="398500" cy="369332"/>
+                  </a:xfrm>
+                  <a:prstGeom prst="rect">
+                    <a:avLst/>
+                  </a:prstGeom>
+                  <a:blipFill>
+                    <a:blip r:embed="rId7"/>
+                    <a:stretch>
+                      <a:fillRect l="-7692"/>
+                    </a:stretch>
+                  </a:blipFill>
+                </p:spPr>
+                <p:txBody>
+                  <a:bodyPr/>
+                  <a:lstStyle/>
+                  <a:p>
+                    <a:r>
+                      <a:rPr lang="ko-KR" altLang="en-US">
+                        <a:noFill/>
+                      </a:rPr>
+                      <a:t> </a:t>
+                    </a:r>
+                  </a:p>
+                </p:txBody>
+              </p:sp>
+            </mc:Fallback>
+          </mc:AlternateContent>
+          <mc:AlternateContent xmlns:mc="http://schemas.openxmlformats.org/markup-compatibility/2006">
+            <mc:Choice xmlns:a14="http://schemas.microsoft.com/office/drawing/2010/main" Requires="a14">
+              <p:sp>
+                <p:nvSpPr>
+                  <p:cNvPr id="48" name="TextBox 47">
+                    <a:extLst>
+                      <a:ext uri="{FF2B5EF4-FFF2-40B4-BE49-F238E27FC236}">
+                        <a16:creationId xmlns:a16="http://schemas.microsoft.com/office/drawing/2014/main" id="{47AAFB0C-D21F-45E0-8059-E9BA49A083E4}"/>
+                      </a:ext>
+                    </a:extLst>
+                  </p:cNvPr>
+                  <p:cNvSpPr txBox="1"/>
+                  <p:nvPr/>
+                </p:nvSpPr>
+                <p:spPr>
+                  <a:xfrm>
+                    <a:off x="1292370" y="3448625"/>
+                    <a:ext cx="398500" cy="369332"/>
+                  </a:xfrm>
+                  <a:prstGeom prst="rect">
+                    <a:avLst/>
+                  </a:prstGeom>
+                  <a:noFill/>
+                </p:spPr>
+                <p:txBody>
+                  <a:bodyPr wrap="square" rtlCol="0">
+                    <a:spAutoFit/>
+                  </a:bodyPr>
+                  <a:lstStyle/>
+                  <a:p>
+                    <a:pPr algn="ctr"/>
+                    <a14:m>
+                      <m:oMathPara xmlns:m="http://schemas.openxmlformats.org/officeDocument/2006/math">
+                        <m:oMathParaPr>
+                          <m:jc m:val="centerGroup"/>
+                        </m:oMathParaPr>
+                        <m:oMath xmlns:m="http://schemas.openxmlformats.org/officeDocument/2006/math">
+                          <m:sSub>
+                            <m:sSubPr>
+                              <m:ctrlPr>
+                                <a:rPr lang="en-US" altLang="ko-KR" b="0" i="1" smtClean="0">
+                                  <a:latin typeface="Cambria Math" panose="02040503050406030204" pitchFamily="18" charset="0"/>
+                                </a:rPr>
+                              </m:ctrlPr>
+                            </m:sSubPr>
+                            <m:e>
+                              <m:r>
+                                <a:rPr lang="en-US" altLang="ko-KR" b="0" i="1" smtClean="0">
+                                  <a:latin typeface="Cambria Math" panose="02040503050406030204" pitchFamily="18" charset="0"/>
+                                </a:rPr>
+                                <m:t>𝑧</m:t>
+                              </m:r>
+                            </m:e>
+                            <m:sub>
+                              <m:r>
+                                <a:rPr lang="en-US" altLang="ko-KR" b="0" i="1" smtClean="0">
+                                  <a:latin typeface="Cambria Math" panose="02040503050406030204" pitchFamily="18" charset="0"/>
+                                </a:rPr>
+                                <m:t>𝐴</m:t>
+                              </m:r>
+                            </m:sub>
+                          </m:sSub>
+                        </m:oMath>
+                      </m:oMathPara>
+                    </a14:m>
+                    <a:endParaRPr lang="ko-KR" altLang="en-US" dirty="0">
+                      <a:latin typeface="Cambria Math" panose="02040503050406030204" pitchFamily="18" charset="0"/>
+                    </a:endParaRPr>
+                  </a:p>
+                </p:txBody>
+              </p:sp>
+            </mc:Choice>
+            <mc:Fallback>
+              <p:sp>
+                <p:nvSpPr>
+                  <p:cNvPr id="48" name="TextBox 47">
+                    <a:extLst>
+                      <a:ext uri="{FF2B5EF4-FFF2-40B4-BE49-F238E27FC236}">
+                        <a16:creationId xmlns:a16="http://schemas.microsoft.com/office/drawing/2014/main" id="{47AAFB0C-D21F-45E0-8059-E9BA49A083E4}"/>
+                      </a:ext>
+                    </a:extLst>
+                  </p:cNvPr>
+                  <p:cNvSpPr txBox="1">
+                    <a:spLocks noRot="1" noChangeAspect="1" noMove="1" noResize="1" noEditPoints="1" noAdjustHandles="1" noChangeArrowheads="1" noChangeShapeType="1" noTextEdit="1"/>
+                  </p:cNvSpPr>
+                  <p:nvPr/>
+                </p:nvSpPr>
+                <p:spPr>
+                  <a:xfrm>
+                    <a:off x="1292370" y="3448625"/>
+                    <a:ext cx="398500" cy="369332"/>
+                  </a:xfrm>
+                  <a:prstGeom prst="rect">
+                    <a:avLst/>
+                  </a:prstGeom>
+                  <a:blipFill>
+                    <a:blip r:embed="rId8"/>
+                    <a:stretch>
+                      <a:fillRect/>
+                    </a:stretch>
+                  </a:blipFill>
+                </p:spPr>
+                <p:txBody>
+                  <a:bodyPr/>
+                  <a:lstStyle/>
+                  <a:p>
+                    <a:r>
+                      <a:rPr lang="ko-KR" altLang="en-US">
+                        <a:noFill/>
+                      </a:rPr>
+                      <a:t> </a:t>
+                    </a:r>
+                  </a:p>
+                </p:txBody>
+              </p:sp>
+            </mc:Fallback>
+          </mc:AlternateContent>
+        </p:grpSp>
+      </p:grpSp>
+    </p:spTree>
+    <p:extLst>
+      <p:ext uri="{BB962C8B-B14F-4D97-AF65-F5344CB8AC3E}">
+        <p14:creationId xmlns:p14="http://schemas.microsoft.com/office/powerpoint/2010/main" val="2197588494"/>
+      </p:ext>
+    </p:extLst>
+  </p:cSld>
+  <p:clrMapOvr>
+    <a:masterClrMapping/>
+  </p:clrMapOvr>
+</p:sld>
+</file>
+
+<file path=ppt/slides/slide3.xml><?xml version="1.0" encoding="utf-8"?>
+<p:sld xmlns:a="http://schemas.openxmlformats.org/drawingml/2006/main" xmlns:r="http://schemas.openxmlformats.org/officeDocument/2006/relationships" xmlns:p="http://schemas.openxmlformats.org/presentationml/2006/main">
+  <p:cSld>
+    <p:spTree>
+      <p:nvGrpSpPr>
+        <p:cNvPr id="1" name=""/>
+        <p:cNvGrpSpPr/>
+        <p:nvPr/>
+      </p:nvGrpSpPr>
+      <p:grpSpPr>
+        <a:xfrm>
+          <a:off x="0" y="0"/>
+          <a:ext cx="0" cy="0"/>
+          <a:chOff x="0" y="0"/>
+          <a:chExt cx="0" cy="0"/>
+        </a:xfrm>
+      </p:grpSpPr>
+      <p:grpSp>
+        <p:nvGrpSpPr>
+          <p:cNvPr id="5" name="그룹 4">
+            <a:extLst>
+              <a:ext uri="{FF2B5EF4-FFF2-40B4-BE49-F238E27FC236}">
+                <a16:creationId xmlns:a16="http://schemas.microsoft.com/office/drawing/2014/main" id="{FB83C29F-C9C1-4A29-B4E8-2B7E2B4F4064}"/>
+              </a:ext>
+            </a:extLst>
+          </p:cNvPr>
+          <p:cNvGrpSpPr/>
+          <p:nvPr/>
+        </p:nvGrpSpPr>
+        <p:grpSpPr>
+          <a:xfrm>
+            <a:off x="2364397" y="1192789"/>
+            <a:ext cx="7463206" cy="3726854"/>
+            <a:chOff x="2364397" y="1192789"/>
+            <a:chExt cx="7463206" cy="3726854"/>
+          </a:xfrm>
+        </p:grpSpPr>
+        <p:sp>
+          <p:nvSpPr>
+            <p:cNvPr id="20" name="TextBox 19">
+              <a:extLst>
+                <a:ext uri="{FF2B5EF4-FFF2-40B4-BE49-F238E27FC236}">
+                  <a16:creationId xmlns:a16="http://schemas.microsoft.com/office/drawing/2014/main" id="{2CAF5D9D-B212-4CBE-AD9A-0A5C193F71A7}"/>
+                </a:ext>
+              </a:extLst>
+            </p:cNvPr>
+            <p:cNvSpPr txBox="1"/>
+            <p:nvPr/>
+          </p:nvSpPr>
+          <p:spPr>
+            <a:xfrm>
+              <a:off x="5330140" y="1192789"/>
+              <a:ext cx="1400100" cy="369332"/>
+            </a:xfrm>
+            <a:prstGeom prst="rect">
+              <a:avLst/>
+            </a:prstGeom>
+            <a:noFill/>
+          </p:spPr>
+          <p:txBody>
+            <a:bodyPr wrap="square" rtlCol="0">
+              <a:spAutoFit/>
+            </a:bodyPr>
+            <a:lstStyle/>
+            <a:p>
+              <a:pPr algn="ctr"/>
+              <a:r>
+                <a:rPr lang="en-US" altLang="ko-KR" dirty="0"/>
+                <a:t>&lt;B</a:t>
+              </a:r>
+              <a:r>
+                <a:rPr lang="ko-KR" altLang="en-US" dirty="0"/>
+                <a:t>좌표계</a:t>
+              </a:r>
+              <a:r>
+                <a:rPr lang="en-US" altLang="ko-KR" dirty="0"/>
+                <a:t>&gt;</a:t>
+              </a:r>
+              <a:endParaRPr lang="ko-KR" altLang="en-US" dirty="0"/>
+            </a:p>
+          </p:txBody>
+        </p:sp>
+        <p:cxnSp>
+          <p:nvCxnSpPr>
+            <p:cNvPr id="2" name="직선 화살표 연결선 1">
+              <a:extLst>
+                <a:ext uri="{FF2B5EF4-FFF2-40B4-BE49-F238E27FC236}">
+                  <a16:creationId xmlns:a16="http://schemas.microsoft.com/office/drawing/2014/main" id="{8770F50C-3491-4BBA-8BEA-0AE4978567B7}"/>
+                </a:ext>
+              </a:extLst>
+            </p:cNvPr>
+            <p:cNvCxnSpPr>
+              <a:cxnSpLocks/>
+            </p:cNvCxnSpPr>
+            <p:nvPr/>
+          </p:nvCxnSpPr>
+          <p:spPr>
+            <a:xfrm>
+              <a:off x="4275467" y="4007730"/>
+              <a:ext cx="4632960" cy="0"/>
+            </a:xfrm>
+            <a:prstGeom prst="straightConnector1">
+              <a:avLst/>
+            </a:prstGeom>
+            <a:ln w="19050">
+              <a:solidFill>
+                <a:schemeClr val="tx1"/>
+              </a:solidFill>
+              <a:tailEnd type="triangle"/>
+            </a:ln>
+          </p:spPr>
+          <p:style>
+            <a:lnRef idx="1">
+              <a:schemeClr val="accent1"/>
+            </a:lnRef>
+            <a:fillRef idx="0">
+              <a:schemeClr val="accent1"/>
+            </a:fillRef>
+            <a:effectRef idx="0">
+              <a:schemeClr val="accent1"/>
+            </a:effectRef>
+            <a:fontRef idx="minor">
+              <a:schemeClr val="tx1"/>
+            </a:fontRef>
+          </p:style>
+        </p:cxnSp>
+        <p:sp>
+          <p:nvSpPr>
+            <p:cNvPr id="3" name="타원 2">
+              <a:extLst>
+                <a:ext uri="{FF2B5EF4-FFF2-40B4-BE49-F238E27FC236}">
+                  <a16:creationId xmlns:a16="http://schemas.microsoft.com/office/drawing/2014/main" id="{2E0EAF2F-44A7-4651-8A35-8FCBF4C1F10A}"/>
+                </a:ext>
+              </a:extLst>
+            </p:cNvPr>
+            <p:cNvSpPr>
+              <a:spLocks noChangeAspect="1"/>
+            </p:cNvSpPr>
+            <p:nvPr/>
+          </p:nvSpPr>
+          <p:spPr>
+            <a:xfrm>
+              <a:off x="5492407" y="3956930"/>
+              <a:ext cx="101600" cy="101600"/>
+            </a:xfrm>
+            <a:prstGeom prst="ellipse">
+              <a:avLst/>
+            </a:prstGeom>
+            <a:solidFill>
+              <a:schemeClr val="tx1"/>
+            </a:solidFill>
+            <a:ln w="0">
+              <a:noFill/>
+            </a:ln>
+          </p:spPr>
+          <p:style>
+            <a:lnRef idx="2">
+              <a:schemeClr val="accent1">
+                <a:shade val="50000"/>
+              </a:schemeClr>
+            </a:lnRef>
+            <a:fillRef idx="1">
+              <a:schemeClr val="accent1"/>
+            </a:fillRef>
+            <a:effectRef idx="0">
+              <a:schemeClr val="accent1"/>
+            </a:effectRef>
+            <a:fontRef idx="minor">
+              <a:schemeClr val="lt1"/>
+            </a:fontRef>
+          </p:style>
+          <p:txBody>
+            <a:bodyPr rtlCol="0" anchor="ctr"/>
+            <a:lstStyle/>
+            <a:p>
+              <a:pPr algn="ctr"/>
+              <a:endParaRPr lang="ko-KR" altLang="en-US"/>
+            </a:p>
+          </p:txBody>
+        </p:sp>
+        <p:sp>
+          <p:nvSpPr>
+            <p:cNvPr id="4" name="타원 3">
+              <a:extLst>
+                <a:ext uri="{FF2B5EF4-FFF2-40B4-BE49-F238E27FC236}">
+                  <a16:creationId xmlns:a16="http://schemas.microsoft.com/office/drawing/2014/main" id="{C5C804AA-76C6-4844-A655-C0106AE73940}"/>
+                </a:ext>
+              </a:extLst>
+            </p:cNvPr>
+            <p:cNvSpPr>
+              <a:spLocks noChangeAspect="1"/>
+            </p:cNvSpPr>
+            <p:nvPr/>
+          </p:nvSpPr>
+          <p:spPr>
+            <a:xfrm>
+              <a:off x="7664107" y="3956930"/>
+              <a:ext cx="101600" cy="101600"/>
+            </a:xfrm>
+            <a:prstGeom prst="ellipse">
+              <a:avLst/>
+            </a:prstGeom>
+            <a:solidFill>
+              <a:schemeClr val="tx1"/>
+            </a:solidFill>
+            <a:ln w="0">
+              <a:noFill/>
+            </a:ln>
+          </p:spPr>
+          <p:style>
+            <a:lnRef idx="2">
+              <a:schemeClr val="accent1">
+                <a:shade val="50000"/>
+              </a:schemeClr>
+            </a:lnRef>
+            <a:fillRef idx="1">
+              <a:schemeClr val="accent1"/>
+            </a:fillRef>
+            <a:effectRef idx="0">
+              <a:schemeClr val="accent1"/>
+            </a:effectRef>
+            <a:fontRef idx="minor">
+              <a:schemeClr val="lt1"/>
+            </a:fontRef>
+          </p:style>
+          <p:txBody>
+            <a:bodyPr rtlCol="0" anchor="ctr"/>
+            <a:lstStyle/>
+            <a:p>
+              <a:pPr algn="ctr"/>
+              <a:endParaRPr lang="ko-KR" altLang="en-US"/>
+            </a:p>
+          </p:txBody>
+        </p:sp>
+        <mc:AlternateContent xmlns:mc="http://schemas.openxmlformats.org/markup-compatibility/2006">
+          <mc:Choice xmlns:a14="http://schemas.microsoft.com/office/drawing/2010/main" Requires="a14">
+            <p:sp>
+              <p:nvSpPr>
+                <p:cNvPr id="8" name="TextBox 7">
+                  <a:extLst>
+                    <a:ext uri="{FF2B5EF4-FFF2-40B4-BE49-F238E27FC236}">
+                      <a16:creationId xmlns:a16="http://schemas.microsoft.com/office/drawing/2014/main" id="{3AF66CAF-4525-4AE8-ABB0-E3EA4014A045}"/>
+                    </a:ext>
+                  </a:extLst>
+                </p:cNvPr>
+                <p:cNvSpPr txBox="1"/>
+                <p:nvPr/>
+              </p:nvSpPr>
+              <p:spPr>
+                <a:xfrm>
+                  <a:off x="5441887" y="4109330"/>
+                  <a:ext cx="233680" cy="369332"/>
+                </a:xfrm>
+                <a:prstGeom prst="rect">
+                  <a:avLst/>
+                </a:prstGeom>
+                <a:noFill/>
+              </p:spPr>
+              <p:txBody>
+                <a:bodyPr wrap="square" rtlCol="0">
+                  <a:spAutoFit/>
+                </a:bodyPr>
+                <a:lstStyle/>
+                <a:p>
+                  <a:pPr algn="ctr"/>
+                  <a14:m>
+                    <m:oMathPara xmlns:m="http://schemas.openxmlformats.org/officeDocument/2006/math">
+                      <m:oMathParaPr>
+                        <m:jc m:val="centerGroup"/>
+                      </m:oMathParaPr>
+                      <m:oMath xmlns:m="http://schemas.openxmlformats.org/officeDocument/2006/math">
+                        <m:r>
+                          <a:rPr lang="en-US" altLang="ko-KR" b="0" i="1" smtClean="0">
+                            <a:latin typeface="Cambria Math" panose="02040503050406030204" pitchFamily="18" charset="0"/>
+                          </a:rPr>
+                          <m:t>𝐴</m:t>
+                        </m:r>
+                      </m:oMath>
+                    </m:oMathPara>
+                  </a14:m>
+                  <a:endParaRPr lang="ko-KR" altLang="en-US" dirty="0">
+                    <a:latin typeface="Cambria Math" panose="02040503050406030204" pitchFamily="18" charset="0"/>
+                  </a:endParaRPr>
+                </a:p>
+              </p:txBody>
+            </p:sp>
+          </mc:Choice>
+          <mc:Fallback>
+            <p:sp>
+              <p:nvSpPr>
+                <p:cNvPr id="8" name="TextBox 7">
+                  <a:extLst>
+                    <a:ext uri="{FF2B5EF4-FFF2-40B4-BE49-F238E27FC236}">
+                      <a16:creationId xmlns:a16="http://schemas.microsoft.com/office/drawing/2014/main" id="{3AF66CAF-4525-4AE8-ABB0-E3EA4014A045}"/>
+                    </a:ext>
+                  </a:extLst>
+                </p:cNvPr>
+                <p:cNvSpPr txBox="1">
+                  <a:spLocks noRot="1" noChangeAspect="1" noMove="1" noResize="1" noEditPoints="1" noAdjustHandles="1" noChangeArrowheads="1" noChangeShapeType="1" noTextEdit="1"/>
+                </p:cNvSpPr>
+                <p:nvPr/>
+              </p:nvSpPr>
+              <p:spPr>
+                <a:xfrm>
+                  <a:off x="5441887" y="4109330"/>
+                  <a:ext cx="233680" cy="369332"/>
+                </a:xfrm>
+                <a:prstGeom prst="rect">
+                  <a:avLst/>
+                </a:prstGeom>
+                <a:blipFill>
+                  <a:blip r:embed="rId2"/>
+                  <a:stretch>
+                    <a:fillRect l="-28947" r="-5263"/>
+                  </a:stretch>
+                </a:blipFill>
+              </p:spPr>
+              <p:txBody>
+                <a:bodyPr/>
+                <a:lstStyle/>
+                <a:p>
+                  <a:r>
+                    <a:rPr lang="ko-KR" altLang="en-US">
+                      <a:noFill/>
+                    </a:rPr>
+                    <a:t> </a:t>
+                  </a:r>
+                </a:p>
+              </p:txBody>
+            </p:sp>
+          </mc:Fallback>
+        </mc:AlternateContent>
+        <mc:AlternateContent xmlns:mc="http://schemas.openxmlformats.org/markup-compatibility/2006">
+          <mc:Choice xmlns:a14="http://schemas.microsoft.com/office/drawing/2010/main" Requires="a14">
+            <p:sp>
+              <p:nvSpPr>
+                <p:cNvPr id="10" name="TextBox 9">
+                  <a:extLst>
+                    <a:ext uri="{FF2B5EF4-FFF2-40B4-BE49-F238E27FC236}">
+                      <a16:creationId xmlns:a16="http://schemas.microsoft.com/office/drawing/2014/main" id="{CBEFC10D-D445-4B49-9786-DFDEBA0B7F31}"/>
+                    </a:ext>
+                  </a:extLst>
+                </p:cNvPr>
+                <p:cNvSpPr txBox="1"/>
+                <p:nvPr/>
+              </p:nvSpPr>
+              <p:spPr>
+                <a:xfrm>
+                  <a:off x="7598067" y="4109330"/>
+                  <a:ext cx="233680" cy="369332"/>
+                </a:xfrm>
+                <a:prstGeom prst="rect">
+                  <a:avLst/>
+                </a:prstGeom>
+                <a:noFill/>
+              </p:spPr>
+              <p:txBody>
+                <a:bodyPr wrap="square" rtlCol="0">
+                  <a:spAutoFit/>
+                </a:bodyPr>
+                <a:lstStyle/>
+                <a:p>
+                  <a:pPr algn="ctr"/>
+                  <a14:m>
+                    <m:oMathPara xmlns:m="http://schemas.openxmlformats.org/officeDocument/2006/math">
+                      <m:oMathParaPr>
+                        <m:jc m:val="centerGroup"/>
+                      </m:oMathParaPr>
+                      <m:oMath xmlns:m="http://schemas.openxmlformats.org/officeDocument/2006/math">
+                        <m:r>
+                          <a:rPr lang="en-US" altLang="ko-KR" b="0" i="1" smtClean="0">
+                            <a:latin typeface="Cambria Math" panose="02040503050406030204" pitchFamily="18" charset="0"/>
+                          </a:rPr>
+                          <m:t>𝐵</m:t>
+                        </m:r>
+                      </m:oMath>
+                    </m:oMathPara>
+                  </a14:m>
+                  <a:endParaRPr lang="ko-KR" altLang="en-US" dirty="0">
+                    <a:latin typeface="Cambria Math" panose="02040503050406030204" pitchFamily="18" charset="0"/>
+                  </a:endParaRPr>
+                </a:p>
+              </p:txBody>
+            </p:sp>
+          </mc:Choice>
+          <mc:Fallback>
+            <p:sp>
+              <p:nvSpPr>
+                <p:cNvPr id="10" name="TextBox 9">
+                  <a:extLst>
+                    <a:ext uri="{FF2B5EF4-FFF2-40B4-BE49-F238E27FC236}">
+                      <a16:creationId xmlns:a16="http://schemas.microsoft.com/office/drawing/2014/main" id="{CBEFC10D-D445-4B49-9786-DFDEBA0B7F31}"/>
+                    </a:ext>
+                  </a:extLst>
+                </p:cNvPr>
+                <p:cNvSpPr txBox="1">
+                  <a:spLocks noRot="1" noChangeAspect="1" noMove="1" noResize="1" noEditPoints="1" noAdjustHandles="1" noChangeArrowheads="1" noChangeShapeType="1" noTextEdit="1"/>
+                </p:cNvSpPr>
+                <p:nvPr/>
+              </p:nvSpPr>
+              <p:spPr>
+                <a:xfrm>
+                  <a:off x="7598067" y="4109330"/>
+                  <a:ext cx="233680" cy="369332"/>
+                </a:xfrm>
+                <a:prstGeom prst="rect">
+                  <a:avLst/>
+                </a:prstGeom>
+                <a:blipFill>
+                  <a:blip r:embed="rId3"/>
+                  <a:stretch>
+                    <a:fillRect l="-28205" r="-5128"/>
+                  </a:stretch>
+                </a:blipFill>
+              </p:spPr>
+              <p:txBody>
+                <a:bodyPr/>
+                <a:lstStyle/>
+                <a:p>
+                  <a:r>
+                    <a:rPr lang="ko-KR" altLang="en-US">
+                      <a:noFill/>
+                    </a:rPr>
+                    <a:t> </a:t>
+                  </a:r>
+                </a:p>
+              </p:txBody>
+            </p:sp>
+          </mc:Fallback>
+        </mc:AlternateContent>
+        <mc:AlternateContent xmlns:mc="http://schemas.openxmlformats.org/markup-compatibility/2006">
+          <mc:Choice xmlns:a14="http://schemas.microsoft.com/office/drawing/2010/main" Requires="a14">
+            <p:sp>
+              <p:nvSpPr>
+                <p:cNvPr id="13" name="TextBox 12">
+                  <a:extLst>
+                    <a:ext uri="{FF2B5EF4-FFF2-40B4-BE49-F238E27FC236}">
+                      <a16:creationId xmlns:a16="http://schemas.microsoft.com/office/drawing/2014/main" id="{EDCD02BD-365E-4DBE-BAED-1BC6C3044CD0}"/>
+                    </a:ext>
+                  </a:extLst>
+                </p:cNvPr>
+                <p:cNvSpPr txBox="1"/>
+                <p:nvPr/>
+              </p:nvSpPr>
+              <p:spPr>
+                <a:xfrm>
+                  <a:off x="8908427" y="3823064"/>
+                  <a:ext cx="398500" cy="369332"/>
+                </a:xfrm>
+                <a:prstGeom prst="rect">
+                  <a:avLst/>
+                </a:prstGeom>
+                <a:noFill/>
+              </p:spPr>
+              <p:txBody>
+                <a:bodyPr wrap="square" rtlCol="0">
+                  <a:spAutoFit/>
+                </a:bodyPr>
+                <a:lstStyle/>
+                <a:p>
+                  <a:pPr algn="ctr"/>
+                  <a14:m>
+                    <m:oMathPara xmlns:m="http://schemas.openxmlformats.org/officeDocument/2006/math">
+                      <m:oMathParaPr>
+                        <m:jc m:val="centerGroup"/>
+                      </m:oMathParaPr>
+                      <m:oMath xmlns:m="http://schemas.openxmlformats.org/officeDocument/2006/math">
+                        <m:sSub>
+                          <m:sSubPr>
+                            <m:ctrlPr>
+                              <a:rPr lang="en-US" altLang="ko-KR" b="0" i="1" smtClean="0">
+                                <a:latin typeface="Cambria Math" panose="02040503050406030204" pitchFamily="18" charset="0"/>
+                              </a:rPr>
+                            </m:ctrlPr>
+                          </m:sSubPr>
+                          <m:e>
+                            <m:r>
+                              <a:rPr lang="en-US" altLang="ko-KR" b="0" i="1" smtClean="0">
+                                <a:latin typeface="Cambria Math" panose="02040503050406030204" pitchFamily="18" charset="0"/>
+                              </a:rPr>
+                              <m:t>𝑥</m:t>
+                            </m:r>
+                          </m:e>
+                          <m:sub>
+                            <m:r>
+                              <a:rPr lang="en-US" altLang="ko-KR" b="0" i="1" smtClean="0">
+                                <a:latin typeface="Cambria Math" panose="02040503050406030204" pitchFamily="18" charset="0"/>
+                              </a:rPr>
+                              <m:t>𝐵</m:t>
+                            </m:r>
+                          </m:sub>
+                        </m:sSub>
+                      </m:oMath>
+                    </m:oMathPara>
+                  </a14:m>
+                  <a:endParaRPr lang="ko-KR" altLang="en-US" dirty="0">
+                    <a:latin typeface="Cambria Math" panose="02040503050406030204" pitchFamily="18" charset="0"/>
+                  </a:endParaRPr>
+                </a:p>
+              </p:txBody>
+            </p:sp>
+          </mc:Choice>
+          <mc:Fallback>
+            <p:sp>
+              <p:nvSpPr>
+                <p:cNvPr id="13" name="TextBox 12">
+                  <a:extLst>
+                    <a:ext uri="{FF2B5EF4-FFF2-40B4-BE49-F238E27FC236}">
+                      <a16:creationId xmlns:a16="http://schemas.microsoft.com/office/drawing/2014/main" id="{EDCD02BD-365E-4DBE-BAED-1BC6C3044CD0}"/>
+                    </a:ext>
+                  </a:extLst>
+                </p:cNvPr>
+                <p:cNvSpPr txBox="1">
+                  <a:spLocks noRot="1" noChangeAspect="1" noMove="1" noResize="1" noEditPoints="1" noAdjustHandles="1" noChangeArrowheads="1" noChangeShapeType="1" noTextEdit="1"/>
+                </p:cNvSpPr>
+                <p:nvPr/>
+              </p:nvSpPr>
+              <p:spPr>
+                <a:xfrm>
+                  <a:off x="8908427" y="3823064"/>
+                  <a:ext cx="398500" cy="369332"/>
+                </a:xfrm>
+                <a:prstGeom prst="rect">
+                  <a:avLst/>
+                </a:prstGeom>
+                <a:blipFill>
+                  <a:blip r:embed="rId4"/>
+                  <a:stretch>
+                    <a:fillRect l="-1515"/>
+                  </a:stretch>
+                </a:blipFill>
+              </p:spPr>
+              <p:txBody>
+                <a:bodyPr/>
+                <a:lstStyle/>
+                <a:p>
+                  <a:r>
+                    <a:rPr lang="ko-KR" altLang="en-US">
+                      <a:noFill/>
+                    </a:rPr>
+                    <a:t> </a:t>
+                  </a:r>
+                </a:p>
+              </p:txBody>
+            </p:sp>
+          </mc:Fallback>
+        </mc:AlternateContent>
+        <p:sp>
+          <p:nvSpPr>
+            <p:cNvPr id="14" name="TextBox 13">
+              <a:extLst>
+                <a:ext uri="{FF2B5EF4-FFF2-40B4-BE49-F238E27FC236}">
+                  <a16:creationId xmlns:a16="http://schemas.microsoft.com/office/drawing/2014/main" id="{2EBF8255-50D9-4514-9F1D-57D545C82F37}"/>
+                </a:ext>
+              </a:extLst>
+            </p:cNvPr>
+            <p:cNvSpPr txBox="1"/>
+            <p:nvPr/>
+          </p:nvSpPr>
+          <p:spPr>
+            <a:xfrm>
+              <a:off x="7391539" y="3562166"/>
+              <a:ext cx="657855" cy="369332"/>
+            </a:xfrm>
+            <a:prstGeom prst="rect">
+              <a:avLst/>
+            </a:prstGeom>
+            <a:noFill/>
+          </p:spPr>
+          <p:txBody>
+            <a:bodyPr wrap="square" rtlCol="0">
+              <a:spAutoFit/>
+            </a:bodyPr>
+            <a:lstStyle/>
+            <a:p>
+              <a:pPr algn="ctr"/>
+              <a:r>
+                <a:rPr lang="ko-KR" altLang="en-US" dirty="0"/>
+                <a:t>정지</a:t>
+              </a:r>
+            </a:p>
+          </p:txBody>
+        </p:sp>
+        <p:cxnSp>
+          <p:nvCxnSpPr>
+            <p:cNvPr id="16" name="직선 화살표 연결선 15">
+              <a:extLst>
+                <a:ext uri="{FF2B5EF4-FFF2-40B4-BE49-F238E27FC236}">
+                  <a16:creationId xmlns:a16="http://schemas.microsoft.com/office/drawing/2014/main" id="{4CED7D5F-E7E8-4BC4-AFFC-3C759AC4ADA2}"/>
+                </a:ext>
+              </a:extLst>
+            </p:cNvPr>
+            <p:cNvCxnSpPr>
+              <a:cxnSpLocks/>
+            </p:cNvCxnSpPr>
+            <p:nvPr/>
+          </p:nvCxnSpPr>
+          <p:spPr>
+            <a:xfrm>
+              <a:off x="5372335" y="3845309"/>
+              <a:ext cx="426720" cy="0"/>
+            </a:xfrm>
+            <a:prstGeom prst="straightConnector1">
+              <a:avLst/>
+            </a:prstGeom>
+            <a:ln w="19050">
+              <a:solidFill>
+                <a:srgbClr val="FF0000"/>
+              </a:solidFill>
+              <a:headEnd type="triangle"/>
+              <a:tailEnd type="none"/>
+            </a:ln>
+          </p:spPr>
+          <p:style>
+            <a:lnRef idx="1">
+              <a:schemeClr val="accent1"/>
+            </a:lnRef>
+            <a:fillRef idx="0">
+              <a:schemeClr val="accent1"/>
+            </a:fillRef>
+            <a:effectRef idx="0">
+              <a:schemeClr val="accent1"/>
+            </a:effectRef>
+            <a:fontRef idx="minor">
+              <a:schemeClr val="tx1"/>
+            </a:fontRef>
+          </p:style>
+        </p:cxnSp>
+        <mc:AlternateContent xmlns:mc="http://schemas.openxmlformats.org/markup-compatibility/2006">
+          <mc:Choice xmlns:a14="http://schemas.microsoft.com/office/drawing/2010/main" Requires="a14">
+            <p:sp>
+              <p:nvSpPr>
+                <p:cNvPr id="18" name="TextBox 17">
+                  <a:extLst>
+                    <a:ext uri="{FF2B5EF4-FFF2-40B4-BE49-F238E27FC236}">
+                      <a16:creationId xmlns:a16="http://schemas.microsoft.com/office/drawing/2014/main" id="{64F12715-E915-4875-82DD-69659255BC23}"/>
+                    </a:ext>
+                  </a:extLst>
+                </p:cNvPr>
+                <p:cNvSpPr txBox="1"/>
+                <p:nvPr/>
+              </p:nvSpPr>
+              <p:spPr>
+                <a:xfrm>
+                  <a:off x="5468855" y="3465249"/>
+                  <a:ext cx="233680" cy="369332"/>
+                </a:xfrm>
+                <a:prstGeom prst="rect">
+                  <a:avLst/>
+                </a:prstGeom>
+                <a:noFill/>
+              </p:spPr>
+              <p:txBody>
+                <a:bodyPr wrap="square" rtlCol="0">
+                  <a:spAutoFit/>
+                </a:bodyPr>
+                <a:lstStyle/>
+                <a:p>
+                  <a:pPr algn="ctr"/>
+                  <a14:m>
+                    <m:oMathPara xmlns:m="http://schemas.openxmlformats.org/officeDocument/2006/math">
+                      <m:oMathParaPr>
+                        <m:jc m:val="centerGroup"/>
+                      </m:oMathParaPr>
+                      <m:oMath xmlns:m="http://schemas.openxmlformats.org/officeDocument/2006/math">
+                        <m:r>
+                          <a:rPr lang="en-US" altLang="ko-KR" b="0" i="1" smtClean="0">
+                            <a:latin typeface="Cambria Math" panose="02040503050406030204" pitchFamily="18" charset="0"/>
+                          </a:rPr>
+                          <m:t>𝑣</m:t>
+                        </m:r>
+                      </m:oMath>
+                    </m:oMathPara>
+                  </a14:m>
+                  <a:endParaRPr lang="ko-KR" altLang="en-US" dirty="0">
+                    <a:latin typeface="Cambria Math" panose="02040503050406030204" pitchFamily="18" charset="0"/>
+                  </a:endParaRPr>
+                </a:p>
+              </p:txBody>
+            </p:sp>
+          </mc:Choice>
+          <mc:Fallback>
+            <p:sp>
+              <p:nvSpPr>
+                <p:cNvPr id="18" name="TextBox 17">
+                  <a:extLst>
+                    <a:ext uri="{FF2B5EF4-FFF2-40B4-BE49-F238E27FC236}">
+                      <a16:creationId xmlns:a16="http://schemas.microsoft.com/office/drawing/2014/main" id="{64F12715-E915-4875-82DD-69659255BC23}"/>
+                    </a:ext>
+                  </a:extLst>
+                </p:cNvPr>
+                <p:cNvSpPr txBox="1">
+                  <a:spLocks noRot="1" noChangeAspect="1" noMove="1" noResize="1" noEditPoints="1" noAdjustHandles="1" noChangeArrowheads="1" noChangeShapeType="1" noTextEdit="1"/>
+                </p:cNvSpPr>
+                <p:nvPr/>
+              </p:nvSpPr>
+              <p:spPr>
+                <a:xfrm>
+                  <a:off x="5468855" y="3465249"/>
+                  <a:ext cx="233680" cy="369332"/>
+                </a:xfrm>
+                <a:prstGeom prst="rect">
+                  <a:avLst/>
+                </a:prstGeom>
+                <a:blipFill>
+                  <a:blip r:embed="rId5"/>
+                  <a:stretch>
+                    <a:fillRect l="-15789"/>
+                  </a:stretch>
+                </a:blipFill>
+              </p:spPr>
+              <p:txBody>
+                <a:bodyPr/>
+                <a:lstStyle/>
+                <a:p>
+                  <a:r>
+                    <a:rPr lang="ko-KR" altLang="en-US">
+                      <a:noFill/>
+                    </a:rPr>
+                    <a:t> </a:t>
+                  </a:r>
+                </a:p>
+              </p:txBody>
+            </p:sp>
+          </mc:Fallback>
+        </mc:AlternateContent>
+        <p:cxnSp>
+          <p:nvCxnSpPr>
+            <p:cNvPr id="23" name="직선 화살표 연결선 22">
+              <a:extLst>
+                <a:ext uri="{FF2B5EF4-FFF2-40B4-BE49-F238E27FC236}">
+                  <a16:creationId xmlns:a16="http://schemas.microsoft.com/office/drawing/2014/main" id="{5B9C2A20-3060-409D-9F3B-9BD5DD6F63D4}"/>
+                </a:ext>
+              </a:extLst>
+            </p:cNvPr>
+            <p:cNvCxnSpPr>
+              <a:cxnSpLocks/>
+            </p:cNvCxnSpPr>
+            <p:nvPr/>
+          </p:nvCxnSpPr>
+          <p:spPr>
+            <a:xfrm flipV="1">
+              <a:off x="4275467" y="2038120"/>
+              <a:ext cx="7247" cy="1969610"/>
+            </a:xfrm>
+            <a:prstGeom prst="straightConnector1">
+              <a:avLst/>
+            </a:prstGeom>
+            <a:ln w="19050">
+              <a:solidFill>
+                <a:schemeClr val="tx1"/>
+              </a:solidFill>
+              <a:tailEnd type="triangle"/>
+            </a:ln>
+          </p:spPr>
+          <p:style>
+            <a:lnRef idx="1">
+              <a:schemeClr val="accent1"/>
+            </a:lnRef>
+            <a:fillRef idx="0">
+              <a:schemeClr val="accent1"/>
+            </a:fillRef>
+            <a:effectRef idx="0">
+              <a:schemeClr val="accent1"/>
+            </a:effectRef>
+            <a:fontRef idx="minor">
+              <a:schemeClr val="tx1"/>
+            </a:fontRef>
+          </p:style>
+        </p:cxnSp>
+        <p:cxnSp>
+          <p:nvCxnSpPr>
+            <p:cNvPr id="25" name="직선 화살표 연결선 24">
+              <a:extLst>
+                <a:ext uri="{FF2B5EF4-FFF2-40B4-BE49-F238E27FC236}">
+                  <a16:creationId xmlns:a16="http://schemas.microsoft.com/office/drawing/2014/main" id="{941849B0-EE85-46C2-9CF6-740A74116AA0}"/>
+                </a:ext>
+              </a:extLst>
+            </p:cNvPr>
+            <p:cNvCxnSpPr>
+              <a:cxnSpLocks/>
+            </p:cNvCxnSpPr>
+            <p:nvPr/>
+          </p:nvCxnSpPr>
+          <p:spPr>
+            <a:xfrm flipH="1">
+              <a:off x="3019318" y="4007730"/>
+              <a:ext cx="1263396" cy="626588"/>
+            </a:xfrm>
+            <a:prstGeom prst="straightConnector1">
+              <a:avLst/>
+            </a:prstGeom>
+            <a:ln w="19050">
+              <a:solidFill>
+                <a:schemeClr val="tx1"/>
+              </a:solidFill>
+              <a:tailEnd type="triangle"/>
+            </a:ln>
+          </p:spPr>
+          <p:style>
+            <a:lnRef idx="1">
+              <a:schemeClr val="accent1"/>
+            </a:lnRef>
+            <a:fillRef idx="0">
+              <a:schemeClr val="accent1"/>
+            </a:fillRef>
+            <a:effectRef idx="0">
+              <a:schemeClr val="accent1"/>
+            </a:effectRef>
+            <a:fontRef idx="minor">
+              <a:schemeClr val="tx1"/>
+            </a:fontRef>
+          </p:style>
+        </p:cxnSp>
+        <p:sp>
+          <p:nvSpPr>
+            <p:cNvPr id="29" name="평행 사변형 28">
+              <a:extLst>
+                <a:ext uri="{FF2B5EF4-FFF2-40B4-BE49-F238E27FC236}">
+                  <a16:creationId xmlns:a16="http://schemas.microsoft.com/office/drawing/2014/main" id="{A241696E-7340-4D13-98AF-8C73A6201F8C}"/>
+                </a:ext>
+              </a:extLst>
+            </p:cNvPr>
+            <p:cNvSpPr/>
+            <p:nvPr/>
+          </p:nvSpPr>
+          <p:spPr>
+            <a:xfrm>
+              <a:off x="2364397" y="2455500"/>
+              <a:ext cx="7463206" cy="832100"/>
+            </a:xfrm>
+            <a:prstGeom prst="parallelogram">
+              <a:avLst>
+                <a:gd name="adj" fmla="val 195237"/>
+              </a:avLst>
+            </a:prstGeom>
+            <a:solidFill>
+              <a:schemeClr val="accent1">
+                <a:alpha val="50000"/>
+              </a:schemeClr>
+            </a:solidFill>
+          </p:spPr>
+          <p:style>
+            <a:lnRef idx="2">
+              <a:schemeClr val="accent1">
+                <a:shade val="50000"/>
+              </a:schemeClr>
+            </a:lnRef>
+            <a:fillRef idx="1">
+              <a:schemeClr val="accent1"/>
+            </a:fillRef>
+            <a:effectRef idx="0">
+              <a:schemeClr val="accent1"/>
+            </a:effectRef>
+            <a:fontRef idx="minor">
+              <a:schemeClr val="lt1"/>
+            </a:fontRef>
+          </p:style>
+          <p:txBody>
+            <a:bodyPr rtlCol="0" anchor="ctr"/>
+            <a:lstStyle/>
+            <a:p>
+              <a:pPr algn="ctr"/>
+              <a:endParaRPr lang="ko-KR" altLang="en-US" dirty="0"/>
+            </a:p>
+          </p:txBody>
+        </p:sp>
+        <p:sp>
+          <p:nvSpPr>
+            <p:cNvPr id="32" name="타원 31">
+              <a:extLst>
+                <a:ext uri="{FF2B5EF4-FFF2-40B4-BE49-F238E27FC236}">
+                  <a16:creationId xmlns:a16="http://schemas.microsoft.com/office/drawing/2014/main" id="{48CDDB8E-5B3C-48B2-9752-090CB2F0BB06}"/>
+                </a:ext>
+              </a:extLst>
+            </p:cNvPr>
+            <p:cNvSpPr>
+              <a:spLocks noChangeAspect="1"/>
+            </p:cNvSpPr>
+            <p:nvPr/>
+          </p:nvSpPr>
+          <p:spPr>
+            <a:xfrm>
+              <a:off x="5488063" y="2871550"/>
+              <a:ext cx="101600" cy="101600"/>
+            </a:xfrm>
+            <a:prstGeom prst="ellipse">
+              <a:avLst/>
+            </a:prstGeom>
+            <a:solidFill>
+              <a:schemeClr val="tx1"/>
+            </a:solidFill>
+            <a:ln w="0">
+              <a:noFill/>
+            </a:ln>
+          </p:spPr>
+          <p:style>
+            <a:lnRef idx="2">
+              <a:schemeClr val="accent1">
+                <a:shade val="50000"/>
+              </a:schemeClr>
+            </a:lnRef>
+            <a:fillRef idx="1">
+              <a:schemeClr val="accent1"/>
+            </a:fillRef>
+            <a:effectRef idx="0">
+              <a:schemeClr val="accent1"/>
+            </a:effectRef>
+            <a:fontRef idx="minor">
+              <a:schemeClr val="lt1"/>
+            </a:fontRef>
+          </p:style>
+          <p:txBody>
+            <a:bodyPr rtlCol="0" anchor="ctr"/>
+            <a:lstStyle/>
+            <a:p>
+              <a:pPr algn="ctr"/>
+              <a:endParaRPr lang="ko-KR" altLang="en-US"/>
+            </a:p>
+          </p:txBody>
+        </p:sp>
+        <p:sp>
+          <p:nvSpPr>
+            <p:cNvPr id="34" name="타원 33">
+              <a:extLst>
+                <a:ext uri="{FF2B5EF4-FFF2-40B4-BE49-F238E27FC236}">
+                  <a16:creationId xmlns:a16="http://schemas.microsoft.com/office/drawing/2014/main" id="{5B41FCE4-E09F-43ED-B437-D45649E9CC50}"/>
+                </a:ext>
+              </a:extLst>
+            </p:cNvPr>
+            <p:cNvSpPr>
+              <a:spLocks noChangeAspect="1"/>
+            </p:cNvSpPr>
+            <p:nvPr/>
+          </p:nvSpPr>
+          <p:spPr>
+            <a:xfrm>
+              <a:off x="7661953" y="2871550"/>
+              <a:ext cx="101600" cy="101600"/>
+            </a:xfrm>
+            <a:prstGeom prst="ellipse">
+              <a:avLst/>
+            </a:prstGeom>
+            <a:solidFill>
+              <a:schemeClr val="tx1"/>
+            </a:solidFill>
+            <a:ln w="0">
+              <a:noFill/>
+            </a:ln>
+          </p:spPr>
+          <p:style>
+            <a:lnRef idx="2">
+              <a:schemeClr val="accent1">
+                <a:shade val="50000"/>
+              </a:schemeClr>
+            </a:lnRef>
+            <a:fillRef idx="1">
+              <a:schemeClr val="accent1"/>
+            </a:fillRef>
+            <a:effectRef idx="0">
+              <a:schemeClr val="accent1"/>
+            </a:effectRef>
+            <a:fontRef idx="minor">
+              <a:schemeClr val="lt1"/>
+            </a:fontRef>
+          </p:style>
+          <p:txBody>
+            <a:bodyPr rtlCol="0" anchor="ctr"/>
+            <a:lstStyle/>
+            <a:p>
+              <a:pPr algn="ctr"/>
+              <a:endParaRPr lang="ko-KR" altLang="en-US"/>
+            </a:p>
+          </p:txBody>
+        </p:sp>
+        <p:sp>
+          <p:nvSpPr>
+            <p:cNvPr id="37" name="왼쪽 중괄호 36">
+              <a:extLst>
+                <a:ext uri="{FF2B5EF4-FFF2-40B4-BE49-F238E27FC236}">
+                  <a16:creationId xmlns:a16="http://schemas.microsoft.com/office/drawing/2014/main" id="{1EE882FA-16E3-4902-908F-7864386FFD4A}"/>
+                </a:ext>
+              </a:extLst>
+            </p:cNvPr>
+            <p:cNvSpPr/>
+            <p:nvPr/>
+          </p:nvSpPr>
+          <p:spPr>
+            <a:xfrm>
+              <a:off x="3938441" y="2912779"/>
+              <a:ext cx="337026" cy="1094951"/>
+            </a:xfrm>
+            <a:prstGeom prst="leftBrace">
+              <a:avLst/>
+            </a:prstGeom>
+            <a:ln w="19050">
+              <a:solidFill>
+                <a:schemeClr val="tx1"/>
+              </a:solidFill>
+            </a:ln>
+          </p:spPr>
+          <p:style>
+            <a:lnRef idx="1">
+              <a:schemeClr val="accent1"/>
+            </a:lnRef>
+            <a:fillRef idx="0">
+              <a:schemeClr val="accent1"/>
+            </a:fillRef>
+            <a:effectRef idx="0">
+              <a:schemeClr val="accent1"/>
+            </a:effectRef>
+            <a:fontRef idx="minor">
+              <a:schemeClr val="tx1"/>
+            </a:fontRef>
+          </p:style>
+          <p:txBody>
+            <a:bodyPr rtlCol="0" anchor="ctr"/>
+            <a:lstStyle/>
+            <a:p>
+              <a:pPr algn="ctr"/>
+              <a:endParaRPr lang="ko-KR" altLang="en-US"/>
+            </a:p>
+          </p:txBody>
+        </p:sp>
+        <p:sp>
+          <p:nvSpPr>
+            <p:cNvPr id="39" name="타원 38">
+              <a:extLst>
+                <a:ext uri="{FF2B5EF4-FFF2-40B4-BE49-F238E27FC236}">
+                  <a16:creationId xmlns:a16="http://schemas.microsoft.com/office/drawing/2014/main" id="{2040BF3A-9712-4EBB-AE26-17C9259C00CD}"/>
+                </a:ext>
+              </a:extLst>
+            </p:cNvPr>
+            <p:cNvSpPr>
+              <a:spLocks noChangeAspect="1"/>
+            </p:cNvSpPr>
+            <p:nvPr/>
+          </p:nvSpPr>
+          <p:spPr>
+            <a:xfrm>
+              <a:off x="4240540" y="2871550"/>
+              <a:ext cx="101600" cy="101600"/>
+            </a:xfrm>
+            <a:prstGeom prst="ellipse">
+              <a:avLst/>
+            </a:prstGeom>
+            <a:solidFill>
+              <a:schemeClr val="tx1"/>
+            </a:solidFill>
+            <a:ln w="0">
+              <a:noFill/>
+            </a:ln>
+          </p:spPr>
+          <p:style>
+            <a:lnRef idx="2">
+              <a:schemeClr val="accent1">
+                <a:shade val="50000"/>
+              </a:schemeClr>
+            </a:lnRef>
+            <a:fillRef idx="1">
+              <a:schemeClr val="accent1"/>
+            </a:fillRef>
+            <a:effectRef idx="0">
+              <a:schemeClr val="accent1"/>
+            </a:effectRef>
+            <a:fontRef idx="minor">
+              <a:schemeClr val="lt1"/>
+            </a:fontRef>
+          </p:style>
+          <p:txBody>
+            <a:bodyPr rtlCol="0" anchor="ctr"/>
+            <a:lstStyle/>
+            <a:p>
+              <a:pPr algn="ctr"/>
+              <a:endParaRPr lang="ko-KR" altLang="en-US"/>
+            </a:p>
+          </p:txBody>
+        </p:sp>
+        <p:sp>
+          <p:nvSpPr>
+            <p:cNvPr id="41" name="타원 40">
+              <a:extLst>
+                <a:ext uri="{FF2B5EF4-FFF2-40B4-BE49-F238E27FC236}">
+                  <a16:creationId xmlns:a16="http://schemas.microsoft.com/office/drawing/2014/main" id="{4500505B-2090-4CD7-B52F-92C7A9DB6DA2}"/>
+                </a:ext>
+              </a:extLst>
+            </p:cNvPr>
+            <p:cNvSpPr>
+              <a:spLocks noChangeAspect="1"/>
+            </p:cNvSpPr>
+            <p:nvPr/>
+          </p:nvSpPr>
+          <p:spPr>
+            <a:xfrm>
+              <a:off x="4231914" y="3953398"/>
+              <a:ext cx="101600" cy="101600"/>
+            </a:xfrm>
+            <a:prstGeom prst="ellipse">
+              <a:avLst/>
+            </a:prstGeom>
+            <a:solidFill>
+              <a:schemeClr val="tx1"/>
+            </a:solidFill>
+            <a:ln w="0">
+              <a:noFill/>
+            </a:ln>
+          </p:spPr>
+          <p:style>
+            <a:lnRef idx="2">
+              <a:schemeClr val="accent1">
+                <a:shade val="50000"/>
+              </a:schemeClr>
+            </a:lnRef>
+            <a:fillRef idx="1">
+              <a:schemeClr val="accent1"/>
+            </a:fillRef>
+            <a:effectRef idx="0">
+              <a:schemeClr val="accent1"/>
+            </a:effectRef>
+            <a:fontRef idx="minor">
+              <a:schemeClr val="lt1"/>
+            </a:fontRef>
+          </p:style>
+          <p:txBody>
+            <a:bodyPr rtlCol="0" anchor="ctr"/>
+            <a:lstStyle/>
+            <a:p>
+              <a:pPr algn="ctr"/>
+              <a:endParaRPr lang="ko-KR" altLang="en-US"/>
+            </a:p>
+          </p:txBody>
+        </p:sp>
+        <p:cxnSp>
+          <p:nvCxnSpPr>
+            <p:cNvPr id="42" name="직선 화살표 연결선 41">
+              <a:extLst>
+                <a:ext uri="{FF2B5EF4-FFF2-40B4-BE49-F238E27FC236}">
+                  <a16:creationId xmlns:a16="http://schemas.microsoft.com/office/drawing/2014/main" id="{066165DC-3E8F-4E09-996E-0FA3EE357F17}"/>
+                </a:ext>
+              </a:extLst>
+            </p:cNvPr>
+            <p:cNvCxnSpPr>
+              <a:cxnSpLocks/>
+            </p:cNvCxnSpPr>
+            <p:nvPr/>
+          </p:nvCxnSpPr>
+          <p:spPr>
+            <a:xfrm>
+              <a:off x="4275467" y="2912779"/>
+              <a:ext cx="4632960" cy="0"/>
+            </a:xfrm>
+            <a:prstGeom prst="straightConnector1">
+              <a:avLst/>
+            </a:prstGeom>
+            <a:ln w="19050">
+              <a:solidFill>
+                <a:schemeClr val="tx1"/>
+              </a:solidFill>
+              <a:tailEnd type="triangle"/>
+            </a:ln>
+          </p:spPr>
+          <p:style>
+            <a:lnRef idx="1">
+              <a:schemeClr val="accent1"/>
+            </a:lnRef>
+            <a:fillRef idx="0">
+              <a:schemeClr val="accent1"/>
+            </a:fillRef>
+            <a:effectRef idx="0">
+              <a:schemeClr val="accent1"/>
+            </a:effectRef>
+            <a:fontRef idx="minor">
+              <a:schemeClr val="tx1"/>
+            </a:fontRef>
+          </p:style>
+        </p:cxnSp>
+        <mc:AlternateContent xmlns:mc="http://schemas.openxmlformats.org/markup-compatibility/2006">
+          <mc:Choice xmlns:a14="http://schemas.microsoft.com/office/drawing/2010/main" Requires="a14">
+            <p:sp>
+              <p:nvSpPr>
+                <p:cNvPr id="44" name="TextBox 43">
+                  <a:extLst>
+                    <a:ext uri="{FF2B5EF4-FFF2-40B4-BE49-F238E27FC236}">
+                      <a16:creationId xmlns:a16="http://schemas.microsoft.com/office/drawing/2014/main" id="{7E31A168-326C-4C1A-87A8-7181D130E304}"/>
+                    </a:ext>
+                  </a:extLst>
+                </p:cNvPr>
+                <p:cNvSpPr txBox="1"/>
+                <p:nvPr/>
+              </p:nvSpPr>
+              <p:spPr>
+                <a:xfrm>
+                  <a:off x="4083464" y="1608418"/>
+                  <a:ext cx="398500" cy="369332"/>
+                </a:xfrm>
+                <a:prstGeom prst="rect">
+                  <a:avLst/>
+                </a:prstGeom>
+                <a:noFill/>
+              </p:spPr>
+              <p:txBody>
+                <a:bodyPr wrap="square" rtlCol="0">
+                  <a:spAutoFit/>
+                </a:bodyPr>
+                <a:lstStyle/>
+                <a:p>
+                  <a:pPr algn="ctr"/>
+                  <a14:m>
+                    <m:oMathPara xmlns:m="http://schemas.openxmlformats.org/officeDocument/2006/math">
+                      <m:oMathParaPr>
+                        <m:jc m:val="centerGroup"/>
+                      </m:oMathParaPr>
+                      <m:oMath xmlns:m="http://schemas.openxmlformats.org/officeDocument/2006/math">
+                        <m:sSub>
+                          <m:sSubPr>
+                            <m:ctrlPr>
+                              <a:rPr lang="en-US" altLang="ko-KR" b="0" i="1" smtClean="0">
+                                <a:latin typeface="Cambria Math" panose="02040503050406030204" pitchFamily="18" charset="0"/>
+                              </a:rPr>
+                            </m:ctrlPr>
+                          </m:sSubPr>
+                          <m:e>
+                            <m:r>
+                              <a:rPr lang="en-US" altLang="ko-KR" b="0" i="1" smtClean="0">
+                                <a:latin typeface="Cambria Math" panose="02040503050406030204" pitchFamily="18" charset="0"/>
+                              </a:rPr>
+                              <m:t>𝑧</m:t>
+                            </m:r>
+                          </m:e>
+                          <m:sub>
+                            <m:r>
+                              <a:rPr lang="en-US" altLang="ko-KR" b="0" i="1" smtClean="0">
+                                <a:latin typeface="Cambria Math" panose="02040503050406030204" pitchFamily="18" charset="0"/>
+                              </a:rPr>
+                              <m:t>𝐵</m:t>
+                            </m:r>
+                          </m:sub>
+                        </m:sSub>
+                      </m:oMath>
+                    </m:oMathPara>
+                  </a14:m>
+                  <a:endParaRPr lang="ko-KR" altLang="en-US" dirty="0">
+                    <a:latin typeface="Cambria Math" panose="02040503050406030204" pitchFamily="18" charset="0"/>
+                  </a:endParaRPr>
+                </a:p>
+              </p:txBody>
+            </p:sp>
+          </mc:Choice>
+          <mc:Fallback>
+            <p:sp>
+              <p:nvSpPr>
+                <p:cNvPr id="44" name="TextBox 43">
+                  <a:extLst>
+                    <a:ext uri="{FF2B5EF4-FFF2-40B4-BE49-F238E27FC236}">
+                      <a16:creationId xmlns:a16="http://schemas.microsoft.com/office/drawing/2014/main" id="{7E31A168-326C-4C1A-87A8-7181D130E304}"/>
+                    </a:ext>
+                  </a:extLst>
+                </p:cNvPr>
+                <p:cNvSpPr txBox="1">
+                  <a:spLocks noRot="1" noChangeAspect="1" noMove="1" noResize="1" noEditPoints="1" noAdjustHandles="1" noChangeArrowheads="1" noChangeShapeType="1" noTextEdit="1"/>
+                </p:cNvSpPr>
+                <p:nvPr/>
+              </p:nvSpPr>
+              <p:spPr>
+                <a:xfrm>
+                  <a:off x="4083464" y="1608418"/>
+                  <a:ext cx="398500" cy="369332"/>
+                </a:xfrm>
+                <a:prstGeom prst="rect">
+                  <a:avLst/>
+                </a:prstGeom>
+                <a:blipFill>
+                  <a:blip r:embed="rId6"/>
+                  <a:stretch>
+                    <a:fillRect l="-1538" b="-1667"/>
+                  </a:stretch>
+                </a:blipFill>
+              </p:spPr>
+              <p:txBody>
+                <a:bodyPr/>
+                <a:lstStyle/>
+                <a:p>
+                  <a:r>
+                    <a:rPr lang="ko-KR" altLang="en-US">
+                      <a:noFill/>
+                    </a:rPr>
+                    <a:t> </a:t>
+                  </a:r>
+                </a:p>
+              </p:txBody>
+            </p:sp>
+          </mc:Fallback>
+        </mc:AlternateContent>
+        <mc:AlternateContent xmlns:mc="http://schemas.openxmlformats.org/markup-compatibility/2006">
+          <mc:Choice xmlns:a14="http://schemas.microsoft.com/office/drawing/2010/main" Requires="a14">
+            <p:sp>
+              <p:nvSpPr>
+                <p:cNvPr id="46" name="TextBox 45">
+                  <a:extLst>
+                    <a:ext uri="{FF2B5EF4-FFF2-40B4-BE49-F238E27FC236}">
+                      <a16:creationId xmlns:a16="http://schemas.microsoft.com/office/drawing/2014/main" id="{A8F64A91-014A-451F-B539-CC6D4FF33F89}"/>
+                    </a:ext>
+                  </a:extLst>
+                </p:cNvPr>
+                <p:cNvSpPr txBox="1"/>
+                <p:nvPr/>
+              </p:nvSpPr>
+              <p:spPr>
+                <a:xfrm>
+                  <a:off x="3509204" y="3275588"/>
+                  <a:ext cx="398500" cy="369332"/>
+                </a:xfrm>
+                <a:prstGeom prst="rect">
+                  <a:avLst/>
+                </a:prstGeom>
+                <a:noFill/>
+              </p:spPr>
+              <p:txBody>
+                <a:bodyPr wrap="square" rtlCol="0">
+                  <a:spAutoFit/>
+                </a:bodyPr>
+                <a:lstStyle/>
+                <a:p>
+                  <a:pPr algn="ctr"/>
+                  <a14:m>
+                    <m:oMathPara xmlns:m="http://schemas.openxmlformats.org/officeDocument/2006/math">
+                      <m:oMathParaPr>
+                        <m:jc m:val="centerGroup"/>
+                      </m:oMathParaPr>
+                      <m:oMath xmlns:m="http://schemas.openxmlformats.org/officeDocument/2006/math">
+                        <m:sSub>
+                          <m:sSubPr>
+                            <m:ctrlPr>
+                              <a:rPr lang="en-US" altLang="ko-KR" b="0" i="1" smtClean="0">
+                                <a:latin typeface="Cambria Math" panose="02040503050406030204" pitchFamily="18" charset="0"/>
+                              </a:rPr>
+                            </m:ctrlPr>
+                          </m:sSubPr>
+                          <m:e>
+                            <m:r>
+                              <a:rPr lang="en-US" altLang="ko-KR" b="0" i="1" smtClean="0">
+                                <a:latin typeface="Cambria Math" panose="02040503050406030204" pitchFamily="18" charset="0"/>
+                              </a:rPr>
+                              <m:t>𝑘</m:t>
+                            </m:r>
+                          </m:e>
+                          <m:sub>
+                            <m:r>
+                              <a:rPr lang="en-US" altLang="ko-KR" b="0" i="1" smtClean="0">
+                                <a:latin typeface="Cambria Math" panose="02040503050406030204" pitchFamily="18" charset="0"/>
+                              </a:rPr>
+                              <m:t>𝐵</m:t>
+                            </m:r>
+                          </m:sub>
+                        </m:sSub>
+                      </m:oMath>
+                    </m:oMathPara>
+                  </a14:m>
+                  <a:endParaRPr lang="ko-KR" altLang="en-US" dirty="0">
+                    <a:latin typeface="Cambria Math" panose="02040503050406030204" pitchFamily="18" charset="0"/>
+                  </a:endParaRPr>
+                </a:p>
+              </p:txBody>
+            </p:sp>
+          </mc:Choice>
+          <mc:Fallback>
+            <p:sp>
+              <p:nvSpPr>
+                <p:cNvPr id="46" name="TextBox 45">
+                  <a:extLst>
+                    <a:ext uri="{FF2B5EF4-FFF2-40B4-BE49-F238E27FC236}">
+                      <a16:creationId xmlns:a16="http://schemas.microsoft.com/office/drawing/2014/main" id="{A8F64A91-014A-451F-B539-CC6D4FF33F89}"/>
+                    </a:ext>
+                  </a:extLst>
+                </p:cNvPr>
+                <p:cNvSpPr txBox="1">
+                  <a:spLocks noRot="1" noChangeAspect="1" noMove="1" noResize="1" noEditPoints="1" noAdjustHandles="1" noChangeArrowheads="1" noChangeShapeType="1" noTextEdit="1"/>
+                </p:cNvSpPr>
+                <p:nvPr/>
+              </p:nvSpPr>
+              <p:spPr>
+                <a:xfrm>
+                  <a:off x="3509204" y="3275588"/>
+                  <a:ext cx="398500" cy="369332"/>
+                </a:xfrm>
+                <a:prstGeom prst="rect">
+                  <a:avLst/>
+                </a:prstGeom>
+                <a:blipFill>
+                  <a:blip r:embed="rId7"/>
+                  <a:stretch>
+                    <a:fillRect l="-9231"/>
+                  </a:stretch>
+                </a:blipFill>
+              </p:spPr>
+              <p:txBody>
+                <a:bodyPr/>
+                <a:lstStyle/>
+                <a:p>
+                  <a:r>
+                    <a:rPr lang="ko-KR" altLang="en-US">
+                      <a:noFill/>
+                    </a:rPr>
+                    <a:t> </a:t>
+                  </a:r>
+                </a:p>
+              </p:txBody>
+            </p:sp>
+          </mc:Fallback>
+        </mc:AlternateContent>
+        <mc:AlternateContent xmlns:mc="http://schemas.openxmlformats.org/markup-compatibility/2006">
+          <mc:Choice xmlns:a14="http://schemas.microsoft.com/office/drawing/2010/main" Requires="a14">
+            <p:sp>
+              <p:nvSpPr>
+                <p:cNvPr id="48" name="TextBox 47">
+                  <a:extLst>
+                    <a:ext uri="{FF2B5EF4-FFF2-40B4-BE49-F238E27FC236}">
+                      <a16:creationId xmlns:a16="http://schemas.microsoft.com/office/drawing/2014/main" id="{47AAFB0C-D21F-45E0-8059-E9BA49A083E4}"/>
+                    </a:ext>
+                  </a:extLst>
+                </p:cNvPr>
+                <p:cNvSpPr txBox="1"/>
+                <p:nvPr/>
+              </p:nvSpPr>
+              <p:spPr>
+                <a:xfrm>
+                  <a:off x="2706563" y="4550311"/>
+                  <a:ext cx="398500" cy="369332"/>
+                </a:xfrm>
+                <a:prstGeom prst="rect">
+                  <a:avLst/>
+                </a:prstGeom>
+                <a:noFill/>
+              </p:spPr>
+              <p:txBody>
+                <a:bodyPr wrap="square" rtlCol="0">
+                  <a:spAutoFit/>
+                </a:bodyPr>
+                <a:lstStyle/>
+                <a:p>
+                  <a:pPr algn="ctr"/>
+                  <a14:m>
+                    <m:oMathPara xmlns:m="http://schemas.openxmlformats.org/officeDocument/2006/math">
+                      <m:oMathParaPr>
+                        <m:jc m:val="centerGroup"/>
+                      </m:oMathParaPr>
+                      <m:oMath xmlns:m="http://schemas.openxmlformats.org/officeDocument/2006/math">
+                        <m:sSub>
+                          <m:sSubPr>
+                            <m:ctrlPr>
+                              <a:rPr lang="en-US" altLang="ko-KR" b="0" i="1" smtClean="0">
+                                <a:latin typeface="Cambria Math" panose="02040503050406030204" pitchFamily="18" charset="0"/>
+                              </a:rPr>
+                            </m:ctrlPr>
+                          </m:sSubPr>
+                          <m:e>
+                            <m:r>
+                              <a:rPr lang="en-US" altLang="ko-KR" b="0" i="1" smtClean="0">
+                                <a:latin typeface="Cambria Math" panose="02040503050406030204" pitchFamily="18" charset="0"/>
+                              </a:rPr>
+                              <m:t>𝑧</m:t>
+                            </m:r>
+                          </m:e>
+                          <m:sub>
+                            <m:r>
+                              <a:rPr lang="en-US" altLang="ko-KR" b="0" i="1" smtClean="0">
+                                <a:latin typeface="Cambria Math" panose="02040503050406030204" pitchFamily="18" charset="0"/>
+                              </a:rPr>
+                              <m:t>𝐵</m:t>
+                            </m:r>
+                          </m:sub>
+                        </m:sSub>
+                      </m:oMath>
+                    </m:oMathPara>
+                  </a14:m>
+                  <a:endParaRPr lang="ko-KR" altLang="en-US" dirty="0">
+                    <a:latin typeface="Cambria Math" panose="02040503050406030204" pitchFamily="18" charset="0"/>
+                  </a:endParaRPr>
+                </a:p>
+              </p:txBody>
+            </p:sp>
+          </mc:Choice>
+          <mc:Fallback>
+            <p:sp>
+              <p:nvSpPr>
+                <p:cNvPr id="48" name="TextBox 47">
+                  <a:extLst>
+                    <a:ext uri="{FF2B5EF4-FFF2-40B4-BE49-F238E27FC236}">
+                      <a16:creationId xmlns:a16="http://schemas.microsoft.com/office/drawing/2014/main" id="{47AAFB0C-D21F-45E0-8059-E9BA49A083E4}"/>
+                    </a:ext>
+                  </a:extLst>
+                </p:cNvPr>
+                <p:cNvSpPr txBox="1">
+                  <a:spLocks noRot="1" noChangeAspect="1" noMove="1" noResize="1" noEditPoints="1" noAdjustHandles="1" noChangeArrowheads="1" noChangeShapeType="1" noTextEdit="1"/>
+                </p:cNvSpPr>
+                <p:nvPr/>
+              </p:nvSpPr>
+              <p:spPr>
+                <a:xfrm>
+                  <a:off x="2706563" y="4550311"/>
+                  <a:ext cx="398500" cy="369332"/>
+                </a:xfrm>
+                <a:prstGeom prst="rect">
+                  <a:avLst/>
+                </a:prstGeom>
+                <a:blipFill>
+                  <a:blip r:embed="rId8"/>
+                  <a:stretch>
+                    <a:fillRect l="-1538"/>
+                  </a:stretch>
+                </a:blipFill>
+              </p:spPr>
+              <p:txBody>
+                <a:bodyPr/>
+                <a:lstStyle/>
+                <a:p>
+                  <a:r>
+                    <a:rPr lang="ko-KR" altLang="en-US">
+                      <a:noFill/>
+                    </a:rPr>
+                    <a:t> </a:t>
+                  </a:r>
+                </a:p>
+              </p:txBody>
+            </p:sp>
+          </mc:Fallback>
+        </mc:AlternateContent>
+      </p:grpSp>
+    </p:spTree>
+    <p:extLst>
+      <p:ext uri="{BB962C8B-B14F-4D97-AF65-F5344CB8AC3E}">
+        <p14:creationId xmlns:p14="http://schemas.microsoft.com/office/powerpoint/2010/main" val="2558272265"/>
+      </p:ext>
+    </p:extLst>
+  </p:cSld>
+  <p:clrMapOvr>
+    <a:masterClrMapping/>
+  </p:clrMapOvr>
+</p:sld>
+</file>
+
+<file path=ppt/slides/slide4.xml><?xml version="1.0" encoding="utf-8"?>
+<p:sld xmlns:a="http://schemas.openxmlformats.org/drawingml/2006/main" xmlns:r="http://schemas.openxmlformats.org/officeDocument/2006/relationships" xmlns:p="http://schemas.openxmlformats.org/presentationml/2006/main">
+  <p:cSld>
+    <p:spTree>
+      <p:nvGrpSpPr>
+        <p:cNvPr id="1" name=""/>
+        <p:cNvGrpSpPr/>
+        <p:nvPr/>
+      </p:nvGrpSpPr>
+      <p:grpSpPr>
+        <a:xfrm>
+          <a:off x="0" y="0"/>
+          <a:ext cx="0" cy="0"/>
+          <a:chOff x="0" y="0"/>
+          <a:chExt cx="0" cy="0"/>
+        </a:xfrm>
+      </p:grpSpPr>
+    </p:spTree>
+    <p:extLst>
+      <p:ext uri="{BB962C8B-B14F-4D97-AF65-F5344CB8AC3E}">
+        <p14:creationId xmlns:p14="http://schemas.microsoft.com/office/powerpoint/2010/main" val="349987050"/>
       </p:ext>
     </p:extLst>
   </p:cSld>

--- a/image/그림용 ppt.pptx
+++ b/image/그림용 ppt.pptx
@@ -274,7 +274,7 @@
           <a:p>
             <a:fld id="{0F03CF3D-38EE-4684-AFC9-14FEB541E724}" type="datetimeFigureOut">
               <a:rPr lang="ko-KR" altLang="en-US" smtClean="0"/>
-              <a:t>2020-10-29</a:t>
+              <a:t>2020-10-30</a:t>
             </a:fld>
             <a:endParaRPr lang="ko-KR" altLang="en-US"/>
           </a:p>
@@ -472,7 +472,7 @@
           <a:p>
             <a:fld id="{0F03CF3D-38EE-4684-AFC9-14FEB541E724}" type="datetimeFigureOut">
               <a:rPr lang="ko-KR" altLang="en-US" smtClean="0"/>
-              <a:t>2020-10-29</a:t>
+              <a:t>2020-10-30</a:t>
             </a:fld>
             <a:endParaRPr lang="ko-KR" altLang="en-US"/>
           </a:p>
@@ -680,7 +680,7 @@
           <a:p>
             <a:fld id="{0F03CF3D-38EE-4684-AFC9-14FEB541E724}" type="datetimeFigureOut">
               <a:rPr lang="ko-KR" altLang="en-US" smtClean="0"/>
-              <a:t>2020-10-29</a:t>
+              <a:t>2020-10-30</a:t>
             </a:fld>
             <a:endParaRPr lang="ko-KR" altLang="en-US"/>
           </a:p>
@@ -878,7 +878,7 @@
           <a:p>
             <a:fld id="{0F03CF3D-38EE-4684-AFC9-14FEB541E724}" type="datetimeFigureOut">
               <a:rPr lang="ko-KR" altLang="en-US" smtClean="0"/>
-              <a:t>2020-10-29</a:t>
+              <a:t>2020-10-30</a:t>
             </a:fld>
             <a:endParaRPr lang="ko-KR" altLang="en-US"/>
           </a:p>
@@ -1153,7 +1153,7 @@
           <a:p>
             <a:fld id="{0F03CF3D-38EE-4684-AFC9-14FEB541E724}" type="datetimeFigureOut">
               <a:rPr lang="ko-KR" altLang="en-US" smtClean="0"/>
-              <a:t>2020-10-29</a:t>
+              <a:t>2020-10-30</a:t>
             </a:fld>
             <a:endParaRPr lang="ko-KR" altLang="en-US"/>
           </a:p>
@@ -1418,7 +1418,7 @@
           <a:p>
             <a:fld id="{0F03CF3D-38EE-4684-AFC9-14FEB541E724}" type="datetimeFigureOut">
               <a:rPr lang="ko-KR" altLang="en-US" smtClean="0"/>
-              <a:t>2020-10-29</a:t>
+              <a:t>2020-10-30</a:t>
             </a:fld>
             <a:endParaRPr lang="ko-KR" altLang="en-US"/>
           </a:p>
@@ -1830,7 +1830,7 @@
           <a:p>
             <a:fld id="{0F03CF3D-38EE-4684-AFC9-14FEB541E724}" type="datetimeFigureOut">
               <a:rPr lang="ko-KR" altLang="en-US" smtClean="0"/>
-              <a:t>2020-10-29</a:t>
+              <a:t>2020-10-30</a:t>
             </a:fld>
             <a:endParaRPr lang="ko-KR" altLang="en-US"/>
           </a:p>
@@ -1971,7 +1971,7 @@
           <a:p>
             <a:fld id="{0F03CF3D-38EE-4684-AFC9-14FEB541E724}" type="datetimeFigureOut">
               <a:rPr lang="ko-KR" altLang="en-US" smtClean="0"/>
-              <a:t>2020-10-29</a:t>
+              <a:t>2020-10-30</a:t>
             </a:fld>
             <a:endParaRPr lang="ko-KR" altLang="en-US"/>
           </a:p>
@@ -2084,7 +2084,7 @@
           <a:p>
             <a:fld id="{0F03CF3D-38EE-4684-AFC9-14FEB541E724}" type="datetimeFigureOut">
               <a:rPr lang="ko-KR" altLang="en-US" smtClean="0"/>
-              <a:t>2020-10-29</a:t>
+              <a:t>2020-10-30</a:t>
             </a:fld>
             <a:endParaRPr lang="ko-KR" altLang="en-US"/>
           </a:p>
@@ -2395,7 +2395,7 @@
           <a:p>
             <a:fld id="{0F03CF3D-38EE-4684-AFC9-14FEB541E724}" type="datetimeFigureOut">
               <a:rPr lang="ko-KR" altLang="en-US" smtClean="0"/>
-              <a:t>2020-10-29</a:t>
+              <a:t>2020-10-30</a:t>
             </a:fld>
             <a:endParaRPr lang="ko-KR" altLang="en-US"/>
           </a:p>
@@ -2683,7 +2683,7 @@
           <a:p>
             <a:fld id="{0F03CF3D-38EE-4684-AFC9-14FEB541E724}" type="datetimeFigureOut">
               <a:rPr lang="ko-KR" altLang="en-US" smtClean="0"/>
-              <a:t>2020-10-29</a:t>
+              <a:t>2020-10-30</a:t>
             </a:fld>
             <a:endParaRPr lang="ko-KR" altLang="en-US"/>
           </a:p>
@@ -2924,7 +2924,7 @@
           <a:p>
             <a:fld id="{0F03CF3D-38EE-4684-AFC9-14FEB541E724}" type="datetimeFigureOut">
               <a:rPr lang="ko-KR" altLang="en-US" smtClean="0"/>
-              <a:t>2020-10-29</a:t>
+              <a:t>2020-10-30</a:t>
             </a:fld>
             <a:endParaRPr lang="ko-KR" altLang="en-US"/>
           </a:p>
@@ -5015,8 +5015,8 @@
               </a:p>
             </p:txBody>
           </p:sp>
-          <mc:AlternateContent xmlns:mc="http://schemas.openxmlformats.org/markup-compatibility/2006">
-            <mc:Choice xmlns:a14="http://schemas.microsoft.com/office/drawing/2010/main" Requires="a14">
+          <mc:AlternateContent xmlns:mc="http://schemas.openxmlformats.org/markup-compatibility/2006" xmlns:a14="http://schemas.microsoft.com/office/drawing/2010/main">
+            <mc:Choice Requires="a14">
               <p:sp>
                 <p:nvSpPr>
                   <p:cNvPr id="8" name="TextBox 7">
@@ -5068,7 +5068,7 @@
                 </p:txBody>
               </p:sp>
             </mc:Choice>
-            <mc:Fallback>
+            <mc:Fallback xmlns="">
               <p:sp>
                 <p:nvSpPr>
                   <p:cNvPr id="8" name="TextBox 7">
@@ -5113,8 +5113,8 @@
               </p:sp>
             </mc:Fallback>
           </mc:AlternateContent>
-          <mc:AlternateContent xmlns:mc="http://schemas.openxmlformats.org/markup-compatibility/2006">
-            <mc:Choice xmlns:a14="http://schemas.microsoft.com/office/drawing/2010/main" Requires="a14">
+          <mc:AlternateContent xmlns:mc="http://schemas.openxmlformats.org/markup-compatibility/2006" xmlns:a14="http://schemas.microsoft.com/office/drawing/2010/main">
+            <mc:Choice Requires="a14">
               <p:sp>
                 <p:nvSpPr>
                   <p:cNvPr id="10" name="TextBox 9">
@@ -5166,7 +5166,7 @@
                 </p:txBody>
               </p:sp>
             </mc:Choice>
-            <mc:Fallback>
+            <mc:Fallback xmlns="">
               <p:sp>
                 <p:nvSpPr>
                   <p:cNvPr id="10" name="TextBox 9">
@@ -5211,8 +5211,8 @@
               </p:sp>
             </mc:Fallback>
           </mc:AlternateContent>
-          <mc:AlternateContent xmlns:mc="http://schemas.openxmlformats.org/markup-compatibility/2006">
-            <mc:Choice xmlns:a14="http://schemas.microsoft.com/office/drawing/2010/main" Requires="a14">
+          <mc:AlternateContent xmlns:mc="http://schemas.openxmlformats.org/markup-compatibility/2006" xmlns:a14="http://schemas.microsoft.com/office/drawing/2010/main">
+            <mc:Choice Requires="a14">
               <p:sp>
                 <p:nvSpPr>
                   <p:cNvPr id="13" name="TextBox 12">
@@ -5283,7 +5283,7 @@
                 </p:txBody>
               </p:sp>
             </mc:Choice>
-            <mc:Fallback>
+            <mc:Fallback xmlns="">
               <p:sp>
                 <p:nvSpPr>
                   <p:cNvPr id="13" name="TextBox 12">
@@ -5408,8 +5408,8 @@
               </a:fontRef>
             </p:style>
           </p:cxnSp>
-          <mc:AlternateContent xmlns:mc="http://schemas.openxmlformats.org/markup-compatibility/2006">
-            <mc:Choice xmlns:a14="http://schemas.microsoft.com/office/drawing/2010/main" Requires="a14">
+          <mc:AlternateContent xmlns:mc="http://schemas.openxmlformats.org/markup-compatibility/2006" xmlns:a14="http://schemas.microsoft.com/office/drawing/2010/main">
+            <mc:Choice Requires="a14">
               <p:sp>
                 <p:nvSpPr>
                   <p:cNvPr id="18" name="TextBox 17">
@@ -5461,7 +5461,7 @@
                 </p:txBody>
               </p:sp>
             </mc:Choice>
-            <mc:Fallback>
+            <mc:Fallback xmlns="">
               <p:sp>
                 <p:nvSpPr>
                   <p:cNvPr id="18" name="TextBox 17">
@@ -5956,8 +5956,8 @@
               </a:fontRef>
             </p:style>
           </p:cxnSp>
-          <mc:AlternateContent xmlns:mc="http://schemas.openxmlformats.org/markup-compatibility/2006">
-            <mc:Choice xmlns:a14="http://schemas.microsoft.com/office/drawing/2010/main" Requires="a14">
+          <mc:AlternateContent xmlns:mc="http://schemas.openxmlformats.org/markup-compatibility/2006" xmlns:a14="http://schemas.microsoft.com/office/drawing/2010/main">
+            <mc:Choice Requires="a14">
               <p:sp>
                 <p:nvSpPr>
                   <p:cNvPr id="44" name="TextBox 43">
@@ -6028,7 +6028,7 @@
                 </p:txBody>
               </p:sp>
             </mc:Choice>
-            <mc:Fallback>
+            <mc:Fallback xmlns="">
               <p:sp>
                 <p:nvSpPr>
                   <p:cNvPr id="44" name="TextBox 43">
@@ -6073,8 +6073,8 @@
               </p:sp>
             </mc:Fallback>
           </mc:AlternateContent>
-          <mc:AlternateContent xmlns:mc="http://schemas.openxmlformats.org/markup-compatibility/2006">
-            <mc:Choice xmlns:a14="http://schemas.microsoft.com/office/drawing/2010/main" Requires="a14">
+          <mc:AlternateContent xmlns:mc="http://schemas.openxmlformats.org/markup-compatibility/2006" xmlns:a14="http://schemas.microsoft.com/office/drawing/2010/main">
+            <mc:Choice Requires="a14">
               <p:sp>
                 <p:nvSpPr>
                   <p:cNvPr id="46" name="TextBox 45">
@@ -6145,7 +6145,7 @@
                 </p:txBody>
               </p:sp>
             </mc:Choice>
-            <mc:Fallback>
+            <mc:Fallback xmlns="">
               <p:sp>
                 <p:nvSpPr>
                   <p:cNvPr id="46" name="TextBox 45">
@@ -6240,7 +6240,7 @@
                                 <a:rPr lang="en-US" altLang="ko-KR" b="0" i="1" smtClean="0">
                                   <a:latin typeface="Cambria Math" panose="02040503050406030204" pitchFamily="18" charset="0"/>
                                 </a:rPr>
-                                <m:t>𝑧</m:t>
+                                <m:t>𝑦</m:t>
                               </m:r>
                             </m:e>
                             <m:sub>
@@ -6288,7 +6288,7 @@
                   <a:blipFill>
                     <a:blip r:embed="rId8"/>
                     <a:stretch>
-                      <a:fillRect/>
+                      <a:fillRect l="-7692" b="-8197"/>
                     </a:stretch>
                   </a:blipFill>
                 </p:spPr>
@@ -6341,10 +6341,10 @@
       </p:grpSpPr>
       <p:grpSp>
         <p:nvGrpSpPr>
-          <p:cNvPr id="5" name="그룹 4">
+          <p:cNvPr id="59" name="그룹 58">
             <a:extLst>
               <a:ext uri="{FF2B5EF4-FFF2-40B4-BE49-F238E27FC236}">
-                <a16:creationId xmlns:a16="http://schemas.microsoft.com/office/drawing/2014/main" id="{FB83C29F-C9C1-4A29-B4E8-2B7E2B4F4064}"/>
+                <a16:creationId xmlns:a16="http://schemas.microsoft.com/office/drawing/2014/main" id="{2BB45716-8D8E-4B51-BE78-7CB1F60B4EC7}"/>
               </a:ext>
             </a:extLst>
           </p:cNvPr>
@@ -6353,10 +6353,10 @@
         </p:nvGrpSpPr>
         <p:grpSpPr>
           <a:xfrm>
-            <a:off x="2364397" y="1192789"/>
-            <a:ext cx="7463206" cy="3726854"/>
-            <a:chOff x="2364397" y="1192789"/>
-            <a:chExt cx="7463206" cy="3726854"/>
+            <a:off x="1742605" y="223525"/>
+            <a:ext cx="7463206" cy="6039689"/>
+            <a:chOff x="1742605" y="223525"/>
+            <a:chExt cx="7463206" cy="6039689"/>
           </a:xfrm>
         </p:grpSpPr>
         <p:sp>
@@ -6373,7 +6373,7 @@
           </p:nvSpPr>
           <p:spPr>
             <a:xfrm>
-              <a:off x="5330140" y="1192789"/>
+              <a:off x="4708348" y="223525"/>
               <a:ext cx="1400100" cy="369332"/>
             </a:xfrm>
             <a:prstGeom prst="rect">
@@ -6420,7 +6420,7 @@
           </p:nvCxnSpPr>
           <p:spPr>
             <a:xfrm>
-              <a:off x="4275467" y="4007730"/>
+              <a:off x="3653675" y="3038466"/>
               <a:ext cx="4632960" cy="0"/>
             </a:xfrm>
             <a:prstGeom prst="straightConnector1">
@@ -6464,7 +6464,7 @@
           </p:nvSpPr>
           <p:spPr>
             <a:xfrm>
-              <a:off x="5492407" y="3956930"/>
+              <a:off x="4870615" y="2987666"/>
               <a:ext cx="101600" cy="101600"/>
             </a:xfrm>
             <a:prstGeom prst="ellipse">
@@ -6518,7 +6518,7 @@
           </p:nvSpPr>
           <p:spPr>
             <a:xfrm>
-              <a:off x="7664107" y="3956930"/>
+              <a:off x="7042315" y="2987666"/>
               <a:ext cx="101600" cy="101600"/>
             </a:xfrm>
             <a:prstGeom prst="ellipse">
@@ -6556,8 +6556,8 @@
             </a:p>
           </p:txBody>
         </p:sp>
-        <mc:AlternateContent xmlns:mc="http://schemas.openxmlformats.org/markup-compatibility/2006">
-          <mc:Choice xmlns:a14="http://schemas.microsoft.com/office/drawing/2010/main" Requires="a14">
+        <mc:AlternateContent xmlns:mc="http://schemas.openxmlformats.org/markup-compatibility/2006" xmlns:a14="http://schemas.microsoft.com/office/drawing/2010/main">
+          <mc:Choice Requires="a14">
             <p:sp>
               <p:nvSpPr>
                 <p:cNvPr id="8" name="TextBox 7">
@@ -6572,7 +6572,7 @@
               </p:nvSpPr>
               <p:spPr>
                 <a:xfrm>
-                  <a:off x="5441887" y="4109330"/>
+                  <a:off x="4820095" y="3140066"/>
                   <a:ext cx="233680" cy="369332"/>
                 </a:xfrm>
                 <a:prstGeom prst="rect">
@@ -6609,7 +6609,7 @@
               </p:txBody>
             </p:sp>
           </mc:Choice>
-          <mc:Fallback>
+          <mc:Fallback xmlns="">
             <p:sp>
               <p:nvSpPr>
                 <p:cNvPr id="8" name="TextBox 7">
@@ -6626,7 +6626,7 @@
               </p:nvSpPr>
               <p:spPr>
                 <a:xfrm>
-                  <a:off x="5441887" y="4109330"/>
+                  <a:off x="4820095" y="3140066"/>
                   <a:ext cx="233680" cy="369332"/>
                 </a:xfrm>
                 <a:prstGeom prst="rect">
@@ -6654,8 +6654,8 @@
             </p:sp>
           </mc:Fallback>
         </mc:AlternateContent>
-        <mc:AlternateContent xmlns:mc="http://schemas.openxmlformats.org/markup-compatibility/2006">
-          <mc:Choice xmlns:a14="http://schemas.microsoft.com/office/drawing/2010/main" Requires="a14">
+        <mc:AlternateContent xmlns:mc="http://schemas.openxmlformats.org/markup-compatibility/2006" xmlns:a14="http://schemas.microsoft.com/office/drawing/2010/main">
+          <mc:Choice Requires="a14">
             <p:sp>
               <p:nvSpPr>
                 <p:cNvPr id="10" name="TextBox 9">
@@ -6670,7 +6670,7 @@
               </p:nvSpPr>
               <p:spPr>
                 <a:xfrm>
-                  <a:off x="7598067" y="4109330"/>
+                  <a:off x="6976275" y="3140066"/>
                   <a:ext cx="233680" cy="369332"/>
                 </a:xfrm>
                 <a:prstGeom prst="rect">
@@ -6707,7 +6707,7 @@
               </p:txBody>
             </p:sp>
           </mc:Choice>
-          <mc:Fallback>
+          <mc:Fallback xmlns="">
             <p:sp>
               <p:nvSpPr>
                 <p:cNvPr id="10" name="TextBox 9">
@@ -6724,7 +6724,7 @@
               </p:nvSpPr>
               <p:spPr>
                 <a:xfrm>
-                  <a:off x="7598067" y="4109330"/>
+                  <a:off x="6976275" y="3140066"/>
                   <a:ext cx="233680" cy="369332"/>
                 </a:xfrm>
                 <a:prstGeom prst="rect">
@@ -6752,8 +6752,8 @@
             </p:sp>
           </mc:Fallback>
         </mc:AlternateContent>
-        <mc:AlternateContent xmlns:mc="http://schemas.openxmlformats.org/markup-compatibility/2006">
-          <mc:Choice xmlns:a14="http://schemas.microsoft.com/office/drawing/2010/main" Requires="a14">
+        <mc:AlternateContent xmlns:mc="http://schemas.openxmlformats.org/markup-compatibility/2006" xmlns:a14="http://schemas.microsoft.com/office/drawing/2010/main">
+          <mc:Choice Requires="a14">
             <p:sp>
               <p:nvSpPr>
                 <p:cNvPr id="13" name="TextBox 12">
@@ -6768,7 +6768,7 @@
               </p:nvSpPr>
               <p:spPr>
                 <a:xfrm>
-                  <a:off x="8908427" y="3823064"/>
+                  <a:off x="8286635" y="2853800"/>
                   <a:ext cx="398500" cy="369332"/>
                 </a:xfrm>
                 <a:prstGeom prst="rect">
@@ -6824,7 +6824,7 @@
               </p:txBody>
             </p:sp>
           </mc:Choice>
-          <mc:Fallback>
+          <mc:Fallback xmlns="">
             <p:sp>
               <p:nvSpPr>
                 <p:cNvPr id="13" name="TextBox 12">
@@ -6841,7 +6841,7 @@
               </p:nvSpPr>
               <p:spPr>
                 <a:xfrm>
-                  <a:off x="8908427" y="3823064"/>
+                  <a:off x="8286635" y="2853800"/>
                   <a:ext cx="398500" cy="369332"/>
                 </a:xfrm>
                 <a:prstGeom prst="rect">
@@ -6883,7 +6883,7 @@
           </p:nvSpPr>
           <p:spPr>
             <a:xfrm>
-              <a:off x="7391539" y="3562166"/>
+              <a:off x="6769747" y="2592902"/>
               <a:ext cx="657855" cy="369332"/>
             </a:xfrm>
             <a:prstGeom prst="rect">
@@ -6921,7 +6921,7 @@
           </p:nvCxnSpPr>
           <p:spPr>
             <a:xfrm>
-              <a:off x="5372335" y="3845309"/>
+              <a:off x="4750543" y="2876045"/>
               <a:ext cx="426720" cy="0"/>
             </a:xfrm>
             <a:prstGeom prst="straightConnector1">
@@ -6950,8 +6950,8 @@
             </a:fontRef>
           </p:style>
         </p:cxnSp>
-        <mc:AlternateContent xmlns:mc="http://schemas.openxmlformats.org/markup-compatibility/2006">
-          <mc:Choice xmlns:a14="http://schemas.microsoft.com/office/drawing/2010/main" Requires="a14">
+        <mc:AlternateContent xmlns:mc="http://schemas.openxmlformats.org/markup-compatibility/2006" xmlns:a14="http://schemas.microsoft.com/office/drawing/2010/main">
+          <mc:Choice Requires="a14">
             <p:sp>
               <p:nvSpPr>
                 <p:cNvPr id="18" name="TextBox 17">
@@ -6966,7 +6966,7 @@
               </p:nvSpPr>
               <p:spPr>
                 <a:xfrm>
-                  <a:off x="5468855" y="3465249"/>
+                  <a:off x="4847063" y="2495985"/>
                   <a:ext cx="233680" cy="369332"/>
                 </a:xfrm>
                 <a:prstGeom prst="rect">
@@ -7003,7 +7003,7 @@
               </p:txBody>
             </p:sp>
           </mc:Choice>
-          <mc:Fallback>
+          <mc:Fallback xmlns="">
             <p:sp>
               <p:nvSpPr>
                 <p:cNvPr id="18" name="TextBox 17">
@@ -7020,7 +7020,7 @@
               </p:nvSpPr>
               <p:spPr>
                 <a:xfrm>
-                  <a:off x="5468855" y="3465249"/>
+                  <a:off x="4847063" y="2495985"/>
                   <a:ext cx="233680" cy="369332"/>
                 </a:xfrm>
                 <a:prstGeom prst="rect">
@@ -7064,7 +7064,7 @@
           </p:nvCxnSpPr>
           <p:spPr>
             <a:xfrm flipV="1">
-              <a:off x="4275467" y="2038120"/>
+              <a:off x="3653675" y="1068856"/>
               <a:ext cx="7247" cy="1969610"/>
             </a:xfrm>
             <a:prstGeom prst="straightConnector1">
@@ -7108,7 +7108,7 @@
           </p:nvCxnSpPr>
           <p:spPr>
             <a:xfrm flipH="1">
-              <a:off x="3019318" y="4007730"/>
+              <a:off x="2397526" y="3038466"/>
               <a:ext cx="1263396" cy="626588"/>
             </a:xfrm>
             <a:prstGeom prst="straightConnector1">
@@ -7150,7 +7150,7 @@
           </p:nvSpPr>
           <p:spPr>
             <a:xfrm>
-              <a:off x="2364397" y="2455500"/>
+              <a:off x="1742605" y="1486236"/>
               <a:ext cx="7463206" cy="832100"/>
             </a:xfrm>
             <a:prstGeom prst="parallelogram">
@@ -7205,7 +7205,7 @@
           </p:nvSpPr>
           <p:spPr>
             <a:xfrm>
-              <a:off x="5488063" y="2871550"/>
+              <a:off x="4866271" y="1902286"/>
               <a:ext cx="101600" cy="101600"/>
             </a:xfrm>
             <a:prstGeom prst="ellipse">
@@ -7259,7 +7259,7 @@
           </p:nvSpPr>
           <p:spPr>
             <a:xfrm>
-              <a:off x="7661953" y="2871550"/>
+              <a:off x="7040161" y="1902286"/>
               <a:ext cx="101600" cy="101600"/>
             </a:xfrm>
             <a:prstGeom prst="ellipse">
@@ -7311,7 +7311,7 @@
           </p:nvSpPr>
           <p:spPr>
             <a:xfrm>
-              <a:off x="3938441" y="2912779"/>
+              <a:off x="3316649" y="1943515"/>
               <a:ext cx="337026" cy="1094951"/>
             </a:xfrm>
             <a:prstGeom prst="leftBrace">
@@ -7362,7 +7362,7 @@
           </p:nvSpPr>
           <p:spPr>
             <a:xfrm>
-              <a:off x="4240540" y="2871550"/>
+              <a:off x="3618748" y="1902286"/>
               <a:ext cx="101600" cy="101600"/>
             </a:xfrm>
             <a:prstGeom prst="ellipse">
@@ -7416,7 +7416,7 @@
           </p:nvSpPr>
           <p:spPr>
             <a:xfrm>
-              <a:off x="4231914" y="3953398"/>
+              <a:off x="3610122" y="2984134"/>
               <a:ext cx="101600" cy="101600"/>
             </a:xfrm>
             <a:prstGeom prst="ellipse">
@@ -7470,7 +7470,7 @@
           </p:nvCxnSpPr>
           <p:spPr>
             <a:xfrm>
-              <a:off x="4275467" y="2912779"/>
+              <a:off x="3653675" y="1943515"/>
               <a:ext cx="4632960" cy="0"/>
             </a:xfrm>
             <a:prstGeom prst="straightConnector1">
@@ -7498,8 +7498,8 @@
             </a:fontRef>
           </p:style>
         </p:cxnSp>
-        <mc:AlternateContent xmlns:mc="http://schemas.openxmlformats.org/markup-compatibility/2006">
-          <mc:Choice xmlns:a14="http://schemas.microsoft.com/office/drawing/2010/main" Requires="a14">
+        <mc:AlternateContent xmlns:mc="http://schemas.openxmlformats.org/markup-compatibility/2006" xmlns:a14="http://schemas.microsoft.com/office/drawing/2010/main">
+          <mc:Choice Requires="a14">
             <p:sp>
               <p:nvSpPr>
                 <p:cNvPr id="44" name="TextBox 43">
@@ -7514,7 +7514,7 @@
               </p:nvSpPr>
               <p:spPr>
                 <a:xfrm>
-                  <a:off x="4083464" y="1608418"/>
+                  <a:off x="3461672" y="639154"/>
                   <a:ext cx="398500" cy="369332"/>
                 </a:xfrm>
                 <a:prstGeom prst="rect">
@@ -7570,7 +7570,7 @@
               </p:txBody>
             </p:sp>
           </mc:Choice>
-          <mc:Fallback>
+          <mc:Fallback xmlns="">
             <p:sp>
               <p:nvSpPr>
                 <p:cNvPr id="44" name="TextBox 43">
@@ -7587,7 +7587,7 @@
               </p:nvSpPr>
               <p:spPr>
                 <a:xfrm>
-                  <a:off x="4083464" y="1608418"/>
+                  <a:off x="3461672" y="639154"/>
                   <a:ext cx="398500" cy="369332"/>
                 </a:xfrm>
                 <a:prstGeom prst="rect">
@@ -7615,8 +7615,8 @@
             </p:sp>
           </mc:Fallback>
         </mc:AlternateContent>
-        <mc:AlternateContent xmlns:mc="http://schemas.openxmlformats.org/markup-compatibility/2006">
-          <mc:Choice xmlns:a14="http://schemas.microsoft.com/office/drawing/2010/main" Requires="a14">
+        <mc:AlternateContent xmlns:mc="http://schemas.openxmlformats.org/markup-compatibility/2006" xmlns:a14="http://schemas.microsoft.com/office/drawing/2010/main">
+          <mc:Choice Requires="a14">
             <p:sp>
               <p:nvSpPr>
                 <p:cNvPr id="46" name="TextBox 45">
@@ -7631,7 +7631,7 @@
               </p:nvSpPr>
               <p:spPr>
                 <a:xfrm>
-                  <a:off x="3509204" y="3275588"/>
+                  <a:off x="2887412" y="2306324"/>
                   <a:ext cx="398500" cy="369332"/>
                 </a:xfrm>
                 <a:prstGeom prst="rect">
@@ -7687,7 +7687,7 @@
               </p:txBody>
             </p:sp>
           </mc:Choice>
-          <mc:Fallback>
+          <mc:Fallback xmlns="">
             <p:sp>
               <p:nvSpPr>
                 <p:cNvPr id="46" name="TextBox 45">
@@ -7704,7 +7704,7 @@
               </p:nvSpPr>
               <p:spPr>
                 <a:xfrm>
-                  <a:off x="3509204" y="3275588"/>
+                  <a:off x="2887412" y="2306324"/>
                   <a:ext cx="398500" cy="369332"/>
                 </a:xfrm>
                 <a:prstGeom prst="rect">
@@ -7748,7 +7748,1226 @@
               </p:nvSpPr>
               <p:spPr>
                 <a:xfrm>
-                  <a:off x="2706563" y="4550311"/>
+                  <a:off x="2084771" y="3581047"/>
+                  <a:ext cx="398500" cy="369332"/>
+                </a:xfrm>
+                <a:prstGeom prst="rect">
+                  <a:avLst/>
+                </a:prstGeom>
+                <a:noFill/>
+              </p:spPr>
+              <p:txBody>
+                <a:bodyPr wrap="square" rtlCol="0">
+                  <a:spAutoFit/>
+                </a:bodyPr>
+                <a:lstStyle/>
+                <a:p>
+                  <a:pPr algn="ctr"/>
+                  <a14:m>
+                    <m:oMathPara xmlns:m="http://schemas.openxmlformats.org/officeDocument/2006/math">
+                      <m:oMathParaPr>
+                        <m:jc m:val="centerGroup"/>
+                      </m:oMathParaPr>
+                      <m:oMath xmlns:m="http://schemas.openxmlformats.org/officeDocument/2006/math">
+                        <m:sSub>
+                          <m:sSubPr>
+                            <m:ctrlPr>
+                              <a:rPr lang="en-US" altLang="ko-KR" b="0" i="1" smtClean="0">
+                                <a:latin typeface="Cambria Math" panose="02040503050406030204" pitchFamily="18" charset="0"/>
+                              </a:rPr>
+                            </m:ctrlPr>
+                          </m:sSubPr>
+                          <m:e>
+                            <m:r>
+                              <a:rPr lang="en-US" altLang="ko-KR" b="0" i="1" smtClean="0">
+                                <a:latin typeface="Cambria Math" panose="02040503050406030204" pitchFamily="18" charset="0"/>
+                              </a:rPr>
+                              <m:t>𝑦</m:t>
+                            </m:r>
+                          </m:e>
+                          <m:sub>
+                            <m:r>
+                              <a:rPr lang="en-US" altLang="ko-KR" b="0" i="1" smtClean="0">
+                                <a:latin typeface="Cambria Math" panose="02040503050406030204" pitchFamily="18" charset="0"/>
+                              </a:rPr>
+                              <m:t>𝐵</m:t>
+                            </m:r>
+                          </m:sub>
+                        </m:sSub>
+                      </m:oMath>
+                    </m:oMathPara>
+                  </a14:m>
+                  <a:endParaRPr lang="ko-KR" altLang="en-US" dirty="0">
+                    <a:latin typeface="Cambria Math" panose="02040503050406030204" pitchFamily="18" charset="0"/>
+                  </a:endParaRPr>
+                </a:p>
+              </p:txBody>
+            </p:sp>
+          </mc:Choice>
+          <mc:Fallback>
+            <p:sp>
+              <p:nvSpPr>
+                <p:cNvPr id="48" name="TextBox 47">
+                  <a:extLst>
+                    <a:ext uri="{FF2B5EF4-FFF2-40B4-BE49-F238E27FC236}">
+                      <a16:creationId xmlns:a16="http://schemas.microsoft.com/office/drawing/2014/main" id="{47AAFB0C-D21F-45E0-8059-E9BA49A083E4}"/>
+                    </a:ext>
+                  </a:extLst>
+                </p:cNvPr>
+                <p:cNvSpPr txBox="1">
+                  <a:spLocks noRot="1" noChangeAspect="1" noMove="1" noResize="1" noEditPoints="1" noAdjustHandles="1" noChangeArrowheads="1" noChangeShapeType="1" noTextEdit="1"/>
+                </p:cNvSpPr>
+                <p:nvPr/>
+              </p:nvSpPr>
+              <p:spPr>
+                <a:xfrm>
+                  <a:off x="2084771" y="3581047"/>
+                  <a:ext cx="398500" cy="369332"/>
+                </a:xfrm>
+                <a:prstGeom prst="rect">
+                  <a:avLst/>
+                </a:prstGeom>
+                <a:blipFill>
+                  <a:blip r:embed="rId8"/>
+                  <a:stretch>
+                    <a:fillRect l="-9231" b="-8197"/>
+                  </a:stretch>
+                </a:blipFill>
+              </p:spPr>
+              <p:txBody>
+                <a:bodyPr/>
+                <a:lstStyle/>
+                <a:p>
+                  <a:r>
+                    <a:rPr lang="ko-KR" altLang="en-US">
+                      <a:noFill/>
+                    </a:rPr>
+                    <a:t> </a:t>
+                  </a:r>
+                </a:p>
+              </p:txBody>
+            </p:sp>
+          </mc:Fallback>
+        </mc:AlternateContent>
+        <p:cxnSp>
+          <p:nvCxnSpPr>
+            <p:cNvPr id="28" name="직선 화살표 연결선 27">
+              <a:extLst>
+                <a:ext uri="{FF2B5EF4-FFF2-40B4-BE49-F238E27FC236}">
+                  <a16:creationId xmlns:a16="http://schemas.microsoft.com/office/drawing/2014/main" id="{24883483-1912-4198-9305-4A2177A6AA3D}"/>
+                </a:ext>
+              </a:extLst>
+            </p:cNvPr>
+            <p:cNvCxnSpPr>
+              <a:cxnSpLocks/>
+            </p:cNvCxnSpPr>
+            <p:nvPr/>
+          </p:nvCxnSpPr>
+          <p:spPr>
+            <a:xfrm>
+              <a:off x="2562225" y="5788750"/>
+              <a:ext cx="5724410" cy="3532"/>
+            </a:xfrm>
+            <a:prstGeom prst="straightConnector1">
+              <a:avLst/>
+            </a:prstGeom>
+            <a:ln w="19050">
+              <a:solidFill>
+                <a:schemeClr val="tx1"/>
+              </a:solidFill>
+              <a:headEnd type="triangle"/>
+              <a:tailEnd type="none"/>
+            </a:ln>
+          </p:spPr>
+          <p:style>
+            <a:lnRef idx="1">
+              <a:schemeClr val="accent1"/>
+            </a:lnRef>
+            <a:fillRef idx="0">
+              <a:schemeClr val="accent1"/>
+            </a:fillRef>
+            <a:effectRef idx="0">
+              <a:schemeClr val="accent1"/>
+            </a:effectRef>
+            <a:fontRef idx="minor">
+              <a:schemeClr val="tx1"/>
+            </a:fontRef>
+          </p:style>
+        </p:cxnSp>
+        <p:sp>
+          <p:nvSpPr>
+            <p:cNvPr id="30" name="타원 29">
+              <a:extLst>
+                <a:ext uri="{FF2B5EF4-FFF2-40B4-BE49-F238E27FC236}">
+                  <a16:creationId xmlns:a16="http://schemas.microsoft.com/office/drawing/2014/main" id="{375CD6F8-E46A-43BE-9F34-16BA16937BBA}"/>
+                </a:ext>
+              </a:extLst>
+            </p:cNvPr>
+            <p:cNvSpPr>
+              <a:spLocks noChangeAspect="1"/>
+            </p:cNvSpPr>
+            <p:nvPr/>
+          </p:nvSpPr>
+          <p:spPr>
+            <a:xfrm>
+              <a:off x="4870615" y="5741482"/>
+              <a:ext cx="101600" cy="101600"/>
+            </a:xfrm>
+            <a:prstGeom prst="ellipse">
+              <a:avLst/>
+            </a:prstGeom>
+            <a:solidFill>
+              <a:schemeClr val="tx1"/>
+            </a:solidFill>
+            <a:ln w="0">
+              <a:noFill/>
+            </a:ln>
+          </p:spPr>
+          <p:style>
+            <a:lnRef idx="2">
+              <a:schemeClr val="accent1">
+                <a:shade val="50000"/>
+              </a:schemeClr>
+            </a:lnRef>
+            <a:fillRef idx="1">
+              <a:schemeClr val="accent1"/>
+            </a:fillRef>
+            <a:effectRef idx="0">
+              <a:schemeClr val="accent1"/>
+            </a:effectRef>
+            <a:fontRef idx="minor">
+              <a:schemeClr val="lt1"/>
+            </a:fontRef>
+          </p:style>
+          <p:txBody>
+            <a:bodyPr rtlCol="0" anchor="ctr"/>
+            <a:lstStyle/>
+            <a:p>
+              <a:pPr algn="ctr"/>
+              <a:endParaRPr lang="ko-KR" altLang="en-US"/>
+            </a:p>
+          </p:txBody>
+        </p:sp>
+        <p:sp>
+          <p:nvSpPr>
+            <p:cNvPr id="31" name="타원 30">
+              <a:extLst>
+                <a:ext uri="{FF2B5EF4-FFF2-40B4-BE49-F238E27FC236}">
+                  <a16:creationId xmlns:a16="http://schemas.microsoft.com/office/drawing/2014/main" id="{6F5A9D88-A985-45C9-809D-37136641E043}"/>
+                </a:ext>
+              </a:extLst>
+            </p:cNvPr>
+            <p:cNvSpPr>
+              <a:spLocks noChangeAspect="1"/>
+            </p:cNvSpPr>
+            <p:nvPr/>
+          </p:nvSpPr>
+          <p:spPr>
+            <a:xfrm>
+              <a:off x="7042315" y="5741482"/>
+              <a:ext cx="101600" cy="101600"/>
+            </a:xfrm>
+            <a:prstGeom prst="ellipse">
+              <a:avLst/>
+            </a:prstGeom>
+            <a:solidFill>
+              <a:schemeClr val="tx1"/>
+            </a:solidFill>
+            <a:ln w="0">
+              <a:noFill/>
+            </a:ln>
+          </p:spPr>
+          <p:style>
+            <a:lnRef idx="2">
+              <a:schemeClr val="accent1">
+                <a:shade val="50000"/>
+              </a:schemeClr>
+            </a:lnRef>
+            <a:fillRef idx="1">
+              <a:schemeClr val="accent1"/>
+            </a:fillRef>
+            <a:effectRef idx="0">
+              <a:schemeClr val="accent1"/>
+            </a:effectRef>
+            <a:fontRef idx="minor">
+              <a:schemeClr val="lt1"/>
+            </a:fontRef>
+          </p:style>
+          <p:txBody>
+            <a:bodyPr rtlCol="0" anchor="ctr"/>
+            <a:lstStyle/>
+            <a:p>
+              <a:pPr algn="ctr"/>
+              <a:endParaRPr lang="ko-KR" altLang="en-US"/>
+            </a:p>
+          </p:txBody>
+        </p:sp>
+        <mc:AlternateContent xmlns:mc="http://schemas.openxmlformats.org/markup-compatibility/2006" xmlns:a14="http://schemas.microsoft.com/office/drawing/2010/main">
+          <mc:Choice Requires="a14">
+            <p:sp>
+              <p:nvSpPr>
+                <p:cNvPr id="33" name="TextBox 32">
+                  <a:extLst>
+                    <a:ext uri="{FF2B5EF4-FFF2-40B4-BE49-F238E27FC236}">
+                      <a16:creationId xmlns:a16="http://schemas.microsoft.com/office/drawing/2014/main" id="{750FA658-94C2-4FE6-B994-4E7134177EF7}"/>
+                    </a:ext>
+                  </a:extLst>
+                </p:cNvPr>
+                <p:cNvSpPr txBox="1"/>
+                <p:nvPr/>
+              </p:nvSpPr>
+              <p:spPr>
+                <a:xfrm>
+                  <a:off x="4820095" y="5893882"/>
+                  <a:ext cx="233680" cy="369332"/>
+                </a:xfrm>
+                <a:prstGeom prst="rect">
+                  <a:avLst/>
+                </a:prstGeom>
+                <a:noFill/>
+              </p:spPr>
+              <p:txBody>
+                <a:bodyPr wrap="square" rtlCol="0">
+                  <a:spAutoFit/>
+                </a:bodyPr>
+                <a:lstStyle/>
+                <a:p>
+                  <a:pPr algn="ctr"/>
+                  <a14:m>
+                    <m:oMathPara xmlns:m="http://schemas.openxmlformats.org/officeDocument/2006/math">
+                      <m:oMathParaPr>
+                        <m:jc m:val="centerGroup"/>
+                      </m:oMathParaPr>
+                      <m:oMath xmlns:m="http://schemas.openxmlformats.org/officeDocument/2006/math">
+                        <m:r>
+                          <a:rPr lang="en-US" altLang="ko-KR" b="0" i="1" smtClean="0">
+                            <a:latin typeface="Cambria Math" panose="02040503050406030204" pitchFamily="18" charset="0"/>
+                          </a:rPr>
+                          <m:t>𝐴</m:t>
+                        </m:r>
+                      </m:oMath>
+                    </m:oMathPara>
+                  </a14:m>
+                  <a:endParaRPr lang="ko-KR" altLang="en-US" dirty="0">
+                    <a:latin typeface="Cambria Math" panose="02040503050406030204" pitchFamily="18" charset="0"/>
+                  </a:endParaRPr>
+                </a:p>
+              </p:txBody>
+            </p:sp>
+          </mc:Choice>
+          <mc:Fallback xmlns="">
+            <p:sp>
+              <p:nvSpPr>
+                <p:cNvPr id="33" name="TextBox 32">
+                  <a:extLst>
+                    <a:ext uri="{FF2B5EF4-FFF2-40B4-BE49-F238E27FC236}">
+                      <a16:creationId xmlns:a16="http://schemas.microsoft.com/office/drawing/2014/main" id="{750FA658-94C2-4FE6-B994-4E7134177EF7}"/>
+                    </a:ext>
+                  </a:extLst>
+                </p:cNvPr>
+                <p:cNvSpPr txBox="1">
+                  <a:spLocks noRot="1" noChangeAspect="1" noMove="1" noResize="1" noEditPoints="1" noAdjustHandles="1" noChangeArrowheads="1" noChangeShapeType="1" noTextEdit="1"/>
+                </p:cNvSpPr>
+                <p:nvPr/>
+              </p:nvSpPr>
+              <p:spPr>
+                <a:xfrm>
+                  <a:off x="4820095" y="5893882"/>
+                  <a:ext cx="233680" cy="369332"/>
+                </a:xfrm>
+                <a:prstGeom prst="rect">
+                  <a:avLst/>
+                </a:prstGeom>
+                <a:blipFill>
+                  <a:blip r:embed="rId9"/>
+                  <a:stretch>
+                    <a:fillRect l="-28947" r="-5263"/>
+                  </a:stretch>
+                </a:blipFill>
+              </p:spPr>
+              <p:txBody>
+                <a:bodyPr/>
+                <a:lstStyle/>
+                <a:p>
+                  <a:r>
+                    <a:rPr lang="ko-KR" altLang="en-US">
+                      <a:noFill/>
+                    </a:rPr>
+                    <a:t> </a:t>
+                  </a:r>
+                </a:p>
+              </p:txBody>
+            </p:sp>
+          </mc:Fallback>
+        </mc:AlternateContent>
+        <mc:AlternateContent xmlns:mc="http://schemas.openxmlformats.org/markup-compatibility/2006" xmlns:a14="http://schemas.microsoft.com/office/drawing/2010/main">
+          <mc:Choice Requires="a14">
+            <p:sp>
+              <p:nvSpPr>
+                <p:cNvPr id="35" name="TextBox 34">
+                  <a:extLst>
+                    <a:ext uri="{FF2B5EF4-FFF2-40B4-BE49-F238E27FC236}">
+                      <a16:creationId xmlns:a16="http://schemas.microsoft.com/office/drawing/2014/main" id="{663AD205-18AD-4B9E-B5DE-CB43826B14A9}"/>
+                    </a:ext>
+                  </a:extLst>
+                </p:cNvPr>
+                <p:cNvSpPr txBox="1"/>
+                <p:nvPr/>
+              </p:nvSpPr>
+              <p:spPr>
+                <a:xfrm>
+                  <a:off x="6976275" y="5893882"/>
+                  <a:ext cx="233680" cy="369332"/>
+                </a:xfrm>
+                <a:prstGeom prst="rect">
+                  <a:avLst/>
+                </a:prstGeom>
+                <a:noFill/>
+              </p:spPr>
+              <p:txBody>
+                <a:bodyPr wrap="square" rtlCol="0">
+                  <a:spAutoFit/>
+                </a:bodyPr>
+                <a:lstStyle/>
+                <a:p>
+                  <a:pPr algn="ctr"/>
+                  <a14:m>
+                    <m:oMathPara xmlns:m="http://schemas.openxmlformats.org/officeDocument/2006/math">
+                      <m:oMathParaPr>
+                        <m:jc m:val="centerGroup"/>
+                      </m:oMathParaPr>
+                      <m:oMath xmlns:m="http://schemas.openxmlformats.org/officeDocument/2006/math">
+                        <m:r>
+                          <a:rPr lang="en-US" altLang="ko-KR" b="0" i="1" smtClean="0">
+                            <a:latin typeface="Cambria Math" panose="02040503050406030204" pitchFamily="18" charset="0"/>
+                          </a:rPr>
+                          <m:t>𝐵</m:t>
+                        </m:r>
+                      </m:oMath>
+                    </m:oMathPara>
+                  </a14:m>
+                  <a:endParaRPr lang="ko-KR" altLang="en-US" dirty="0">
+                    <a:latin typeface="Cambria Math" panose="02040503050406030204" pitchFamily="18" charset="0"/>
+                  </a:endParaRPr>
+                </a:p>
+              </p:txBody>
+            </p:sp>
+          </mc:Choice>
+          <mc:Fallback xmlns="">
+            <p:sp>
+              <p:nvSpPr>
+                <p:cNvPr id="35" name="TextBox 34">
+                  <a:extLst>
+                    <a:ext uri="{FF2B5EF4-FFF2-40B4-BE49-F238E27FC236}">
+                      <a16:creationId xmlns:a16="http://schemas.microsoft.com/office/drawing/2014/main" id="{663AD205-18AD-4B9E-B5DE-CB43826B14A9}"/>
+                    </a:ext>
+                  </a:extLst>
+                </p:cNvPr>
+                <p:cNvSpPr txBox="1">
+                  <a:spLocks noRot="1" noChangeAspect="1" noMove="1" noResize="1" noEditPoints="1" noAdjustHandles="1" noChangeArrowheads="1" noChangeShapeType="1" noTextEdit="1"/>
+                </p:cNvSpPr>
+                <p:nvPr/>
+              </p:nvSpPr>
+              <p:spPr>
+                <a:xfrm>
+                  <a:off x="6976275" y="5893882"/>
+                  <a:ext cx="233680" cy="369332"/>
+                </a:xfrm>
+                <a:prstGeom prst="rect">
+                  <a:avLst/>
+                </a:prstGeom>
+                <a:blipFill>
+                  <a:blip r:embed="rId10"/>
+                  <a:stretch>
+                    <a:fillRect l="-28205" r="-5128"/>
+                  </a:stretch>
+                </a:blipFill>
+              </p:spPr>
+              <p:txBody>
+                <a:bodyPr/>
+                <a:lstStyle/>
+                <a:p>
+                  <a:r>
+                    <a:rPr lang="ko-KR" altLang="en-US">
+                      <a:noFill/>
+                    </a:rPr>
+                    <a:t> </a:t>
+                  </a:r>
+                </a:p>
+              </p:txBody>
+            </p:sp>
+          </mc:Fallback>
+        </mc:AlternateContent>
+        <mc:AlternateContent xmlns:mc="http://schemas.openxmlformats.org/markup-compatibility/2006" xmlns:a14="http://schemas.microsoft.com/office/drawing/2010/main">
+          <mc:Choice Requires="a14">
+            <p:sp>
+              <p:nvSpPr>
+                <p:cNvPr id="36" name="TextBox 35">
+                  <a:extLst>
+                    <a:ext uri="{FF2B5EF4-FFF2-40B4-BE49-F238E27FC236}">
+                      <a16:creationId xmlns:a16="http://schemas.microsoft.com/office/drawing/2014/main" id="{42612899-9CD0-47E2-9544-51CC03A6BD74}"/>
+                    </a:ext>
+                  </a:extLst>
+                </p:cNvPr>
+                <p:cNvSpPr txBox="1"/>
+                <p:nvPr/>
+              </p:nvSpPr>
+              <p:spPr>
+                <a:xfrm>
+                  <a:off x="2249076" y="5565702"/>
+                  <a:ext cx="398500" cy="369332"/>
+                </a:xfrm>
+                <a:prstGeom prst="rect">
+                  <a:avLst/>
+                </a:prstGeom>
+                <a:noFill/>
+              </p:spPr>
+              <p:txBody>
+                <a:bodyPr wrap="square" rtlCol="0">
+                  <a:spAutoFit/>
+                </a:bodyPr>
+                <a:lstStyle/>
+                <a:p>
+                  <a:pPr algn="ctr"/>
+                  <a14:m>
+                    <m:oMathPara xmlns:m="http://schemas.openxmlformats.org/officeDocument/2006/math">
+                      <m:oMathParaPr>
+                        <m:jc m:val="centerGroup"/>
+                      </m:oMathParaPr>
+                      <m:oMath xmlns:m="http://schemas.openxmlformats.org/officeDocument/2006/math">
+                        <m:sSub>
+                          <m:sSubPr>
+                            <m:ctrlPr>
+                              <a:rPr lang="en-US" altLang="ko-KR" b="0" i="1" smtClean="0">
+                                <a:latin typeface="Cambria Math" panose="02040503050406030204" pitchFamily="18" charset="0"/>
+                              </a:rPr>
+                            </m:ctrlPr>
+                          </m:sSubPr>
+                          <m:e>
+                            <m:r>
+                              <a:rPr lang="en-US" altLang="ko-KR" b="0" i="1" smtClean="0">
+                                <a:latin typeface="Cambria Math" panose="02040503050406030204" pitchFamily="18" charset="0"/>
+                              </a:rPr>
+                              <m:t>𝑥</m:t>
+                            </m:r>
+                            <m:r>
+                              <a:rPr lang="en-US" altLang="ko-KR" b="0" i="1" smtClean="0">
+                                <a:latin typeface="Cambria Math" panose="02040503050406030204" pitchFamily="18" charset="0"/>
+                              </a:rPr>
+                              <m:t>′</m:t>
+                            </m:r>
+                          </m:e>
+                          <m:sub>
+                            <m:r>
+                              <a:rPr lang="en-US" altLang="ko-KR" b="0" i="1" smtClean="0">
+                                <a:latin typeface="Cambria Math" panose="02040503050406030204" pitchFamily="18" charset="0"/>
+                              </a:rPr>
+                              <m:t>𝐵</m:t>
+                            </m:r>
+                          </m:sub>
+                        </m:sSub>
+                      </m:oMath>
+                    </m:oMathPara>
+                  </a14:m>
+                  <a:endParaRPr lang="ko-KR" altLang="en-US" dirty="0">
+                    <a:latin typeface="Cambria Math" panose="02040503050406030204" pitchFamily="18" charset="0"/>
+                  </a:endParaRPr>
+                </a:p>
+              </p:txBody>
+            </p:sp>
+          </mc:Choice>
+          <mc:Fallback xmlns="">
+            <p:sp>
+              <p:nvSpPr>
+                <p:cNvPr id="36" name="TextBox 35">
+                  <a:extLst>
+                    <a:ext uri="{FF2B5EF4-FFF2-40B4-BE49-F238E27FC236}">
+                      <a16:creationId xmlns:a16="http://schemas.microsoft.com/office/drawing/2014/main" id="{42612899-9CD0-47E2-9544-51CC03A6BD74}"/>
+                    </a:ext>
+                  </a:extLst>
+                </p:cNvPr>
+                <p:cNvSpPr txBox="1">
+                  <a:spLocks noRot="1" noChangeAspect="1" noMove="1" noResize="1" noEditPoints="1" noAdjustHandles="1" noChangeArrowheads="1" noChangeShapeType="1" noTextEdit="1"/>
+                </p:cNvSpPr>
+                <p:nvPr/>
+              </p:nvSpPr>
+              <p:spPr>
+                <a:xfrm>
+                  <a:off x="2249076" y="5565702"/>
+                  <a:ext cx="398500" cy="369332"/>
+                </a:xfrm>
+                <a:prstGeom prst="rect">
+                  <a:avLst/>
+                </a:prstGeom>
+                <a:blipFill>
+                  <a:blip r:embed="rId11"/>
+                  <a:stretch>
+                    <a:fillRect l="-10769"/>
+                  </a:stretch>
+                </a:blipFill>
+              </p:spPr>
+              <p:txBody>
+                <a:bodyPr/>
+                <a:lstStyle/>
+                <a:p>
+                  <a:r>
+                    <a:rPr lang="ko-KR" altLang="en-US">
+                      <a:noFill/>
+                    </a:rPr>
+                    <a:t> </a:t>
+                  </a:r>
+                </a:p>
+              </p:txBody>
+            </p:sp>
+          </mc:Fallback>
+        </mc:AlternateContent>
+        <p:sp>
+          <p:nvSpPr>
+            <p:cNvPr id="38" name="TextBox 37">
+              <a:extLst>
+                <a:ext uri="{FF2B5EF4-FFF2-40B4-BE49-F238E27FC236}">
+                  <a16:creationId xmlns:a16="http://schemas.microsoft.com/office/drawing/2014/main" id="{067F6FE4-C84B-4A23-8233-EFD5964EFA4B}"/>
+                </a:ext>
+              </a:extLst>
+            </p:cNvPr>
+            <p:cNvSpPr txBox="1"/>
+            <p:nvPr/>
+          </p:nvSpPr>
+          <p:spPr>
+            <a:xfrm>
+              <a:off x="6769747" y="5346718"/>
+              <a:ext cx="657855" cy="369332"/>
+            </a:xfrm>
+            <a:prstGeom prst="rect">
+              <a:avLst/>
+            </a:prstGeom>
+            <a:noFill/>
+          </p:spPr>
+          <p:txBody>
+            <a:bodyPr wrap="square" rtlCol="0">
+              <a:spAutoFit/>
+            </a:bodyPr>
+            <a:lstStyle/>
+            <a:p>
+              <a:pPr algn="ctr"/>
+              <a:r>
+                <a:rPr lang="ko-KR" altLang="en-US" dirty="0"/>
+                <a:t>정지</a:t>
+              </a:r>
+            </a:p>
+          </p:txBody>
+        </p:sp>
+        <p:cxnSp>
+          <p:nvCxnSpPr>
+            <p:cNvPr id="40" name="직선 화살표 연결선 39">
+              <a:extLst>
+                <a:ext uri="{FF2B5EF4-FFF2-40B4-BE49-F238E27FC236}">
+                  <a16:creationId xmlns:a16="http://schemas.microsoft.com/office/drawing/2014/main" id="{485BF768-ED25-4929-BCE7-7C54D7A12D9C}"/>
+                </a:ext>
+              </a:extLst>
+            </p:cNvPr>
+            <p:cNvCxnSpPr>
+              <a:cxnSpLocks/>
+            </p:cNvCxnSpPr>
+            <p:nvPr/>
+          </p:nvCxnSpPr>
+          <p:spPr>
+            <a:xfrm>
+              <a:off x="4750543" y="5629861"/>
+              <a:ext cx="426720" cy="0"/>
+            </a:xfrm>
+            <a:prstGeom prst="straightConnector1">
+              <a:avLst/>
+            </a:prstGeom>
+            <a:ln w="19050">
+              <a:solidFill>
+                <a:srgbClr val="FF0000"/>
+              </a:solidFill>
+              <a:headEnd type="triangle"/>
+              <a:tailEnd type="none"/>
+            </a:ln>
+          </p:spPr>
+          <p:style>
+            <a:lnRef idx="1">
+              <a:schemeClr val="accent1"/>
+            </a:lnRef>
+            <a:fillRef idx="0">
+              <a:schemeClr val="accent1"/>
+            </a:fillRef>
+            <a:effectRef idx="0">
+              <a:schemeClr val="accent1"/>
+            </a:effectRef>
+            <a:fontRef idx="minor">
+              <a:schemeClr val="tx1"/>
+            </a:fontRef>
+          </p:style>
+        </p:cxnSp>
+        <mc:AlternateContent xmlns:mc="http://schemas.openxmlformats.org/markup-compatibility/2006" xmlns:a14="http://schemas.microsoft.com/office/drawing/2010/main">
+          <mc:Choice Requires="a14">
+            <p:sp>
+              <p:nvSpPr>
+                <p:cNvPr id="43" name="TextBox 42">
+                  <a:extLst>
+                    <a:ext uri="{FF2B5EF4-FFF2-40B4-BE49-F238E27FC236}">
+                      <a16:creationId xmlns:a16="http://schemas.microsoft.com/office/drawing/2014/main" id="{F6F1AE1B-7FD4-44D3-94F9-B9FA84A9A613}"/>
+                    </a:ext>
+                  </a:extLst>
+                </p:cNvPr>
+                <p:cNvSpPr txBox="1"/>
+                <p:nvPr/>
+              </p:nvSpPr>
+              <p:spPr>
+                <a:xfrm>
+                  <a:off x="4847063" y="5249801"/>
+                  <a:ext cx="233680" cy="369332"/>
+                </a:xfrm>
+                <a:prstGeom prst="rect">
+                  <a:avLst/>
+                </a:prstGeom>
+                <a:noFill/>
+              </p:spPr>
+              <p:txBody>
+                <a:bodyPr wrap="square" rtlCol="0">
+                  <a:spAutoFit/>
+                </a:bodyPr>
+                <a:lstStyle/>
+                <a:p>
+                  <a:pPr algn="ctr"/>
+                  <a14:m>
+                    <m:oMathPara xmlns:m="http://schemas.openxmlformats.org/officeDocument/2006/math">
+                      <m:oMathParaPr>
+                        <m:jc m:val="centerGroup"/>
+                      </m:oMathParaPr>
+                      <m:oMath xmlns:m="http://schemas.openxmlformats.org/officeDocument/2006/math">
+                        <m:r>
+                          <a:rPr lang="en-US" altLang="ko-KR" b="0" i="1" smtClean="0">
+                            <a:latin typeface="Cambria Math" panose="02040503050406030204" pitchFamily="18" charset="0"/>
+                          </a:rPr>
+                          <m:t>𝑣</m:t>
+                        </m:r>
+                      </m:oMath>
+                    </m:oMathPara>
+                  </a14:m>
+                  <a:endParaRPr lang="ko-KR" altLang="en-US" dirty="0">
+                    <a:latin typeface="Cambria Math" panose="02040503050406030204" pitchFamily="18" charset="0"/>
+                  </a:endParaRPr>
+                </a:p>
+              </p:txBody>
+            </p:sp>
+          </mc:Choice>
+          <mc:Fallback xmlns="">
+            <p:sp>
+              <p:nvSpPr>
+                <p:cNvPr id="43" name="TextBox 42">
+                  <a:extLst>
+                    <a:ext uri="{FF2B5EF4-FFF2-40B4-BE49-F238E27FC236}">
+                      <a16:creationId xmlns:a16="http://schemas.microsoft.com/office/drawing/2014/main" id="{F6F1AE1B-7FD4-44D3-94F9-B9FA84A9A613}"/>
+                    </a:ext>
+                  </a:extLst>
+                </p:cNvPr>
+                <p:cNvSpPr txBox="1">
+                  <a:spLocks noRot="1" noChangeAspect="1" noMove="1" noResize="1" noEditPoints="1" noAdjustHandles="1" noChangeArrowheads="1" noChangeShapeType="1" noTextEdit="1"/>
+                </p:cNvSpPr>
+                <p:nvPr/>
+              </p:nvSpPr>
+              <p:spPr>
+                <a:xfrm>
+                  <a:off x="4847063" y="5249801"/>
+                  <a:ext cx="233680" cy="369332"/>
+                </a:xfrm>
+                <a:prstGeom prst="rect">
+                  <a:avLst/>
+                </a:prstGeom>
+                <a:blipFill>
+                  <a:blip r:embed="rId12"/>
+                  <a:stretch>
+                    <a:fillRect l="-15789"/>
+                  </a:stretch>
+                </a:blipFill>
+              </p:spPr>
+              <p:txBody>
+                <a:bodyPr/>
+                <a:lstStyle/>
+                <a:p>
+                  <a:r>
+                    <a:rPr lang="ko-KR" altLang="en-US">
+                      <a:noFill/>
+                    </a:rPr>
+                    <a:t> </a:t>
+                  </a:r>
+                </a:p>
+              </p:txBody>
+            </p:sp>
+          </mc:Fallback>
+        </mc:AlternateContent>
+        <p:cxnSp>
+          <p:nvCxnSpPr>
+            <p:cNvPr id="45" name="직선 화살표 연결선 44">
+              <a:extLst>
+                <a:ext uri="{FF2B5EF4-FFF2-40B4-BE49-F238E27FC236}">
+                  <a16:creationId xmlns:a16="http://schemas.microsoft.com/office/drawing/2014/main" id="{67956E60-36B3-44C1-B80A-3FC4F19EB95D}"/>
+                </a:ext>
+              </a:extLst>
+            </p:cNvPr>
+            <p:cNvCxnSpPr>
+              <a:cxnSpLocks/>
+            </p:cNvCxnSpPr>
+            <p:nvPr/>
+          </p:nvCxnSpPr>
+          <p:spPr>
+            <a:xfrm flipV="1">
+              <a:off x="3653675" y="3822672"/>
+              <a:ext cx="7247" cy="1969610"/>
+            </a:xfrm>
+            <a:prstGeom prst="straightConnector1">
+              <a:avLst/>
+            </a:prstGeom>
+            <a:ln w="19050">
+              <a:solidFill>
+                <a:schemeClr val="tx1"/>
+              </a:solidFill>
+              <a:tailEnd type="triangle"/>
+            </a:ln>
+          </p:spPr>
+          <p:style>
+            <a:lnRef idx="1">
+              <a:schemeClr val="accent1"/>
+            </a:lnRef>
+            <a:fillRef idx="0">
+              <a:schemeClr val="accent1"/>
+            </a:fillRef>
+            <a:effectRef idx="0">
+              <a:schemeClr val="accent1"/>
+            </a:effectRef>
+            <a:fontRef idx="minor">
+              <a:schemeClr val="tx1"/>
+            </a:fontRef>
+          </p:style>
+        </p:cxnSp>
+        <p:cxnSp>
+          <p:nvCxnSpPr>
+            <p:cNvPr id="47" name="직선 화살표 연결선 46">
+              <a:extLst>
+                <a:ext uri="{FF2B5EF4-FFF2-40B4-BE49-F238E27FC236}">
+                  <a16:creationId xmlns:a16="http://schemas.microsoft.com/office/drawing/2014/main" id="{5E5EA02A-E026-4DE3-828D-BF3E44F616F6}"/>
+                </a:ext>
+              </a:extLst>
+            </p:cNvPr>
+            <p:cNvCxnSpPr>
+              <a:cxnSpLocks/>
+            </p:cNvCxnSpPr>
+            <p:nvPr/>
+          </p:nvCxnSpPr>
+          <p:spPr>
+            <a:xfrm flipH="1">
+              <a:off x="3061539" y="5346718"/>
+              <a:ext cx="1491412" cy="750165"/>
+            </a:xfrm>
+            <a:prstGeom prst="straightConnector1">
+              <a:avLst/>
+            </a:prstGeom>
+            <a:ln w="19050">
+              <a:solidFill>
+                <a:schemeClr val="tx1"/>
+              </a:solidFill>
+              <a:headEnd type="triangle"/>
+              <a:tailEnd type="none"/>
+            </a:ln>
+          </p:spPr>
+          <p:style>
+            <a:lnRef idx="1">
+              <a:schemeClr val="accent1"/>
+            </a:lnRef>
+            <a:fillRef idx="0">
+              <a:schemeClr val="accent1"/>
+            </a:fillRef>
+            <a:effectRef idx="0">
+              <a:schemeClr val="accent1"/>
+            </a:effectRef>
+            <a:fontRef idx="minor">
+              <a:schemeClr val="tx1"/>
+            </a:fontRef>
+          </p:style>
+        </p:cxnSp>
+        <p:sp>
+          <p:nvSpPr>
+            <p:cNvPr id="49" name="평행 사변형 48">
+              <a:extLst>
+                <a:ext uri="{FF2B5EF4-FFF2-40B4-BE49-F238E27FC236}">
+                  <a16:creationId xmlns:a16="http://schemas.microsoft.com/office/drawing/2014/main" id="{04DEC5BA-8315-4685-AF9B-04780DA145B4}"/>
+                </a:ext>
+              </a:extLst>
+            </p:cNvPr>
+            <p:cNvSpPr/>
+            <p:nvPr/>
+          </p:nvSpPr>
+          <p:spPr>
+            <a:xfrm>
+              <a:off x="1742605" y="4240052"/>
+              <a:ext cx="7463206" cy="832100"/>
+            </a:xfrm>
+            <a:prstGeom prst="parallelogram">
+              <a:avLst>
+                <a:gd name="adj" fmla="val 195237"/>
+              </a:avLst>
+            </a:prstGeom>
+            <a:solidFill>
+              <a:schemeClr val="accent1">
+                <a:alpha val="50000"/>
+              </a:schemeClr>
+            </a:solidFill>
+          </p:spPr>
+          <p:style>
+            <a:lnRef idx="2">
+              <a:schemeClr val="accent1">
+                <a:shade val="50000"/>
+              </a:schemeClr>
+            </a:lnRef>
+            <a:fillRef idx="1">
+              <a:schemeClr val="accent1"/>
+            </a:fillRef>
+            <a:effectRef idx="0">
+              <a:schemeClr val="accent1"/>
+            </a:effectRef>
+            <a:fontRef idx="minor">
+              <a:schemeClr val="lt1"/>
+            </a:fontRef>
+          </p:style>
+          <p:txBody>
+            <a:bodyPr rtlCol="0" anchor="ctr"/>
+            <a:lstStyle/>
+            <a:p>
+              <a:pPr algn="ctr"/>
+              <a:endParaRPr lang="ko-KR" altLang="en-US" dirty="0"/>
+            </a:p>
+          </p:txBody>
+        </p:sp>
+        <p:sp>
+          <p:nvSpPr>
+            <p:cNvPr id="50" name="타원 49">
+              <a:extLst>
+                <a:ext uri="{FF2B5EF4-FFF2-40B4-BE49-F238E27FC236}">
+                  <a16:creationId xmlns:a16="http://schemas.microsoft.com/office/drawing/2014/main" id="{852DA373-695C-42E6-BEEF-9A49EDBB1FE3}"/>
+                </a:ext>
+              </a:extLst>
+            </p:cNvPr>
+            <p:cNvSpPr>
+              <a:spLocks noChangeAspect="1"/>
+            </p:cNvSpPr>
+            <p:nvPr/>
+          </p:nvSpPr>
+          <p:spPr>
+            <a:xfrm>
+              <a:off x="4866271" y="4656102"/>
+              <a:ext cx="101600" cy="101600"/>
+            </a:xfrm>
+            <a:prstGeom prst="ellipse">
+              <a:avLst/>
+            </a:prstGeom>
+            <a:solidFill>
+              <a:schemeClr val="tx1"/>
+            </a:solidFill>
+            <a:ln w="0">
+              <a:noFill/>
+            </a:ln>
+          </p:spPr>
+          <p:style>
+            <a:lnRef idx="2">
+              <a:schemeClr val="accent1">
+                <a:shade val="50000"/>
+              </a:schemeClr>
+            </a:lnRef>
+            <a:fillRef idx="1">
+              <a:schemeClr val="accent1"/>
+            </a:fillRef>
+            <a:effectRef idx="0">
+              <a:schemeClr val="accent1"/>
+            </a:effectRef>
+            <a:fontRef idx="minor">
+              <a:schemeClr val="lt1"/>
+            </a:fontRef>
+          </p:style>
+          <p:txBody>
+            <a:bodyPr rtlCol="0" anchor="ctr"/>
+            <a:lstStyle/>
+            <a:p>
+              <a:pPr algn="ctr"/>
+              <a:endParaRPr lang="ko-KR" altLang="en-US"/>
+            </a:p>
+          </p:txBody>
+        </p:sp>
+        <p:sp>
+          <p:nvSpPr>
+            <p:cNvPr id="51" name="타원 50">
+              <a:extLst>
+                <a:ext uri="{FF2B5EF4-FFF2-40B4-BE49-F238E27FC236}">
+                  <a16:creationId xmlns:a16="http://schemas.microsoft.com/office/drawing/2014/main" id="{2BAD3500-C038-46CD-970C-CE27E0FA3168}"/>
+                </a:ext>
+              </a:extLst>
+            </p:cNvPr>
+            <p:cNvSpPr>
+              <a:spLocks noChangeAspect="1"/>
+            </p:cNvSpPr>
+            <p:nvPr/>
+          </p:nvSpPr>
+          <p:spPr>
+            <a:xfrm>
+              <a:off x="7040161" y="4656102"/>
+              <a:ext cx="101600" cy="101600"/>
+            </a:xfrm>
+            <a:prstGeom prst="ellipse">
+              <a:avLst/>
+            </a:prstGeom>
+            <a:solidFill>
+              <a:schemeClr val="tx1"/>
+            </a:solidFill>
+            <a:ln w="0">
+              <a:noFill/>
+            </a:ln>
+          </p:spPr>
+          <p:style>
+            <a:lnRef idx="2">
+              <a:schemeClr val="accent1">
+                <a:shade val="50000"/>
+              </a:schemeClr>
+            </a:lnRef>
+            <a:fillRef idx="1">
+              <a:schemeClr val="accent1"/>
+            </a:fillRef>
+            <a:effectRef idx="0">
+              <a:schemeClr val="accent1"/>
+            </a:effectRef>
+            <a:fontRef idx="minor">
+              <a:schemeClr val="lt1"/>
+            </a:fontRef>
+          </p:style>
+          <p:txBody>
+            <a:bodyPr rtlCol="0" anchor="ctr"/>
+            <a:lstStyle/>
+            <a:p>
+              <a:pPr algn="ctr"/>
+              <a:endParaRPr lang="ko-KR" altLang="en-US"/>
+            </a:p>
+          </p:txBody>
+        </p:sp>
+        <p:sp>
+          <p:nvSpPr>
+            <p:cNvPr id="52" name="왼쪽 중괄호 51">
+              <a:extLst>
+                <a:ext uri="{FF2B5EF4-FFF2-40B4-BE49-F238E27FC236}">
+                  <a16:creationId xmlns:a16="http://schemas.microsoft.com/office/drawing/2014/main" id="{A8C78DDA-9E00-4E4B-98B2-60F2D10EE0C6}"/>
+                </a:ext>
+              </a:extLst>
+            </p:cNvPr>
+            <p:cNvSpPr/>
+            <p:nvPr/>
+          </p:nvSpPr>
+          <p:spPr>
+            <a:xfrm>
+              <a:off x="3316649" y="4697331"/>
+              <a:ext cx="337026" cy="1094951"/>
+            </a:xfrm>
+            <a:prstGeom prst="leftBrace">
+              <a:avLst/>
+            </a:prstGeom>
+            <a:ln w="19050">
+              <a:solidFill>
+                <a:schemeClr val="tx1"/>
+              </a:solidFill>
+            </a:ln>
+          </p:spPr>
+          <p:style>
+            <a:lnRef idx="1">
+              <a:schemeClr val="accent1"/>
+            </a:lnRef>
+            <a:fillRef idx="0">
+              <a:schemeClr val="accent1"/>
+            </a:fillRef>
+            <a:effectRef idx="0">
+              <a:schemeClr val="accent1"/>
+            </a:effectRef>
+            <a:fontRef idx="minor">
+              <a:schemeClr val="tx1"/>
+            </a:fontRef>
+          </p:style>
+          <p:txBody>
+            <a:bodyPr rtlCol="0" anchor="ctr"/>
+            <a:lstStyle/>
+            <a:p>
+              <a:pPr algn="ctr"/>
+              <a:endParaRPr lang="ko-KR" altLang="en-US" dirty="0"/>
+            </a:p>
+          </p:txBody>
+        </p:sp>
+        <p:sp>
+          <p:nvSpPr>
+            <p:cNvPr id="53" name="타원 52">
+              <a:extLst>
+                <a:ext uri="{FF2B5EF4-FFF2-40B4-BE49-F238E27FC236}">
+                  <a16:creationId xmlns:a16="http://schemas.microsoft.com/office/drawing/2014/main" id="{C7CCE6CF-5C98-4561-BA1C-2D94E9959F07}"/>
+                </a:ext>
+              </a:extLst>
+            </p:cNvPr>
+            <p:cNvSpPr>
+              <a:spLocks noChangeAspect="1"/>
+            </p:cNvSpPr>
+            <p:nvPr/>
+          </p:nvSpPr>
+          <p:spPr>
+            <a:xfrm>
+              <a:off x="3618748" y="4656102"/>
+              <a:ext cx="101600" cy="101600"/>
+            </a:xfrm>
+            <a:prstGeom prst="ellipse">
+              <a:avLst/>
+            </a:prstGeom>
+            <a:solidFill>
+              <a:schemeClr val="tx1"/>
+            </a:solidFill>
+            <a:ln w="0">
+              <a:noFill/>
+            </a:ln>
+          </p:spPr>
+          <p:style>
+            <a:lnRef idx="2">
+              <a:schemeClr val="accent1">
+                <a:shade val="50000"/>
+              </a:schemeClr>
+            </a:lnRef>
+            <a:fillRef idx="1">
+              <a:schemeClr val="accent1"/>
+            </a:fillRef>
+            <a:effectRef idx="0">
+              <a:schemeClr val="accent1"/>
+            </a:effectRef>
+            <a:fontRef idx="minor">
+              <a:schemeClr val="lt1"/>
+            </a:fontRef>
+          </p:style>
+          <p:txBody>
+            <a:bodyPr rtlCol="0" anchor="ctr"/>
+            <a:lstStyle/>
+            <a:p>
+              <a:pPr algn="ctr"/>
+              <a:endParaRPr lang="ko-KR" altLang="en-US"/>
+            </a:p>
+          </p:txBody>
+        </p:sp>
+        <p:sp>
+          <p:nvSpPr>
+            <p:cNvPr id="54" name="타원 53">
+              <a:extLst>
+                <a:ext uri="{FF2B5EF4-FFF2-40B4-BE49-F238E27FC236}">
+                  <a16:creationId xmlns:a16="http://schemas.microsoft.com/office/drawing/2014/main" id="{8EDD4FA9-F541-4AE9-8A64-E4ACEE87D062}"/>
+                </a:ext>
+              </a:extLst>
+            </p:cNvPr>
+            <p:cNvSpPr>
+              <a:spLocks noChangeAspect="1"/>
+            </p:cNvSpPr>
+            <p:nvPr/>
+          </p:nvSpPr>
+          <p:spPr>
+            <a:xfrm>
+              <a:off x="3610122" y="5737950"/>
+              <a:ext cx="101600" cy="101600"/>
+            </a:xfrm>
+            <a:prstGeom prst="ellipse">
+              <a:avLst/>
+            </a:prstGeom>
+            <a:solidFill>
+              <a:schemeClr val="tx1"/>
+            </a:solidFill>
+            <a:ln w="0">
+              <a:noFill/>
+            </a:ln>
+          </p:spPr>
+          <p:style>
+            <a:lnRef idx="2">
+              <a:schemeClr val="accent1">
+                <a:shade val="50000"/>
+              </a:schemeClr>
+            </a:lnRef>
+            <a:fillRef idx="1">
+              <a:schemeClr val="accent1"/>
+            </a:fillRef>
+            <a:effectRef idx="0">
+              <a:schemeClr val="accent1"/>
+            </a:effectRef>
+            <a:fontRef idx="minor">
+              <a:schemeClr val="lt1"/>
+            </a:fontRef>
+          </p:style>
+          <p:txBody>
+            <a:bodyPr rtlCol="0" anchor="ctr"/>
+            <a:lstStyle/>
+            <a:p>
+              <a:pPr algn="ctr"/>
+              <a:endParaRPr lang="ko-KR" altLang="en-US"/>
+            </a:p>
+          </p:txBody>
+        </p:sp>
+        <p:cxnSp>
+          <p:nvCxnSpPr>
+            <p:cNvPr id="55" name="직선 화살표 연결선 54">
+              <a:extLst>
+                <a:ext uri="{FF2B5EF4-FFF2-40B4-BE49-F238E27FC236}">
+                  <a16:creationId xmlns:a16="http://schemas.microsoft.com/office/drawing/2014/main" id="{FC152703-8B30-4B83-B64F-AC497BA01693}"/>
+                </a:ext>
+              </a:extLst>
+            </p:cNvPr>
+            <p:cNvCxnSpPr>
+              <a:cxnSpLocks/>
+            </p:cNvCxnSpPr>
+            <p:nvPr/>
+          </p:nvCxnSpPr>
+          <p:spPr>
+            <a:xfrm>
+              <a:off x="3653675" y="4697331"/>
+              <a:ext cx="4632960" cy="0"/>
+            </a:xfrm>
+            <a:prstGeom prst="straightConnector1">
+              <a:avLst/>
+            </a:prstGeom>
+            <a:ln w="19050">
+              <a:solidFill>
+                <a:schemeClr val="tx1"/>
+              </a:solidFill>
+              <a:tailEnd type="triangle"/>
+            </a:ln>
+          </p:spPr>
+          <p:style>
+            <a:lnRef idx="1">
+              <a:schemeClr val="accent1"/>
+            </a:lnRef>
+            <a:fillRef idx="0">
+              <a:schemeClr val="accent1"/>
+            </a:fillRef>
+            <a:effectRef idx="0">
+              <a:schemeClr val="accent1"/>
+            </a:effectRef>
+            <a:fontRef idx="minor">
+              <a:schemeClr val="tx1"/>
+            </a:fontRef>
+          </p:style>
+        </p:cxnSp>
+        <mc:AlternateContent xmlns:mc="http://schemas.openxmlformats.org/markup-compatibility/2006" xmlns:a14="http://schemas.microsoft.com/office/drawing/2010/main">
+          <mc:Choice Requires="a14">
+            <p:sp>
+              <p:nvSpPr>
+                <p:cNvPr id="56" name="TextBox 55">
+                  <a:extLst>
+                    <a:ext uri="{FF2B5EF4-FFF2-40B4-BE49-F238E27FC236}">
+                      <a16:creationId xmlns:a16="http://schemas.microsoft.com/office/drawing/2014/main" id="{D73BBCD1-F260-4B21-B236-E673FACFCBCF}"/>
+                    </a:ext>
+                  </a:extLst>
+                </p:cNvPr>
+                <p:cNvSpPr txBox="1"/>
+                <p:nvPr/>
+              </p:nvSpPr>
+              <p:spPr>
+                <a:xfrm>
+                  <a:off x="3461672" y="3392970"/>
                   <a:ext cx="398500" cy="369332"/>
                 </a:xfrm>
                 <a:prstGeom prst="rect">
@@ -7804,13 +9023,13 @@
               </p:txBody>
             </p:sp>
           </mc:Choice>
-          <mc:Fallback>
+          <mc:Fallback xmlns="">
             <p:sp>
               <p:nvSpPr>
-                <p:cNvPr id="48" name="TextBox 47">
+                <p:cNvPr id="56" name="TextBox 55">
                   <a:extLst>
                     <a:ext uri="{FF2B5EF4-FFF2-40B4-BE49-F238E27FC236}">
-                      <a16:creationId xmlns:a16="http://schemas.microsoft.com/office/drawing/2014/main" id="{47AAFB0C-D21F-45E0-8059-E9BA49A083E4}"/>
+                      <a16:creationId xmlns:a16="http://schemas.microsoft.com/office/drawing/2014/main" id="{D73BBCD1-F260-4B21-B236-E673FACFCBCF}"/>
                     </a:ext>
                   </a:extLst>
                 </p:cNvPr>
@@ -7821,16 +9040,16 @@
               </p:nvSpPr>
               <p:spPr>
                 <a:xfrm>
-                  <a:off x="2706563" y="4550311"/>
+                  <a:off x="3461672" y="3392970"/>
                   <a:ext cx="398500" cy="369332"/>
                 </a:xfrm>
                 <a:prstGeom prst="rect">
                   <a:avLst/>
                 </a:prstGeom>
                 <a:blipFill>
-                  <a:blip r:embed="rId8"/>
+                  <a:blip r:embed="rId13"/>
                   <a:stretch>
-                    <a:fillRect l="-1538"/>
+                    <a:fillRect l="-1538" b="-1667"/>
                   </a:stretch>
                 </a:blipFill>
               </p:spPr>
@@ -7849,6 +9068,297 @@
             </p:sp>
           </mc:Fallback>
         </mc:AlternateContent>
+        <mc:AlternateContent xmlns:mc="http://schemas.openxmlformats.org/markup-compatibility/2006" xmlns:a14="http://schemas.microsoft.com/office/drawing/2010/main">
+          <mc:Choice Requires="a14">
+            <p:sp>
+              <p:nvSpPr>
+                <p:cNvPr id="57" name="TextBox 56">
+                  <a:extLst>
+                    <a:ext uri="{FF2B5EF4-FFF2-40B4-BE49-F238E27FC236}">
+                      <a16:creationId xmlns:a16="http://schemas.microsoft.com/office/drawing/2014/main" id="{35362789-9C6E-4EF4-BFF1-A6478BBD908D}"/>
+                    </a:ext>
+                  </a:extLst>
+                </p:cNvPr>
+                <p:cNvSpPr txBox="1"/>
+                <p:nvPr/>
+              </p:nvSpPr>
+              <p:spPr>
+                <a:xfrm>
+                  <a:off x="2887412" y="5060140"/>
+                  <a:ext cx="398500" cy="369332"/>
+                </a:xfrm>
+                <a:prstGeom prst="rect">
+                  <a:avLst/>
+                </a:prstGeom>
+                <a:noFill/>
+              </p:spPr>
+              <p:txBody>
+                <a:bodyPr wrap="square" rtlCol="0">
+                  <a:spAutoFit/>
+                </a:bodyPr>
+                <a:lstStyle/>
+                <a:p>
+                  <a:pPr algn="ctr"/>
+                  <a14:m>
+                    <m:oMathPara xmlns:m="http://schemas.openxmlformats.org/officeDocument/2006/math">
+                      <m:oMathParaPr>
+                        <m:jc m:val="centerGroup"/>
+                      </m:oMathParaPr>
+                      <m:oMath xmlns:m="http://schemas.openxmlformats.org/officeDocument/2006/math">
+                        <m:sSub>
+                          <m:sSubPr>
+                            <m:ctrlPr>
+                              <a:rPr lang="en-US" altLang="ko-KR" b="0" i="1" smtClean="0">
+                                <a:latin typeface="Cambria Math" panose="02040503050406030204" pitchFamily="18" charset="0"/>
+                              </a:rPr>
+                            </m:ctrlPr>
+                          </m:sSubPr>
+                          <m:e>
+                            <m:r>
+                              <a:rPr lang="en-US" altLang="ko-KR" b="0" i="1" smtClean="0">
+                                <a:latin typeface="Cambria Math" panose="02040503050406030204" pitchFamily="18" charset="0"/>
+                              </a:rPr>
+                              <m:t>𝑘</m:t>
+                            </m:r>
+                          </m:e>
+                          <m:sub>
+                            <m:r>
+                              <a:rPr lang="en-US" altLang="ko-KR" b="0" i="1" smtClean="0">
+                                <a:latin typeface="Cambria Math" panose="02040503050406030204" pitchFamily="18" charset="0"/>
+                              </a:rPr>
+                              <m:t>𝐵</m:t>
+                            </m:r>
+                          </m:sub>
+                        </m:sSub>
+                      </m:oMath>
+                    </m:oMathPara>
+                  </a14:m>
+                  <a:endParaRPr lang="ko-KR" altLang="en-US" dirty="0">
+                    <a:latin typeface="Cambria Math" panose="02040503050406030204" pitchFamily="18" charset="0"/>
+                  </a:endParaRPr>
+                </a:p>
+              </p:txBody>
+            </p:sp>
+          </mc:Choice>
+          <mc:Fallback xmlns="">
+            <p:sp>
+              <p:nvSpPr>
+                <p:cNvPr id="57" name="TextBox 56">
+                  <a:extLst>
+                    <a:ext uri="{FF2B5EF4-FFF2-40B4-BE49-F238E27FC236}">
+                      <a16:creationId xmlns:a16="http://schemas.microsoft.com/office/drawing/2014/main" id="{35362789-9C6E-4EF4-BFF1-A6478BBD908D}"/>
+                    </a:ext>
+                  </a:extLst>
+                </p:cNvPr>
+                <p:cNvSpPr txBox="1">
+                  <a:spLocks noRot="1" noChangeAspect="1" noMove="1" noResize="1" noEditPoints="1" noAdjustHandles="1" noChangeArrowheads="1" noChangeShapeType="1" noTextEdit="1"/>
+                </p:cNvSpPr>
+                <p:nvPr/>
+              </p:nvSpPr>
+              <p:spPr>
+                <a:xfrm>
+                  <a:off x="2887412" y="5060140"/>
+                  <a:ext cx="398500" cy="369332"/>
+                </a:xfrm>
+                <a:prstGeom prst="rect">
+                  <a:avLst/>
+                </a:prstGeom>
+                <a:blipFill>
+                  <a:blip r:embed="rId14"/>
+                  <a:stretch>
+                    <a:fillRect l="-9231"/>
+                  </a:stretch>
+                </a:blipFill>
+              </p:spPr>
+              <p:txBody>
+                <a:bodyPr/>
+                <a:lstStyle/>
+                <a:p>
+                  <a:r>
+                    <a:rPr lang="ko-KR" altLang="en-US">
+                      <a:noFill/>
+                    </a:rPr>
+                    <a:t> </a:t>
+                  </a:r>
+                </a:p>
+              </p:txBody>
+            </p:sp>
+          </mc:Fallback>
+        </mc:AlternateContent>
+        <mc:AlternateContent xmlns:mc="http://schemas.openxmlformats.org/markup-compatibility/2006">
+          <mc:Choice xmlns:a14="http://schemas.microsoft.com/office/drawing/2010/main" Requires="a14">
+            <p:sp>
+              <p:nvSpPr>
+                <p:cNvPr id="58" name="TextBox 57">
+                  <a:extLst>
+                    <a:ext uri="{FF2B5EF4-FFF2-40B4-BE49-F238E27FC236}">
+                      <a16:creationId xmlns:a16="http://schemas.microsoft.com/office/drawing/2014/main" id="{E75EAA7D-C82C-48BD-A1F2-54E34D0BA38C}"/>
+                    </a:ext>
+                  </a:extLst>
+                </p:cNvPr>
+                <p:cNvSpPr txBox="1"/>
+                <p:nvPr/>
+              </p:nvSpPr>
+              <p:spPr>
+                <a:xfrm>
+                  <a:off x="4557874" y="5068320"/>
+                  <a:ext cx="398500" cy="369332"/>
+                </a:xfrm>
+                <a:prstGeom prst="rect">
+                  <a:avLst/>
+                </a:prstGeom>
+                <a:noFill/>
+              </p:spPr>
+              <p:txBody>
+                <a:bodyPr wrap="square" rtlCol="0">
+                  <a:spAutoFit/>
+                </a:bodyPr>
+                <a:lstStyle/>
+                <a:p>
+                  <a:pPr algn="ctr"/>
+                  <a14:m>
+                    <m:oMathPara xmlns:m="http://schemas.openxmlformats.org/officeDocument/2006/math">
+                      <m:oMathParaPr>
+                        <m:jc m:val="centerGroup"/>
+                      </m:oMathParaPr>
+                      <m:oMath xmlns:m="http://schemas.openxmlformats.org/officeDocument/2006/math">
+                        <m:sSub>
+                          <m:sSubPr>
+                            <m:ctrlPr>
+                              <a:rPr lang="en-US" altLang="ko-KR" b="0" i="1" smtClean="0">
+                                <a:latin typeface="Cambria Math" panose="02040503050406030204" pitchFamily="18" charset="0"/>
+                              </a:rPr>
+                            </m:ctrlPr>
+                          </m:sSubPr>
+                          <m:e>
+                            <m:r>
+                              <a:rPr lang="en-US" altLang="ko-KR" b="0" i="1" smtClean="0">
+                                <a:latin typeface="Cambria Math" panose="02040503050406030204" pitchFamily="18" charset="0"/>
+                              </a:rPr>
+                              <m:t>𝑦</m:t>
+                            </m:r>
+                            <m:r>
+                              <a:rPr lang="en-US" altLang="ko-KR" b="0" i="1" smtClean="0">
+                                <a:latin typeface="Cambria Math" panose="02040503050406030204" pitchFamily="18" charset="0"/>
+                              </a:rPr>
+                              <m:t>′</m:t>
+                            </m:r>
+                          </m:e>
+                          <m:sub>
+                            <m:r>
+                              <a:rPr lang="en-US" altLang="ko-KR" b="0" i="1" smtClean="0">
+                                <a:latin typeface="Cambria Math" panose="02040503050406030204" pitchFamily="18" charset="0"/>
+                              </a:rPr>
+                              <m:t>𝐵</m:t>
+                            </m:r>
+                          </m:sub>
+                        </m:sSub>
+                      </m:oMath>
+                    </m:oMathPara>
+                  </a14:m>
+                  <a:endParaRPr lang="ko-KR" altLang="en-US" dirty="0">
+                    <a:latin typeface="Cambria Math" panose="02040503050406030204" pitchFamily="18" charset="0"/>
+                  </a:endParaRPr>
+                </a:p>
+              </p:txBody>
+            </p:sp>
+          </mc:Choice>
+          <mc:Fallback>
+            <p:sp>
+              <p:nvSpPr>
+                <p:cNvPr id="58" name="TextBox 57">
+                  <a:extLst>
+                    <a:ext uri="{FF2B5EF4-FFF2-40B4-BE49-F238E27FC236}">
+                      <a16:creationId xmlns:a16="http://schemas.microsoft.com/office/drawing/2014/main" id="{E75EAA7D-C82C-48BD-A1F2-54E34D0BA38C}"/>
+                    </a:ext>
+                  </a:extLst>
+                </p:cNvPr>
+                <p:cNvSpPr txBox="1">
+                  <a:spLocks noRot="1" noChangeAspect="1" noMove="1" noResize="1" noEditPoints="1" noAdjustHandles="1" noChangeArrowheads="1" noChangeShapeType="1" noTextEdit="1"/>
+                </p:cNvSpPr>
+                <p:nvPr/>
+              </p:nvSpPr>
+              <p:spPr>
+                <a:xfrm>
+                  <a:off x="4557874" y="5068320"/>
+                  <a:ext cx="398500" cy="369332"/>
+                </a:xfrm>
+                <a:prstGeom prst="rect">
+                  <a:avLst/>
+                </a:prstGeom>
+                <a:blipFill>
+                  <a:blip r:embed="rId15"/>
+                  <a:stretch>
+                    <a:fillRect l="-18462" b="-8197"/>
+                  </a:stretch>
+                </a:blipFill>
+              </p:spPr>
+              <p:txBody>
+                <a:bodyPr/>
+                <a:lstStyle/>
+                <a:p>
+                  <a:r>
+                    <a:rPr lang="ko-KR" altLang="en-US">
+                      <a:noFill/>
+                    </a:rPr>
+                    <a:t> </a:t>
+                  </a:r>
+                </a:p>
+              </p:txBody>
+            </p:sp>
+          </mc:Fallback>
+        </mc:AlternateContent>
+        <p:sp>
+          <p:nvSpPr>
+            <p:cNvPr id="24" name="화살표: 아래쪽 23">
+              <a:extLst>
+                <a:ext uri="{FF2B5EF4-FFF2-40B4-BE49-F238E27FC236}">
+                  <a16:creationId xmlns:a16="http://schemas.microsoft.com/office/drawing/2014/main" id="{2ECD9BC6-EFE5-4693-A78F-252EF7DD0573}"/>
+                </a:ext>
+              </a:extLst>
+            </p:cNvPr>
+            <p:cNvSpPr/>
+            <p:nvPr/>
+          </p:nvSpPr>
+          <p:spPr>
+            <a:xfrm>
+              <a:off x="5295793" y="3324732"/>
+              <a:ext cx="225210" cy="547476"/>
+            </a:xfrm>
+            <a:prstGeom prst="downArrow">
+              <a:avLst/>
+            </a:prstGeom>
+            <a:solidFill>
+              <a:schemeClr val="accent1">
+                <a:alpha val="50000"/>
+              </a:schemeClr>
+            </a:solidFill>
+          </p:spPr>
+          <p:style>
+            <a:lnRef idx="2">
+              <a:schemeClr val="accent1">
+                <a:shade val="50000"/>
+              </a:schemeClr>
+            </a:lnRef>
+            <a:fillRef idx="1">
+              <a:schemeClr val="accent1"/>
+            </a:fillRef>
+            <a:effectRef idx="0">
+              <a:schemeClr val="accent1"/>
+            </a:effectRef>
+            <a:fontRef idx="minor">
+              <a:schemeClr val="lt1"/>
+            </a:fontRef>
+          </p:style>
+          <p:txBody>
+            <a:bodyPr rtlCol="0" anchor="ctr"/>
+            <a:lstStyle/>
+            <a:p>
+              <a:pPr algn="ctr"/>
+              <a:endParaRPr lang="ko-KR" altLang="en-US"/>
+            </a:p>
+          </p:txBody>
+        </p:sp>
       </p:grpSp>
     </p:spTree>
     <p:extLst>
@@ -7880,6 +9390,1549 @@
           <a:chExt cx="0" cy="0"/>
         </a:xfrm>
       </p:grpSpPr>
+      <p:grpSp>
+        <p:nvGrpSpPr>
+          <p:cNvPr id="2" name="그룹 1">
+            <a:extLst>
+              <a:ext uri="{FF2B5EF4-FFF2-40B4-BE49-F238E27FC236}">
+                <a16:creationId xmlns:a16="http://schemas.microsoft.com/office/drawing/2014/main" id="{3CC6792F-E73D-44D5-9628-8117DBF3DAC5}"/>
+              </a:ext>
+            </a:extLst>
+          </p:cNvPr>
+          <p:cNvGrpSpPr/>
+          <p:nvPr/>
+        </p:nvGrpSpPr>
+        <p:grpSpPr>
+          <a:xfrm>
+            <a:off x="2364397" y="1192789"/>
+            <a:ext cx="7463206" cy="3726854"/>
+            <a:chOff x="1875620" y="1512279"/>
+            <a:chExt cx="7463206" cy="3726854"/>
+          </a:xfrm>
+        </p:grpSpPr>
+        <p:sp>
+          <p:nvSpPr>
+            <p:cNvPr id="3" name="TextBox 2">
+              <a:extLst>
+                <a:ext uri="{FF2B5EF4-FFF2-40B4-BE49-F238E27FC236}">
+                  <a16:creationId xmlns:a16="http://schemas.microsoft.com/office/drawing/2014/main" id="{BE3742DF-9E77-4ADB-A9DA-5DF843BE6E54}"/>
+                </a:ext>
+              </a:extLst>
+            </p:cNvPr>
+            <p:cNvSpPr txBox="1"/>
+            <p:nvPr/>
+          </p:nvSpPr>
+          <p:spPr>
+            <a:xfrm>
+              <a:off x="4841363" y="1512279"/>
+              <a:ext cx="1400100" cy="369332"/>
+            </a:xfrm>
+            <a:prstGeom prst="rect">
+              <a:avLst/>
+            </a:prstGeom>
+            <a:noFill/>
+          </p:spPr>
+          <p:txBody>
+            <a:bodyPr wrap="square" rtlCol="0">
+              <a:spAutoFit/>
+            </a:bodyPr>
+            <a:lstStyle/>
+            <a:p>
+              <a:pPr algn="ctr"/>
+              <a:r>
+                <a:rPr lang="en-US" altLang="ko-KR" dirty="0"/>
+                <a:t>&lt;B</a:t>
+              </a:r>
+              <a:r>
+                <a:rPr lang="ko-KR" altLang="en-US" dirty="0"/>
+                <a:t>좌표계</a:t>
+              </a:r>
+              <a:r>
+                <a:rPr lang="en-US" altLang="ko-KR" dirty="0"/>
+                <a:t>&gt;</a:t>
+              </a:r>
+              <a:endParaRPr lang="ko-KR" altLang="en-US" dirty="0"/>
+            </a:p>
+          </p:txBody>
+        </p:sp>
+        <p:grpSp>
+          <p:nvGrpSpPr>
+            <p:cNvPr id="4" name="그룹 3">
+              <a:extLst>
+                <a:ext uri="{FF2B5EF4-FFF2-40B4-BE49-F238E27FC236}">
+                  <a16:creationId xmlns:a16="http://schemas.microsoft.com/office/drawing/2014/main" id="{53729FB2-90E5-48E2-8C8C-A8EEE57001C3}"/>
+                </a:ext>
+              </a:extLst>
+            </p:cNvPr>
+            <p:cNvGrpSpPr/>
+            <p:nvPr/>
+          </p:nvGrpSpPr>
+          <p:grpSpPr>
+            <a:xfrm>
+              <a:off x="1875620" y="1927908"/>
+              <a:ext cx="7463206" cy="3311225"/>
+              <a:chOff x="950204" y="506732"/>
+              <a:chExt cx="7463206" cy="3311225"/>
+            </a:xfrm>
+          </p:grpSpPr>
+          <p:cxnSp>
+            <p:nvCxnSpPr>
+              <p:cNvPr id="5" name="직선 화살표 연결선 4">
+                <a:extLst>
+                  <a:ext uri="{FF2B5EF4-FFF2-40B4-BE49-F238E27FC236}">
+                    <a16:creationId xmlns:a16="http://schemas.microsoft.com/office/drawing/2014/main" id="{931544F8-6A3C-4779-9067-E2E0B8A95A98}"/>
+                  </a:ext>
+                </a:extLst>
+              </p:cNvPr>
+              <p:cNvCxnSpPr>
+                <a:cxnSpLocks/>
+              </p:cNvCxnSpPr>
+              <p:nvPr/>
+            </p:nvCxnSpPr>
+            <p:spPr>
+              <a:xfrm>
+                <a:off x="2861274" y="2906044"/>
+                <a:ext cx="4632960" cy="0"/>
+              </a:xfrm>
+              <a:prstGeom prst="straightConnector1">
+                <a:avLst/>
+              </a:prstGeom>
+              <a:ln w="19050">
+                <a:solidFill>
+                  <a:schemeClr val="tx1"/>
+                </a:solidFill>
+                <a:tailEnd type="triangle"/>
+              </a:ln>
+            </p:spPr>
+            <p:style>
+              <a:lnRef idx="1">
+                <a:schemeClr val="accent1"/>
+              </a:lnRef>
+              <a:fillRef idx="0">
+                <a:schemeClr val="accent1"/>
+              </a:fillRef>
+              <a:effectRef idx="0">
+                <a:schemeClr val="accent1"/>
+              </a:effectRef>
+              <a:fontRef idx="minor">
+                <a:schemeClr val="tx1"/>
+              </a:fontRef>
+            </p:style>
+          </p:cxnSp>
+          <p:sp>
+            <p:nvSpPr>
+              <p:cNvPr id="6" name="타원 5">
+                <a:extLst>
+                  <a:ext uri="{FF2B5EF4-FFF2-40B4-BE49-F238E27FC236}">
+                    <a16:creationId xmlns:a16="http://schemas.microsoft.com/office/drawing/2014/main" id="{E298F41F-0C4F-463E-85DD-2B2F75C2AB23}"/>
+                  </a:ext>
+                </a:extLst>
+              </p:cNvPr>
+              <p:cNvSpPr>
+                <a:spLocks noChangeAspect="1"/>
+              </p:cNvSpPr>
+              <p:nvPr/>
+            </p:nvSpPr>
+            <p:spPr>
+              <a:xfrm>
+                <a:off x="4078214" y="2855244"/>
+                <a:ext cx="101600" cy="101600"/>
+              </a:xfrm>
+              <a:prstGeom prst="ellipse">
+                <a:avLst/>
+              </a:prstGeom>
+              <a:solidFill>
+                <a:schemeClr val="tx1"/>
+              </a:solidFill>
+              <a:ln w="0">
+                <a:noFill/>
+              </a:ln>
+            </p:spPr>
+            <p:style>
+              <a:lnRef idx="2">
+                <a:schemeClr val="accent1">
+                  <a:shade val="50000"/>
+                </a:schemeClr>
+              </a:lnRef>
+              <a:fillRef idx="1">
+                <a:schemeClr val="accent1"/>
+              </a:fillRef>
+              <a:effectRef idx="0">
+                <a:schemeClr val="accent1"/>
+              </a:effectRef>
+              <a:fontRef idx="minor">
+                <a:schemeClr val="lt1"/>
+              </a:fontRef>
+            </p:style>
+            <p:txBody>
+              <a:bodyPr rtlCol="0" anchor="ctr"/>
+              <a:lstStyle/>
+              <a:p>
+                <a:pPr algn="ctr"/>
+                <a:endParaRPr lang="ko-KR" altLang="en-US"/>
+              </a:p>
+            </p:txBody>
+          </p:sp>
+          <p:sp>
+            <p:nvSpPr>
+              <p:cNvPr id="7" name="타원 6">
+                <a:extLst>
+                  <a:ext uri="{FF2B5EF4-FFF2-40B4-BE49-F238E27FC236}">
+                    <a16:creationId xmlns:a16="http://schemas.microsoft.com/office/drawing/2014/main" id="{9EA63BE7-BE9C-4BA0-80AF-40DBBCDB26DB}"/>
+                  </a:ext>
+                </a:extLst>
+              </p:cNvPr>
+              <p:cNvSpPr>
+                <a:spLocks noChangeAspect="1"/>
+              </p:cNvSpPr>
+              <p:nvPr/>
+            </p:nvSpPr>
+            <p:spPr>
+              <a:xfrm>
+                <a:off x="6249914" y="2855244"/>
+                <a:ext cx="101600" cy="101600"/>
+              </a:xfrm>
+              <a:prstGeom prst="ellipse">
+                <a:avLst/>
+              </a:prstGeom>
+              <a:solidFill>
+                <a:schemeClr val="tx1"/>
+              </a:solidFill>
+              <a:ln w="0">
+                <a:noFill/>
+              </a:ln>
+            </p:spPr>
+            <p:style>
+              <a:lnRef idx="2">
+                <a:schemeClr val="accent1">
+                  <a:shade val="50000"/>
+                </a:schemeClr>
+              </a:lnRef>
+              <a:fillRef idx="1">
+                <a:schemeClr val="accent1"/>
+              </a:fillRef>
+              <a:effectRef idx="0">
+                <a:schemeClr val="accent1"/>
+              </a:effectRef>
+              <a:fontRef idx="minor">
+                <a:schemeClr val="lt1"/>
+              </a:fontRef>
+            </p:style>
+            <p:txBody>
+              <a:bodyPr rtlCol="0" anchor="ctr"/>
+              <a:lstStyle/>
+              <a:p>
+                <a:pPr algn="ctr"/>
+                <a:endParaRPr lang="ko-KR" altLang="en-US"/>
+              </a:p>
+            </p:txBody>
+          </p:sp>
+          <mc:AlternateContent xmlns:mc="http://schemas.openxmlformats.org/markup-compatibility/2006">
+            <mc:Choice xmlns:a14="http://schemas.microsoft.com/office/drawing/2010/main" Requires="a14">
+              <p:sp>
+                <p:nvSpPr>
+                  <p:cNvPr id="8" name="TextBox 7">
+                    <a:extLst>
+                      <a:ext uri="{FF2B5EF4-FFF2-40B4-BE49-F238E27FC236}">
+                        <a16:creationId xmlns:a16="http://schemas.microsoft.com/office/drawing/2014/main" id="{2E6AFFEB-DCC5-4B4E-B65F-33CE0B12E033}"/>
+                      </a:ext>
+                    </a:extLst>
+                  </p:cNvPr>
+                  <p:cNvSpPr txBox="1"/>
+                  <p:nvPr/>
+                </p:nvSpPr>
+                <p:spPr>
+                  <a:xfrm>
+                    <a:off x="4027694" y="3007644"/>
+                    <a:ext cx="233680" cy="369332"/>
+                  </a:xfrm>
+                  <a:prstGeom prst="rect">
+                    <a:avLst/>
+                  </a:prstGeom>
+                  <a:noFill/>
+                </p:spPr>
+                <p:txBody>
+                  <a:bodyPr wrap="square" rtlCol="0">
+                    <a:spAutoFit/>
+                  </a:bodyPr>
+                  <a:lstStyle/>
+                  <a:p>
+                    <a:pPr algn="ctr"/>
+                    <a14:m>
+                      <m:oMathPara xmlns:m="http://schemas.openxmlformats.org/officeDocument/2006/math">
+                        <m:oMathParaPr>
+                          <m:jc m:val="centerGroup"/>
+                        </m:oMathParaPr>
+                        <m:oMath xmlns:m="http://schemas.openxmlformats.org/officeDocument/2006/math">
+                          <m:r>
+                            <a:rPr lang="en-US" altLang="ko-KR" b="0" i="1" smtClean="0">
+                              <a:latin typeface="Cambria Math" panose="02040503050406030204" pitchFamily="18" charset="0"/>
+                            </a:rPr>
+                            <m:t>𝐵</m:t>
+                          </m:r>
+                        </m:oMath>
+                      </m:oMathPara>
+                    </a14:m>
+                    <a:endParaRPr lang="ko-KR" altLang="en-US" dirty="0">
+                      <a:latin typeface="Cambria Math" panose="02040503050406030204" pitchFamily="18" charset="0"/>
+                    </a:endParaRPr>
+                  </a:p>
+                </p:txBody>
+              </p:sp>
+            </mc:Choice>
+            <mc:Fallback>
+              <p:sp>
+                <p:nvSpPr>
+                  <p:cNvPr id="8" name="TextBox 7">
+                    <a:extLst>
+                      <a:ext uri="{FF2B5EF4-FFF2-40B4-BE49-F238E27FC236}">
+                        <a16:creationId xmlns:a16="http://schemas.microsoft.com/office/drawing/2014/main" id="{2E6AFFEB-DCC5-4B4E-B65F-33CE0B12E033}"/>
+                      </a:ext>
+                    </a:extLst>
+                  </p:cNvPr>
+                  <p:cNvSpPr txBox="1">
+                    <a:spLocks noRot="1" noChangeAspect="1" noMove="1" noResize="1" noEditPoints="1" noAdjustHandles="1" noChangeArrowheads="1" noChangeShapeType="1" noTextEdit="1"/>
+                  </p:cNvSpPr>
+                  <p:nvPr/>
+                </p:nvSpPr>
+                <p:spPr>
+                  <a:xfrm>
+                    <a:off x="4027694" y="3007644"/>
+                    <a:ext cx="233680" cy="369332"/>
+                  </a:xfrm>
+                  <a:prstGeom prst="rect">
+                    <a:avLst/>
+                  </a:prstGeom>
+                  <a:blipFill>
+                    <a:blip r:embed="rId2"/>
+                    <a:stretch>
+                      <a:fillRect l="-31579" r="-5263"/>
+                    </a:stretch>
+                  </a:blipFill>
+                </p:spPr>
+                <p:txBody>
+                  <a:bodyPr/>
+                  <a:lstStyle/>
+                  <a:p>
+                    <a:r>
+                      <a:rPr lang="ko-KR" altLang="en-US">
+                        <a:noFill/>
+                      </a:rPr>
+                      <a:t> </a:t>
+                    </a:r>
+                  </a:p>
+                </p:txBody>
+              </p:sp>
+            </mc:Fallback>
+          </mc:AlternateContent>
+          <mc:AlternateContent xmlns:mc="http://schemas.openxmlformats.org/markup-compatibility/2006">
+            <mc:Choice xmlns:a14="http://schemas.microsoft.com/office/drawing/2010/main" Requires="a14">
+              <p:sp>
+                <p:nvSpPr>
+                  <p:cNvPr id="9" name="TextBox 8">
+                    <a:extLst>
+                      <a:ext uri="{FF2B5EF4-FFF2-40B4-BE49-F238E27FC236}">
+                        <a16:creationId xmlns:a16="http://schemas.microsoft.com/office/drawing/2014/main" id="{AF39F158-D968-4094-8956-5E4B5A4B1F5B}"/>
+                      </a:ext>
+                    </a:extLst>
+                  </p:cNvPr>
+                  <p:cNvSpPr txBox="1"/>
+                  <p:nvPr/>
+                </p:nvSpPr>
+                <p:spPr>
+                  <a:xfrm>
+                    <a:off x="6183874" y="3007644"/>
+                    <a:ext cx="233680" cy="369332"/>
+                  </a:xfrm>
+                  <a:prstGeom prst="rect">
+                    <a:avLst/>
+                  </a:prstGeom>
+                  <a:noFill/>
+                </p:spPr>
+                <p:txBody>
+                  <a:bodyPr wrap="square" rtlCol="0">
+                    <a:spAutoFit/>
+                  </a:bodyPr>
+                  <a:lstStyle/>
+                  <a:p>
+                    <a:pPr algn="ctr"/>
+                    <a14:m>
+                      <m:oMathPara xmlns:m="http://schemas.openxmlformats.org/officeDocument/2006/math">
+                        <m:oMathParaPr>
+                          <m:jc m:val="centerGroup"/>
+                        </m:oMathParaPr>
+                        <m:oMath xmlns:m="http://schemas.openxmlformats.org/officeDocument/2006/math">
+                          <m:r>
+                            <a:rPr lang="en-US" altLang="ko-KR" b="0" i="1" smtClean="0">
+                              <a:latin typeface="Cambria Math" panose="02040503050406030204" pitchFamily="18" charset="0"/>
+                            </a:rPr>
+                            <m:t>𝐴</m:t>
+                          </m:r>
+                        </m:oMath>
+                      </m:oMathPara>
+                    </a14:m>
+                    <a:endParaRPr lang="ko-KR" altLang="en-US" dirty="0">
+                      <a:latin typeface="Cambria Math" panose="02040503050406030204" pitchFamily="18" charset="0"/>
+                    </a:endParaRPr>
+                  </a:p>
+                </p:txBody>
+              </p:sp>
+            </mc:Choice>
+            <mc:Fallback>
+              <p:sp>
+                <p:nvSpPr>
+                  <p:cNvPr id="9" name="TextBox 8">
+                    <a:extLst>
+                      <a:ext uri="{FF2B5EF4-FFF2-40B4-BE49-F238E27FC236}">
+                        <a16:creationId xmlns:a16="http://schemas.microsoft.com/office/drawing/2014/main" id="{AF39F158-D968-4094-8956-5E4B5A4B1F5B}"/>
+                      </a:ext>
+                    </a:extLst>
+                  </p:cNvPr>
+                  <p:cNvSpPr txBox="1">
+                    <a:spLocks noRot="1" noChangeAspect="1" noMove="1" noResize="1" noEditPoints="1" noAdjustHandles="1" noChangeArrowheads="1" noChangeShapeType="1" noTextEdit="1"/>
+                  </p:cNvSpPr>
+                  <p:nvPr/>
+                </p:nvSpPr>
+                <p:spPr>
+                  <a:xfrm>
+                    <a:off x="6183874" y="3007644"/>
+                    <a:ext cx="233680" cy="369332"/>
+                  </a:xfrm>
+                  <a:prstGeom prst="rect">
+                    <a:avLst/>
+                  </a:prstGeom>
+                  <a:blipFill>
+                    <a:blip r:embed="rId3"/>
+                    <a:stretch>
+                      <a:fillRect l="-25641" r="-5128"/>
+                    </a:stretch>
+                  </a:blipFill>
+                </p:spPr>
+                <p:txBody>
+                  <a:bodyPr/>
+                  <a:lstStyle/>
+                  <a:p>
+                    <a:r>
+                      <a:rPr lang="ko-KR" altLang="en-US">
+                        <a:noFill/>
+                      </a:rPr>
+                      <a:t> </a:t>
+                    </a:r>
+                  </a:p>
+                </p:txBody>
+              </p:sp>
+            </mc:Fallback>
+          </mc:AlternateContent>
+          <mc:AlternateContent xmlns:mc="http://schemas.openxmlformats.org/markup-compatibility/2006">
+            <mc:Choice xmlns:a14="http://schemas.microsoft.com/office/drawing/2010/main" Requires="a14">
+              <p:sp>
+                <p:nvSpPr>
+                  <p:cNvPr id="10" name="TextBox 9">
+                    <a:extLst>
+                      <a:ext uri="{FF2B5EF4-FFF2-40B4-BE49-F238E27FC236}">
+                        <a16:creationId xmlns:a16="http://schemas.microsoft.com/office/drawing/2014/main" id="{59935640-4EC6-4ABE-9168-1ED865D52F78}"/>
+                      </a:ext>
+                    </a:extLst>
+                  </p:cNvPr>
+                  <p:cNvSpPr txBox="1"/>
+                  <p:nvPr/>
+                </p:nvSpPr>
+                <p:spPr>
+                  <a:xfrm>
+                    <a:off x="7494234" y="2721378"/>
+                    <a:ext cx="398500" cy="369332"/>
+                  </a:xfrm>
+                  <a:prstGeom prst="rect">
+                    <a:avLst/>
+                  </a:prstGeom>
+                  <a:noFill/>
+                </p:spPr>
+                <p:txBody>
+                  <a:bodyPr wrap="square" rtlCol="0">
+                    <a:spAutoFit/>
+                  </a:bodyPr>
+                  <a:lstStyle/>
+                  <a:p>
+                    <a:pPr algn="ctr"/>
+                    <a14:m>
+                      <m:oMathPara xmlns:m="http://schemas.openxmlformats.org/officeDocument/2006/math">
+                        <m:oMathParaPr>
+                          <m:jc m:val="centerGroup"/>
+                        </m:oMathParaPr>
+                        <m:oMath xmlns:m="http://schemas.openxmlformats.org/officeDocument/2006/math">
+                          <m:sSub>
+                            <m:sSubPr>
+                              <m:ctrlPr>
+                                <a:rPr lang="en-US" altLang="ko-KR" b="0" i="1" smtClean="0">
+                                  <a:latin typeface="Cambria Math" panose="02040503050406030204" pitchFamily="18" charset="0"/>
+                                </a:rPr>
+                              </m:ctrlPr>
+                            </m:sSubPr>
+                            <m:e>
+                              <m:r>
+                                <a:rPr lang="en-US" altLang="ko-KR" b="0" i="1" smtClean="0">
+                                  <a:latin typeface="Cambria Math" panose="02040503050406030204" pitchFamily="18" charset="0"/>
+                                </a:rPr>
+                                <m:t>𝑥</m:t>
+                              </m:r>
+                              <m:r>
+                                <a:rPr lang="en-US" altLang="ko-KR" b="0" i="1" smtClean="0">
+                                  <a:latin typeface="Cambria Math" panose="02040503050406030204" pitchFamily="18" charset="0"/>
+                                </a:rPr>
+                                <m:t>′</m:t>
+                              </m:r>
+                            </m:e>
+                            <m:sub>
+                              <m:r>
+                                <a:rPr lang="en-US" altLang="ko-KR" b="0" i="1" smtClean="0">
+                                  <a:latin typeface="Cambria Math" panose="02040503050406030204" pitchFamily="18" charset="0"/>
+                                </a:rPr>
+                                <m:t>𝐵</m:t>
+                              </m:r>
+                            </m:sub>
+                          </m:sSub>
+                        </m:oMath>
+                      </m:oMathPara>
+                    </a14:m>
+                    <a:endParaRPr lang="ko-KR" altLang="en-US" dirty="0">
+                      <a:latin typeface="Cambria Math" panose="02040503050406030204" pitchFamily="18" charset="0"/>
+                    </a:endParaRPr>
+                  </a:p>
+                </p:txBody>
+              </p:sp>
+            </mc:Choice>
+            <mc:Fallback>
+              <p:sp>
+                <p:nvSpPr>
+                  <p:cNvPr id="10" name="TextBox 9">
+                    <a:extLst>
+                      <a:ext uri="{FF2B5EF4-FFF2-40B4-BE49-F238E27FC236}">
+                        <a16:creationId xmlns:a16="http://schemas.microsoft.com/office/drawing/2014/main" id="{59935640-4EC6-4ABE-9168-1ED865D52F78}"/>
+                      </a:ext>
+                    </a:extLst>
+                  </p:cNvPr>
+                  <p:cNvSpPr txBox="1">
+                    <a:spLocks noRot="1" noChangeAspect="1" noMove="1" noResize="1" noEditPoints="1" noAdjustHandles="1" noChangeArrowheads="1" noChangeShapeType="1" noTextEdit="1"/>
+                  </p:cNvSpPr>
+                  <p:nvPr/>
+                </p:nvSpPr>
+                <p:spPr>
+                  <a:xfrm>
+                    <a:off x="7494234" y="2721378"/>
+                    <a:ext cx="398500" cy="369332"/>
+                  </a:xfrm>
+                  <a:prstGeom prst="rect">
+                    <a:avLst/>
+                  </a:prstGeom>
+                  <a:blipFill>
+                    <a:blip r:embed="rId4"/>
+                    <a:stretch>
+                      <a:fillRect l="-9091"/>
+                    </a:stretch>
+                  </a:blipFill>
+                </p:spPr>
+                <p:txBody>
+                  <a:bodyPr/>
+                  <a:lstStyle/>
+                  <a:p>
+                    <a:r>
+                      <a:rPr lang="ko-KR" altLang="en-US">
+                        <a:noFill/>
+                      </a:rPr>
+                      <a:t> </a:t>
+                    </a:r>
+                  </a:p>
+                </p:txBody>
+              </p:sp>
+            </mc:Fallback>
+          </mc:AlternateContent>
+          <p:sp>
+            <p:nvSpPr>
+              <p:cNvPr id="11" name="TextBox 10">
+                <a:extLst>
+                  <a:ext uri="{FF2B5EF4-FFF2-40B4-BE49-F238E27FC236}">
+                    <a16:creationId xmlns:a16="http://schemas.microsoft.com/office/drawing/2014/main" id="{822DEFC2-7EEA-4C6F-95F8-2CA41FAC6503}"/>
+                  </a:ext>
+                </a:extLst>
+              </p:cNvPr>
+              <p:cNvSpPr txBox="1"/>
+              <p:nvPr/>
+            </p:nvSpPr>
+            <p:spPr>
+              <a:xfrm>
+                <a:off x="3795742" y="2429316"/>
+                <a:ext cx="657855" cy="369332"/>
+              </a:xfrm>
+              <a:prstGeom prst="rect">
+                <a:avLst/>
+              </a:prstGeom>
+              <a:noFill/>
+            </p:spPr>
+            <p:txBody>
+              <a:bodyPr wrap="square" rtlCol="0">
+                <a:spAutoFit/>
+              </a:bodyPr>
+              <a:lstStyle/>
+              <a:p>
+                <a:pPr algn="ctr"/>
+                <a:r>
+                  <a:rPr lang="ko-KR" altLang="en-US" dirty="0"/>
+                  <a:t>정지</a:t>
+                </a:r>
+              </a:p>
+            </p:txBody>
+          </p:sp>
+          <p:cxnSp>
+            <p:nvCxnSpPr>
+              <p:cNvPr id="12" name="직선 화살표 연결선 11">
+                <a:extLst>
+                  <a:ext uri="{FF2B5EF4-FFF2-40B4-BE49-F238E27FC236}">
+                    <a16:creationId xmlns:a16="http://schemas.microsoft.com/office/drawing/2014/main" id="{818C5CAC-F82D-4A89-A6FB-03BC0A0111F1}"/>
+                  </a:ext>
+                </a:extLst>
+              </p:cNvPr>
+              <p:cNvCxnSpPr>
+                <a:cxnSpLocks/>
+              </p:cNvCxnSpPr>
+              <p:nvPr/>
+            </p:nvCxnSpPr>
+            <p:spPr>
+              <a:xfrm>
+                <a:off x="6097514" y="2721378"/>
+                <a:ext cx="426720" cy="0"/>
+              </a:xfrm>
+              <a:prstGeom prst="straightConnector1">
+                <a:avLst/>
+              </a:prstGeom>
+              <a:ln w="19050">
+                <a:solidFill>
+                  <a:srgbClr val="FF0000"/>
+                </a:solidFill>
+                <a:tailEnd type="triangle"/>
+              </a:ln>
+            </p:spPr>
+            <p:style>
+              <a:lnRef idx="1">
+                <a:schemeClr val="accent1"/>
+              </a:lnRef>
+              <a:fillRef idx="0">
+                <a:schemeClr val="accent1"/>
+              </a:fillRef>
+              <a:effectRef idx="0">
+                <a:schemeClr val="accent1"/>
+              </a:effectRef>
+              <a:fontRef idx="minor">
+                <a:schemeClr val="tx1"/>
+              </a:fontRef>
+            </p:style>
+          </p:cxnSp>
+          <mc:AlternateContent xmlns:mc="http://schemas.openxmlformats.org/markup-compatibility/2006" xmlns:a14="http://schemas.microsoft.com/office/drawing/2010/main">
+            <mc:Choice Requires="a14">
+              <p:sp>
+                <p:nvSpPr>
+                  <p:cNvPr id="13" name="TextBox 12">
+                    <a:extLst>
+                      <a:ext uri="{FF2B5EF4-FFF2-40B4-BE49-F238E27FC236}">
+                        <a16:creationId xmlns:a16="http://schemas.microsoft.com/office/drawing/2014/main" id="{1429161C-1EA1-418B-95BA-B417D5761E7D}"/>
+                      </a:ext>
+                    </a:extLst>
+                  </p:cNvPr>
+                  <p:cNvSpPr txBox="1"/>
+                  <p:nvPr/>
+                </p:nvSpPr>
+                <p:spPr>
+                  <a:xfrm>
+                    <a:off x="6205604" y="2361313"/>
+                    <a:ext cx="233680" cy="369332"/>
+                  </a:xfrm>
+                  <a:prstGeom prst="rect">
+                    <a:avLst/>
+                  </a:prstGeom>
+                  <a:noFill/>
+                </p:spPr>
+                <p:txBody>
+                  <a:bodyPr wrap="square" rtlCol="0">
+                    <a:spAutoFit/>
+                  </a:bodyPr>
+                  <a:lstStyle/>
+                  <a:p>
+                    <a:pPr algn="ctr"/>
+                    <a14:m>
+                      <m:oMathPara xmlns:m="http://schemas.openxmlformats.org/officeDocument/2006/math">
+                        <m:oMathParaPr>
+                          <m:jc m:val="centerGroup"/>
+                        </m:oMathParaPr>
+                        <m:oMath xmlns:m="http://schemas.openxmlformats.org/officeDocument/2006/math">
+                          <m:r>
+                            <a:rPr lang="en-US" altLang="ko-KR" b="0" i="1" smtClean="0">
+                              <a:latin typeface="Cambria Math" panose="02040503050406030204" pitchFamily="18" charset="0"/>
+                            </a:rPr>
+                            <m:t>𝑣</m:t>
+                          </m:r>
+                        </m:oMath>
+                      </m:oMathPara>
+                    </a14:m>
+                    <a:endParaRPr lang="ko-KR" altLang="en-US" dirty="0">
+                      <a:latin typeface="Cambria Math" panose="02040503050406030204" pitchFamily="18" charset="0"/>
+                    </a:endParaRPr>
+                  </a:p>
+                </p:txBody>
+              </p:sp>
+            </mc:Choice>
+            <mc:Fallback xmlns="">
+              <p:sp>
+                <p:nvSpPr>
+                  <p:cNvPr id="18" name="TextBox 17">
+                    <a:extLst>
+                      <a:ext uri="{FF2B5EF4-FFF2-40B4-BE49-F238E27FC236}">
+                        <a16:creationId xmlns:a16="http://schemas.microsoft.com/office/drawing/2014/main" id="{64F12715-E915-4875-82DD-69659255BC23}"/>
+                      </a:ext>
+                    </a:extLst>
+                  </p:cNvPr>
+                  <p:cNvSpPr txBox="1">
+                    <a:spLocks noRot="1" noChangeAspect="1" noMove="1" noResize="1" noEditPoints="1" noAdjustHandles="1" noChangeArrowheads="1" noChangeShapeType="1" noTextEdit="1"/>
+                  </p:cNvSpPr>
+                  <p:nvPr/>
+                </p:nvSpPr>
+                <p:spPr>
+                  <a:xfrm>
+                    <a:off x="6205604" y="2361313"/>
+                    <a:ext cx="233680" cy="369332"/>
+                  </a:xfrm>
+                  <a:prstGeom prst="rect">
+                    <a:avLst/>
+                  </a:prstGeom>
+                  <a:blipFill>
+                    <a:blip r:embed="rId5"/>
+                    <a:stretch>
+                      <a:fillRect l="-15789"/>
+                    </a:stretch>
+                  </a:blipFill>
+                </p:spPr>
+                <p:txBody>
+                  <a:bodyPr/>
+                  <a:lstStyle/>
+                  <a:p>
+                    <a:r>
+                      <a:rPr lang="ko-KR" altLang="en-US">
+                        <a:noFill/>
+                      </a:rPr>
+                      <a:t> </a:t>
+                    </a:r>
+                  </a:p>
+                </p:txBody>
+              </p:sp>
+            </mc:Fallback>
+          </mc:AlternateContent>
+          <p:cxnSp>
+            <p:nvCxnSpPr>
+              <p:cNvPr id="14" name="직선 화살표 연결선 13">
+                <a:extLst>
+                  <a:ext uri="{FF2B5EF4-FFF2-40B4-BE49-F238E27FC236}">
+                    <a16:creationId xmlns:a16="http://schemas.microsoft.com/office/drawing/2014/main" id="{FE40A495-E731-45D5-B15A-544FDF8BC42B}"/>
+                  </a:ext>
+                </a:extLst>
+              </p:cNvPr>
+              <p:cNvCxnSpPr>
+                <a:cxnSpLocks/>
+              </p:cNvCxnSpPr>
+              <p:nvPr/>
+            </p:nvCxnSpPr>
+            <p:spPr>
+              <a:xfrm flipV="1">
+                <a:off x="2861274" y="936434"/>
+                <a:ext cx="7247" cy="1969610"/>
+              </a:xfrm>
+              <a:prstGeom prst="straightConnector1">
+                <a:avLst/>
+              </a:prstGeom>
+              <a:ln w="19050">
+                <a:solidFill>
+                  <a:schemeClr val="tx1"/>
+                </a:solidFill>
+                <a:tailEnd type="triangle"/>
+              </a:ln>
+            </p:spPr>
+            <p:style>
+              <a:lnRef idx="1">
+                <a:schemeClr val="accent1"/>
+              </a:lnRef>
+              <a:fillRef idx="0">
+                <a:schemeClr val="accent1"/>
+              </a:fillRef>
+              <a:effectRef idx="0">
+                <a:schemeClr val="accent1"/>
+              </a:effectRef>
+              <a:fontRef idx="minor">
+                <a:schemeClr val="tx1"/>
+              </a:fontRef>
+            </p:style>
+          </p:cxnSp>
+          <p:cxnSp>
+            <p:nvCxnSpPr>
+              <p:cNvPr id="15" name="직선 화살표 연결선 14">
+                <a:extLst>
+                  <a:ext uri="{FF2B5EF4-FFF2-40B4-BE49-F238E27FC236}">
+                    <a16:creationId xmlns:a16="http://schemas.microsoft.com/office/drawing/2014/main" id="{23DD929E-D94F-4AE2-8E8B-61C24A487F25}"/>
+                  </a:ext>
+                </a:extLst>
+              </p:cNvPr>
+              <p:cNvCxnSpPr>
+                <a:cxnSpLocks/>
+              </p:cNvCxnSpPr>
+              <p:nvPr/>
+            </p:nvCxnSpPr>
+            <p:spPr>
+              <a:xfrm flipH="1">
+                <a:off x="1605125" y="2906044"/>
+                <a:ext cx="1263396" cy="626588"/>
+              </a:xfrm>
+              <a:prstGeom prst="straightConnector1">
+                <a:avLst/>
+              </a:prstGeom>
+              <a:ln w="19050">
+                <a:solidFill>
+                  <a:schemeClr val="tx1"/>
+                </a:solidFill>
+                <a:tailEnd type="triangle"/>
+              </a:ln>
+            </p:spPr>
+            <p:style>
+              <a:lnRef idx="1">
+                <a:schemeClr val="accent1"/>
+              </a:lnRef>
+              <a:fillRef idx="0">
+                <a:schemeClr val="accent1"/>
+              </a:fillRef>
+              <a:effectRef idx="0">
+                <a:schemeClr val="accent1"/>
+              </a:effectRef>
+              <a:fontRef idx="minor">
+                <a:schemeClr val="tx1"/>
+              </a:fontRef>
+            </p:style>
+          </p:cxnSp>
+          <p:sp>
+            <p:nvSpPr>
+              <p:cNvPr id="16" name="평행 사변형 15">
+                <a:extLst>
+                  <a:ext uri="{FF2B5EF4-FFF2-40B4-BE49-F238E27FC236}">
+                    <a16:creationId xmlns:a16="http://schemas.microsoft.com/office/drawing/2014/main" id="{492EE912-F2A9-4990-B224-74B949076469}"/>
+                  </a:ext>
+                </a:extLst>
+              </p:cNvPr>
+              <p:cNvSpPr/>
+              <p:nvPr/>
+            </p:nvSpPr>
+            <p:spPr>
+              <a:xfrm>
+                <a:off x="950204" y="1353814"/>
+                <a:ext cx="7463206" cy="832100"/>
+              </a:xfrm>
+              <a:prstGeom prst="parallelogram">
+                <a:avLst>
+                  <a:gd name="adj" fmla="val 195237"/>
+                </a:avLst>
+              </a:prstGeom>
+              <a:solidFill>
+                <a:schemeClr val="accent1">
+                  <a:alpha val="50000"/>
+                </a:schemeClr>
+              </a:solidFill>
+            </p:spPr>
+            <p:style>
+              <a:lnRef idx="2">
+                <a:schemeClr val="accent1">
+                  <a:shade val="50000"/>
+                </a:schemeClr>
+              </a:lnRef>
+              <a:fillRef idx="1">
+                <a:schemeClr val="accent1"/>
+              </a:fillRef>
+              <a:effectRef idx="0">
+                <a:schemeClr val="accent1"/>
+              </a:effectRef>
+              <a:fontRef idx="minor">
+                <a:schemeClr val="lt1"/>
+              </a:fontRef>
+            </p:style>
+            <p:txBody>
+              <a:bodyPr rtlCol="0" anchor="ctr"/>
+              <a:lstStyle/>
+              <a:p>
+                <a:pPr algn="ctr"/>
+                <a:endParaRPr lang="ko-KR" altLang="en-US" dirty="0"/>
+              </a:p>
+            </p:txBody>
+          </p:sp>
+          <p:sp>
+            <p:nvSpPr>
+              <p:cNvPr id="17" name="타원 16">
+                <a:extLst>
+                  <a:ext uri="{FF2B5EF4-FFF2-40B4-BE49-F238E27FC236}">
+                    <a16:creationId xmlns:a16="http://schemas.microsoft.com/office/drawing/2014/main" id="{A8D28B60-66ED-41D4-9266-DACA9C6E2434}"/>
+                  </a:ext>
+                </a:extLst>
+              </p:cNvPr>
+              <p:cNvSpPr>
+                <a:spLocks noChangeAspect="1"/>
+              </p:cNvSpPr>
+              <p:nvPr/>
+            </p:nvSpPr>
+            <p:spPr>
+              <a:xfrm>
+                <a:off x="4073870" y="1769864"/>
+                <a:ext cx="101600" cy="101600"/>
+              </a:xfrm>
+              <a:prstGeom prst="ellipse">
+                <a:avLst/>
+              </a:prstGeom>
+              <a:solidFill>
+                <a:schemeClr val="tx1"/>
+              </a:solidFill>
+              <a:ln w="0">
+                <a:noFill/>
+              </a:ln>
+            </p:spPr>
+            <p:style>
+              <a:lnRef idx="2">
+                <a:schemeClr val="accent1">
+                  <a:shade val="50000"/>
+                </a:schemeClr>
+              </a:lnRef>
+              <a:fillRef idx="1">
+                <a:schemeClr val="accent1"/>
+              </a:fillRef>
+              <a:effectRef idx="0">
+                <a:schemeClr val="accent1"/>
+              </a:effectRef>
+              <a:fontRef idx="minor">
+                <a:schemeClr val="lt1"/>
+              </a:fontRef>
+            </p:style>
+            <p:txBody>
+              <a:bodyPr rtlCol="0" anchor="ctr"/>
+              <a:lstStyle/>
+              <a:p>
+                <a:pPr algn="ctr"/>
+                <a:endParaRPr lang="ko-KR" altLang="en-US"/>
+              </a:p>
+            </p:txBody>
+          </p:sp>
+          <p:sp>
+            <p:nvSpPr>
+              <p:cNvPr id="18" name="타원 17">
+                <a:extLst>
+                  <a:ext uri="{FF2B5EF4-FFF2-40B4-BE49-F238E27FC236}">
+                    <a16:creationId xmlns:a16="http://schemas.microsoft.com/office/drawing/2014/main" id="{0F754C2C-66BE-49A6-9B06-B6CF0E4A343D}"/>
+                  </a:ext>
+                </a:extLst>
+              </p:cNvPr>
+              <p:cNvSpPr>
+                <a:spLocks noChangeAspect="1"/>
+              </p:cNvSpPr>
+              <p:nvPr/>
+            </p:nvSpPr>
+            <p:spPr>
+              <a:xfrm>
+                <a:off x="6247760" y="1769864"/>
+                <a:ext cx="101600" cy="101600"/>
+              </a:xfrm>
+              <a:prstGeom prst="ellipse">
+                <a:avLst/>
+              </a:prstGeom>
+              <a:solidFill>
+                <a:schemeClr val="tx1"/>
+              </a:solidFill>
+              <a:ln w="0">
+                <a:noFill/>
+              </a:ln>
+            </p:spPr>
+            <p:style>
+              <a:lnRef idx="2">
+                <a:schemeClr val="accent1">
+                  <a:shade val="50000"/>
+                </a:schemeClr>
+              </a:lnRef>
+              <a:fillRef idx="1">
+                <a:schemeClr val="accent1"/>
+              </a:fillRef>
+              <a:effectRef idx="0">
+                <a:schemeClr val="accent1"/>
+              </a:effectRef>
+              <a:fontRef idx="minor">
+                <a:schemeClr val="lt1"/>
+              </a:fontRef>
+            </p:style>
+            <p:txBody>
+              <a:bodyPr rtlCol="0" anchor="ctr"/>
+              <a:lstStyle/>
+              <a:p>
+                <a:pPr algn="ctr"/>
+                <a:endParaRPr lang="ko-KR" altLang="en-US"/>
+              </a:p>
+            </p:txBody>
+          </p:sp>
+          <p:sp>
+            <p:nvSpPr>
+              <p:cNvPr id="19" name="왼쪽 중괄호 18">
+                <a:extLst>
+                  <a:ext uri="{FF2B5EF4-FFF2-40B4-BE49-F238E27FC236}">
+                    <a16:creationId xmlns:a16="http://schemas.microsoft.com/office/drawing/2014/main" id="{0954936C-69F4-49F3-9108-5B69EB6B4B03}"/>
+                  </a:ext>
+                </a:extLst>
+              </p:cNvPr>
+              <p:cNvSpPr/>
+              <p:nvPr/>
+            </p:nvSpPr>
+            <p:spPr>
+              <a:xfrm>
+                <a:off x="2524248" y="1811093"/>
+                <a:ext cx="337026" cy="1094951"/>
+              </a:xfrm>
+              <a:prstGeom prst="leftBrace">
+                <a:avLst/>
+              </a:prstGeom>
+              <a:ln w="19050">
+                <a:solidFill>
+                  <a:schemeClr val="tx1"/>
+                </a:solidFill>
+              </a:ln>
+            </p:spPr>
+            <p:style>
+              <a:lnRef idx="1">
+                <a:schemeClr val="accent1"/>
+              </a:lnRef>
+              <a:fillRef idx="0">
+                <a:schemeClr val="accent1"/>
+              </a:fillRef>
+              <a:effectRef idx="0">
+                <a:schemeClr val="accent1"/>
+              </a:effectRef>
+              <a:fontRef idx="minor">
+                <a:schemeClr val="tx1"/>
+              </a:fontRef>
+            </p:style>
+            <p:txBody>
+              <a:bodyPr rtlCol="0" anchor="ctr"/>
+              <a:lstStyle/>
+              <a:p>
+                <a:pPr algn="ctr"/>
+                <a:endParaRPr lang="ko-KR" altLang="en-US"/>
+              </a:p>
+            </p:txBody>
+          </p:sp>
+          <p:sp>
+            <p:nvSpPr>
+              <p:cNvPr id="20" name="타원 19">
+                <a:extLst>
+                  <a:ext uri="{FF2B5EF4-FFF2-40B4-BE49-F238E27FC236}">
+                    <a16:creationId xmlns:a16="http://schemas.microsoft.com/office/drawing/2014/main" id="{268A7DA8-9F89-4E91-B065-6341C321F263}"/>
+                  </a:ext>
+                </a:extLst>
+              </p:cNvPr>
+              <p:cNvSpPr>
+                <a:spLocks noChangeAspect="1"/>
+              </p:cNvSpPr>
+              <p:nvPr/>
+            </p:nvSpPr>
+            <p:spPr>
+              <a:xfrm>
+                <a:off x="2826347" y="1769864"/>
+                <a:ext cx="101600" cy="101600"/>
+              </a:xfrm>
+              <a:prstGeom prst="ellipse">
+                <a:avLst/>
+              </a:prstGeom>
+              <a:solidFill>
+                <a:schemeClr val="tx1"/>
+              </a:solidFill>
+              <a:ln w="0">
+                <a:noFill/>
+              </a:ln>
+            </p:spPr>
+            <p:style>
+              <a:lnRef idx="2">
+                <a:schemeClr val="accent1">
+                  <a:shade val="50000"/>
+                </a:schemeClr>
+              </a:lnRef>
+              <a:fillRef idx="1">
+                <a:schemeClr val="accent1"/>
+              </a:fillRef>
+              <a:effectRef idx="0">
+                <a:schemeClr val="accent1"/>
+              </a:effectRef>
+              <a:fontRef idx="minor">
+                <a:schemeClr val="lt1"/>
+              </a:fontRef>
+            </p:style>
+            <p:txBody>
+              <a:bodyPr rtlCol="0" anchor="ctr"/>
+              <a:lstStyle/>
+              <a:p>
+                <a:pPr algn="ctr"/>
+                <a:endParaRPr lang="ko-KR" altLang="en-US"/>
+              </a:p>
+            </p:txBody>
+          </p:sp>
+          <p:sp>
+            <p:nvSpPr>
+              <p:cNvPr id="21" name="타원 20">
+                <a:extLst>
+                  <a:ext uri="{FF2B5EF4-FFF2-40B4-BE49-F238E27FC236}">
+                    <a16:creationId xmlns:a16="http://schemas.microsoft.com/office/drawing/2014/main" id="{40E81413-2CEC-4AAE-AD2A-2349614134DC}"/>
+                  </a:ext>
+                </a:extLst>
+              </p:cNvPr>
+              <p:cNvSpPr>
+                <a:spLocks noChangeAspect="1"/>
+              </p:cNvSpPr>
+              <p:nvPr/>
+            </p:nvSpPr>
+            <p:spPr>
+              <a:xfrm>
+                <a:off x="2817721" y="2851712"/>
+                <a:ext cx="101600" cy="101600"/>
+              </a:xfrm>
+              <a:prstGeom prst="ellipse">
+                <a:avLst/>
+              </a:prstGeom>
+              <a:solidFill>
+                <a:schemeClr val="tx1"/>
+              </a:solidFill>
+              <a:ln w="0">
+                <a:noFill/>
+              </a:ln>
+            </p:spPr>
+            <p:style>
+              <a:lnRef idx="2">
+                <a:schemeClr val="accent1">
+                  <a:shade val="50000"/>
+                </a:schemeClr>
+              </a:lnRef>
+              <a:fillRef idx="1">
+                <a:schemeClr val="accent1"/>
+              </a:fillRef>
+              <a:effectRef idx="0">
+                <a:schemeClr val="accent1"/>
+              </a:effectRef>
+              <a:fontRef idx="minor">
+                <a:schemeClr val="lt1"/>
+              </a:fontRef>
+            </p:style>
+            <p:txBody>
+              <a:bodyPr rtlCol="0" anchor="ctr"/>
+              <a:lstStyle/>
+              <a:p>
+                <a:pPr algn="ctr"/>
+                <a:endParaRPr lang="ko-KR" altLang="en-US"/>
+              </a:p>
+            </p:txBody>
+          </p:sp>
+          <p:cxnSp>
+            <p:nvCxnSpPr>
+              <p:cNvPr id="22" name="직선 화살표 연결선 21">
+                <a:extLst>
+                  <a:ext uri="{FF2B5EF4-FFF2-40B4-BE49-F238E27FC236}">
+                    <a16:creationId xmlns:a16="http://schemas.microsoft.com/office/drawing/2014/main" id="{F7010656-CC8D-4E21-B0F4-CAF3BCAE9D1D}"/>
+                  </a:ext>
+                </a:extLst>
+              </p:cNvPr>
+              <p:cNvCxnSpPr>
+                <a:cxnSpLocks/>
+              </p:cNvCxnSpPr>
+              <p:nvPr/>
+            </p:nvCxnSpPr>
+            <p:spPr>
+              <a:xfrm>
+                <a:off x="2861274" y="1811093"/>
+                <a:ext cx="4632960" cy="0"/>
+              </a:xfrm>
+              <a:prstGeom prst="straightConnector1">
+                <a:avLst/>
+              </a:prstGeom>
+              <a:ln w="19050">
+                <a:solidFill>
+                  <a:schemeClr val="tx1"/>
+                </a:solidFill>
+                <a:tailEnd type="triangle"/>
+              </a:ln>
+            </p:spPr>
+            <p:style>
+              <a:lnRef idx="1">
+                <a:schemeClr val="accent1"/>
+              </a:lnRef>
+              <a:fillRef idx="0">
+                <a:schemeClr val="accent1"/>
+              </a:fillRef>
+              <a:effectRef idx="0">
+                <a:schemeClr val="accent1"/>
+              </a:effectRef>
+              <a:fontRef idx="minor">
+                <a:schemeClr val="tx1"/>
+              </a:fontRef>
+            </p:style>
+          </p:cxnSp>
+          <mc:AlternateContent xmlns:mc="http://schemas.openxmlformats.org/markup-compatibility/2006">
+            <mc:Choice xmlns:a14="http://schemas.microsoft.com/office/drawing/2010/main" Requires="a14">
+              <p:sp>
+                <p:nvSpPr>
+                  <p:cNvPr id="23" name="TextBox 22">
+                    <a:extLst>
+                      <a:ext uri="{FF2B5EF4-FFF2-40B4-BE49-F238E27FC236}">
+                        <a16:creationId xmlns:a16="http://schemas.microsoft.com/office/drawing/2014/main" id="{BA66DE97-E61F-4A2A-9857-C2DBCCAD0ED8}"/>
+                      </a:ext>
+                    </a:extLst>
+                  </p:cNvPr>
+                  <p:cNvSpPr txBox="1"/>
+                  <p:nvPr/>
+                </p:nvSpPr>
+                <p:spPr>
+                  <a:xfrm>
+                    <a:off x="2669271" y="506732"/>
+                    <a:ext cx="398500" cy="369332"/>
+                  </a:xfrm>
+                  <a:prstGeom prst="rect">
+                    <a:avLst/>
+                  </a:prstGeom>
+                  <a:noFill/>
+                </p:spPr>
+                <p:txBody>
+                  <a:bodyPr wrap="square" rtlCol="0">
+                    <a:spAutoFit/>
+                  </a:bodyPr>
+                  <a:lstStyle/>
+                  <a:p>
+                    <a:pPr algn="ctr"/>
+                    <a14:m>
+                      <m:oMathPara xmlns:m="http://schemas.openxmlformats.org/officeDocument/2006/math">
+                        <m:oMathParaPr>
+                          <m:jc m:val="centerGroup"/>
+                        </m:oMathParaPr>
+                        <m:oMath xmlns:m="http://schemas.openxmlformats.org/officeDocument/2006/math">
+                          <m:sSub>
+                            <m:sSubPr>
+                              <m:ctrlPr>
+                                <a:rPr lang="en-US" altLang="ko-KR" b="0" i="1" smtClean="0">
+                                  <a:latin typeface="Cambria Math" panose="02040503050406030204" pitchFamily="18" charset="0"/>
+                                </a:rPr>
+                              </m:ctrlPr>
+                            </m:sSubPr>
+                            <m:e>
+                              <m:r>
+                                <a:rPr lang="en-US" altLang="ko-KR" b="0" i="1" smtClean="0">
+                                  <a:latin typeface="Cambria Math" panose="02040503050406030204" pitchFamily="18" charset="0"/>
+                                </a:rPr>
+                                <m:t>𝑧</m:t>
+                              </m:r>
+                            </m:e>
+                            <m:sub>
+                              <m:r>
+                                <a:rPr lang="en-US" altLang="ko-KR" b="0" i="1" smtClean="0">
+                                  <a:latin typeface="Cambria Math" panose="02040503050406030204" pitchFamily="18" charset="0"/>
+                                </a:rPr>
+                                <m:t>𝐵</m:t>
+                              </m:r>
+                            </m:sub>
+                          </m:sSub>
+                        </m:oMath>
+                      </m:oMathPara>
+                    </a14:m>
+                    <a:endParaRPr lang="ko-KR" altLang="en-US" dirty="0">
+                      <a:latin typeface="Cambria Math" panose="02040503050406030204" pitchFamily="18" charset="0"/>
+                    </a:endParaRPr>
+                  </a:p>
+                </p:txBody>
+              </p:sp>
+            </mc:Choice>
+            <mc:Fallback>
+              <p:sp>
+                <p:nvSpPr>
+                  <p:cNvPr id="23" name="TextBox 22">
+                    <a:extLst>
+                      <a:ext uri="{FF2B5EF4-FFF2-40B4-BE49-F238E27FC236}">
+                        <a16:creationId xmlns:a16="http://schemas.microsoft.com/office/drawing/2014/main" id="{BA66DE97-E61F-4A2A-9857-C2DBCCAD0ED8}"/>
+                      </a:ext>
+                    </a:extLst>
+                  </p:cNvPr>
+                  <p:cNvSpPr txBox="1">
+                    <a:spLocks noRot="1" noChangeAspect="1" noMove="1" noResize="1" noEditPoints="1" noAdjustHandles="1" noChangeArrowheads="1" noChangeShapeType="1" noTextEdit="1"/>
+                  </p:cNvSpPr>
+                  <p:nvPr/>
+                </p:nvSpPr>
+                <p:spPr>
+                  <a:xfrm>
+                    <a:off x="2669271" y="506732"/>
+                    <a:ext cx="398500" cy="369332"/>
+                  </a:xfrm>
+                  <a:prstGeom prst="rect">
+                    <a:avLst/>
+                  </a:prstGeom>
+                  <a:blipFill>
+                    <a:blip r:embed="rId6"/>
+                    <a:stretch>
+                      <a:fillRect l="-1538" b="-1667"/>
+                    </a:stretch>
+                  </a:blipFill>
+                </p:spPr>
+                <p:txBody>
+                  <a:bodyPr/>
+                  <a:lstStyle/>
+                  <a:p>
+                    <a:r>
+                      <a:rPr lang="ko-KR" altLang="en-US">
+                        <a:noFill/>
+                      </a:rPr>
+                      <a:t> </a:t>
+                    </a:r>
+                  </a:p>
+                </p:txBody>
+              </p:sp>
+            </mc:Fallback>
+          </mc:AlternateContent>
+          <mc:AlternateContent xmlns:mc="http://schemas.openxmlformats.org/markup-compatibility/2006" xmlns:a14="http://schemas.microsoft.com/office/drawing/2010/main">
+            <mc:Choice Requires="a14">
+              <p:sp>
+                <p:nvSpPr>
+                  <p:cNvPr id="24" name="TextBox 23">
+                    <a:extLst>
+                      <a:ext uri="{FF2B5EF4-FFF2-40B4-BE49-F238E27FC236}">
+                        <a16:creationId xmlns:a16="http://schemas.microsoft.com/office/drawing/2014/main" id="{78468DBA-960F-4C2F-A9CC-8C477ED0618F}"/>
+                      </a:ext>
+                    </a:extLst>
+                  </p:cNvPr>
+                  <p:cNvSpPr txBox="1"/>
+                  <p:nvPr/>
+                </p:nvSpPr>
+                <p:spPr>
+                  <a:xfrm>
+                    <a:off x="2095011" y="2173902"/>
+                    <a:ext cx="398500" cy="369332"/>
+                  </a:xfrm>
+                  <a:prstGeom prst="rect">
+                    <a:avLst/>
+                  </a:prstGeom>
+                  <a:noFill/>
+                </p:spPr>
+                <p:txBody>
+                  <a:bodyPr wrap="square" rtlCol="0">
+                    <a:spAutoFit/>
+                  </a:bodyPr>
+                  <a:lstStyle/>
+                  <a:p>
+                    <a:pPr algn="ctr"/>
+                    <a14:m>
+                      <m:oMathPara xmlns:m="http://schemas.openxmlformats.org/officeDocument/2006/math">
+                        <m:oMathParaPr>
+                          <m:jc m:val="centerGroup"/>
+                        </m:oMathParaPr>
+                        <m:oMath xmlns:m="http://schemas.openxmlformats.org/officeDocument/2006/math">
+                          <m:sSub>
+                            <m:sSubPr>
+                              <m:ctrlPr>
+                                <a:rPr lang="en-US" altLang="ko-KR" b="0" i="1" smtClean="0">
+                                  <a:latin typeface="Cambria Math" panose="02040503050406030204" pitchFamily="18" charset="0"/>
+                                </a:rPr>
+                              </m:ctrlPr>
+                            </m:sSubPr>
+                            <m:e>
+                              <m:r>
+                                <a:rPr lang="en-US" altLang="ko-KR" b="0" i="1" smtClean="0">
+                                  <a:latin typeface="Cambria Math" panose="02040503050406030204" pitchFamily="18" charset="0"/>
+                                </a:rPr>
+                                <m:t>𝑘</m:t>
+                              </m:r>
+                            </m:e>
+                            <m:sub>
+                              <m:r>
+                                <a:rPr lang="en-US" altLang="ko-KR" b="0" i="1" smtClean="0">
+                                  <a:latin typeface="Cambria Math" panose="02040503050406030204" pitchFamily="18" charset="0"/>
+                                </a:rPr>
+                                <m:t>𝐴</m:t>
+                              </m:r>
+                            </m:sub>
+                          </m:sSub>
+                        </m:oMath>
+                      </m:oMathPara>
+                    </a14:m>
+                    <a:endParaRPr lang="ko-KR" altLang="en-US" dirty="0">
+                      <a:latin typeface="Cambria Math" panose="02040503050406030204" pitchFamily="18" charset="0"/>
+                    </a:endParaRPr>
+                  </a:p>
+                </p:txBody>
+              </p:sp>
+            </mc:Choice>
+            <mc:Fallback xmlns="">
+              <p:sp>
+                <p:nvSpPr>
+                  <p:cNvPr id="46" name="TextBox 45">
+                    <a:extLst>
+                      <a:ext uri="{FF2B5EF4-FFF2-40B4-BE49-F238E27FC236}">
+                        <a16:creationId xmlns:a16="http://schemas.microsoft.com/office/drawing/2014/main" id="{A8F64A91-014A-451F-B539-CC6D4FF33F89}"/>
+                      </a:ext>
+                    </a:extLst>
+                  </p:cNvPr>
+                  <p:cNvSpPr txBox="1">
+                    <a:spLocks noRot="1" noChangeAspect="1" noMove="1" noResize="1" noEditPoints="1" noAdjustHandles="1" noChangeArrowheads="1" noChangeShapeType="1" noTextEdit="1"/>
+                  </p:cNvSpPr>
+                  <p:nvPr/>
+                </p:nvSpPr>
+                <p:spPr>
+                  <a:xfrm>
+                    <a:off x="2095011" y="2173902"/>
+                    <a:ext cx="398500" cy="369332"/>
+                  </a:xfrm>
+                  <a:prstGeom prst="rect">
+                    <a:avLst/>
+                  </a:prstGeom>
+                  <a:blipFill>
+                    <a:blip r:embed="rId7"/>
+                    <a:stretch>
+                      <a:fillRect l="-7692"/>
+                    </a:stretch>
+                  </a:blipFill>
+                </p:spPr>
+                <p:txBody>
+                  <a:bodyPr/>
+                  <a:lstStyle/>
+                  <a:p>
+                    <a:r>
+                      <a:rPr lang="ko-KR" altLang="en-US">
+                        <a:noFill/>
+                      </a:rPr>
+                      <a:t> </a:t>
+                    </a:r>
+                  </a:p>
+                </p:txBody>
+              </p:sp>
+            </mc:Fallback>
+          </mc:AlternateContent>
+          <mc:AlternateContent xmlns:mc="http://schemas.openxmlformats.org/markup-compatibility/2006">
+            <mc:Choice xmlns:a14="http://schemas.microsoft.com/office/drawing/2010/main" Requires="a14">
+              <p:sp>
+                <p:nvSpPr>
+                  <p:cNvPr id="25" name="TextBox 24">
+                    <a:extLst>
+                      <a:ext uri="{FF2B5EF4-FFF2-40B4-BE49-F238E27FC236}">
+                        <a16:creationId xmlns:a16="http://schemas.microsoft.com/office/drawing/2014/main" id="{30F05C52-BFFD-4F94-B739-8DA1ADCF7D81}"/>
+                      </a:ext>
+                    </a:extLst>
+                  </p:cNvPr>
+                  <p:cNvSpPr txBox="1"/>
+                  <p:nvPr/>
+                </p:nvSpPr>
+                <p:spPr>
+                  <a:xfrm>
+                    <a:off x="1292370" y="3448625"/>
+                    <a:ext cx="398500" cy="369332"/>
+                  </a:xfrm>
+                  <a:prstGeom prst="rect">
+                    <a:avLst/>
+                  </a:prstGeom>
+                  <a:noFill/>
+                </p:spPr>
+                <p:txBody>
+                  <a:bodyPr wrap="square" rtlCol="0">
+                    <a:spAutoFit/>
+                  </a:bodyPr>
+                  <a:lstStyle/>
+                  <a:p>
+                    <a:pPr algn="ctr"/>
+                    <a14:m>
+                      <m:oMathPara xmlns:m="http://schemas.openxmlformats.org/officeDocument/2006/math">
+                        <m:oMathParaPr>
+                          <m:jc m:val="centerGroup"/>
+                        </m:oMathParaPr>
+                        <m:oMath xmlns:m="http://schemas.openxmlformats.org/officeDocument/2006/math">
+                          <m:sSub>
+                            <m:sSubPr>
+                              <m:ctrlPr>
+                                <a:rPr lang="en-US" altLang="ko-KR" b="0" i="1" smtClean="0">
+                                  <a:latin typeface="Cambria Math" panose="02040503050406030204" pitchFamily="18" charset="0"/>
+                                </a:rPr>
+                              </m:ctrlPr>
+                            </m:sSubPr>
+                            <m:e>
+                              <m:r>
+                                <a:rPr lang="en-US" altLang="ko-KR" b="0" i="1" smtClean="0">
+                                  <a:latin typeface="Cambria Math" panose="02040503050406030204" pitchFamily="18" charset="0"/>
+                                </a:rPr>
+                                <m:t>𝑦</m:t>
+                              </m:r>
+                              <m:r>
+                                <a:rPr lang="en-US" altLang="ko-KR" b="0" i="1" smtClean="0">
+                                  <a:latin typeface="Cambria Math" panose="02040503050406030204" pitchFamily="18" charset="0"/>
+                                </a:rPr>
+                                <m:t>′</m:t>
+                              </m:r>
+                            </m:e>
+                            <m:sub>
+                              <m:r>
+                                <a:rPr lang="en-US" altLang="ko-KR" b="0" i="1" smtClean="0">
+                                  <a:latin typeface="Cambria Math" panose="02040503050406030204" pitchFamily="18" charset="0"/>
+                                </a:rPr>
+                                <m:t>𝐵</m:t>
+                              </m:r>
+                            </m:sub>
+                          </m:sSub>
+                        </m:oMath>
+                      </m:oMathPara>
+                    </a14:m>
+                    <a:endParaRPr lang="ko-KR" altLang="en-US" dirty="0">
+                      <a:latin typeface="Cambria Math" panose="02040503050406030204" pitchFamily="18" charset="0"/>
+                    </a:endParaRPr>
+                  </a:p>
+                </p:txBody>
+              </p:sp>
+            </mc:Choice>
+            <mc:Fallback>
+              <p:sp>
+                <p:nvSpPr>
+                  <p:cNvPr id="25" name="TextBox 24">
+                    <a:extLst>
+                      <a:ext uri="{FF2B5EF4-FFF2-40B4-BE49-F238E27FC236}">
+                        <a16:creationId xmlns:a16="http://schemas.microsoft.com/office/drawing/2014/main" id="{30F05C52-BFFD-4F94-B739-8DA1ADCF7D81}"/>
+                      </a:ext>
+                    </a:extLst>
+                  </p:cNvPr>
+                  <p:cNvSpPr txBox="1">
+                    <a:spLocks noRot="1" noChangeAspect="1" noMove="1" noResize="1" noEditPoints="1" noAdjustHandles="1" noChangeArrowheads="1" noChangeShapeType="1" noTextEdit="1"/>
+                  </p:cNvSpPr>
+                  <p:nvPr/>
+                </p:nvSpPr>
+                <p:spPr>
+                  <a:xfrm>
+                    <a:off x="1292370" y="3448625"/>
+                    <a:ext cx="398500" cy="369332"/>
+                  </a:xfrm>
+                  <a:prstGeom prst="rect">
+                    <a:avLst/>
+                  </a:prstGeom>
+                  <a:blipFill>
+                    <a:blip r:embed="rId8"/>
+                    <a:stretch>
+                      <a:fillRect l="-24615" b="-16393"/>
+                    </a:stretch>
+                  </a:blipFill>
+                </p:spPr>
+                <p:txBody>
+                  <a:bodyPr/>
+                  <a:lstStyle/>
+                  <a:p>
+                    <a:r>
+                      <a:rPr lang="ko-KR" altLang="en-US">
+                        <a:noFill/>
+                      </a:rPr>
+                      <a:t> </a:t>
+                    </a:r>
+                  </a:p>
+                </p:txBody>
+              </p:sp>
+            </mc:Fallback>
+          </mc:AlternateContent>
+        </p:grpSp>
+      </p:grpSp>
     </p:spTree>
     <p:extLst>
       <p:ext uri="{BB962C8B-B14F-4D97-AF65-F5344CB8AC3E}">

--- a/image/그림용 ppt.pptx
+++ b/image/그림용 ppt.pptx
@@ -9,6 +9,8 @@
     <p:sldId id="257" r:id="rId3"/>
     <p:sldId id="259" r:id="rId4"/>
     <p:sldId id="260" r:id="rId5"/>
+    <p:sldId id="261" r:id="rId6"/>
+    <p:sldId id="262" r:id="rId7"/>
   </p:sldIdLst>
   <p:sldSz cx="12192000" cy="6858000"/>
   <p:notesSz cx="6858000" cy="9144000"/>
@@ -274,7 +276,7 @@
           <a:p>
             <a:fld id="{0F03CF3D-38EE-4684-AFC9-14FEB541E724}" type="datetimeFigureOut">
               <a:rPr lang="ko-KR" altLang="en-US" smtClean="0"/>
-              <a:t>2020-10-30</a:t>
+              <a:t>2020-11-20</a:t>
             </a:fld>
             <a:endParaRPr lang="ko-KR" altLang="en-US"/>
           </a:p>
@@ -472,7 +474,7 @@
           <a:p>
             <a:fld id="{0F03CF3D-38EE-4684-AFC9-14FEB541E724}" type="datetimeFigureOut">
               <a:rPr lang="ko-KR" altLang="en-US" smtClean="0"/>
-              <a:t>2020-10-30</a:t>
+              <a:t>2020-11-20</a:t>
             </a:fld>
             <a:endParaRPr lang="ko-KR" altLang="en-US"/>
           </a:p>
@@ -680,7 +682,7 @@
           <a:p>
             <a:fld id="{0F03CF3D-38EE-4684-AFC9-14FEB541E724}" type="datetimeFigureOut">
               <a:rPr lang="ko-KR" altLang="en-US" smtClean="0"/>
-              <a:t>2020-10-30</a:t>
+              <a:t>2020-11-20</a:t>
             </a:fld>
             <a:endParaRPr lang="ko-KR" altLang="en-US"/>
           </a:p>
@@ -878,7 +880,7 @@
           <a:p>
             <a:fld id="{0F03CF3D-38EE-4684-AFC9-14FEB541E724}" type="datetimeFigureOut">
               <a:rPr lang="ko-KR" altLang="en-US" smtClean="0"/>
-              <a:t>2020-10-30</a:t>
+              <a:t>2020-11-20</a:t>
             </a:fld>
             <a:endParaRPr lang="ko-KR" altLang="en-US"/>
           </a:p>
@@ -1153,7 +1155,7 @@
           <a:p>
             <a:fld id="{0F03CF3D-38EE-4684-AFC9-14FEB541E724}" type="datetimeFigureOut">
               <a:rPr lang="ko-KR" altLang="en-US" smtClean="0"/>
-              <a:t>2020-10-30</a:t>
+              <a:t>2020-11-20</a:t>
             </a:fld>
             <a:endParaRPr lang="ko-KR" altLang="en-US"/>
           </a:p>
@@ -1418,7 +1420,7 @@
           <a:p>
             <a:fld id="{0F03CF3D-38EE-4684-AFC9-14FEB541E724}" type="datetimeFigureOut">
               <a:rPr lang="ko-KR" altLang="en-US" smtClean="0"/>
-              <a:t>2020-10-30</a:t>
+              <a:t>2020-11-20</a:t>
             </a:fld>
             <a:endParaRPr lang="ko-KR" altLang="en-US"/>
           </a:p>
@@ -1830,7 +1832,7 @@
           <a:p>
             <a:fld id="{0F03CF3D-38EE-4684-AFC9-14FEB541E724}" type="datetimeFigureOut">
               <a:rPr lang="ko-KR" altLang="en-US" smtClean="0"/>
-              <a:t>2020-10-30</a:t>
+              <a:t>2020-11-20</a:t>
             </a:fld>
             <a:endParaRPr lang="ko-KR" altLang="en-US"/>
           </a:p>
@@ -1971,7 +1973,7 @@
           <a:p>
             <a:fld id="{0F03CF3D-38EE-4684-AFC9-14FEB541E724}" type="datetimeFigureOut">
               <a:rPr lang="ko-KR" altLang="en-US" smtClean="0"/>
-              <a:t>2020-10-30</a:t>
+              <a:t>2020-11-20</a:t>
             </a:fld>
             <a:endParaRPr lang="ko-KR" altLang="en-US"/>
           </a:p>
@@ -2084,7 +2086,7 @@
           <a:p>
             <a:fld id="{0F03CF3D-38EE-4684-AFC9-14FEB541E724}" type="datetimeFigureOut">
               <a:rPr lang="ko-KR" altLang="en-US" smtClean="0"/>
-              <a:t>2020-10-30</a:t>
+              <a:t>2020-11-20</a:t>
             </a:fld>
             <a:endParaRPr lang="ko-KR" altLang="en-US"/>
           </a:p>
@@ -2395,7 +2397,7 @@
           <a:p>
             <a:fld id="{0F03CF3D-38EE-4684-AFC9-14FEB541E724}" type="datetimeFigureOut">
               <a:rPr lang="ko-KR" altLang="en-US" smtClean="0"/>
-              <a:t>2020-10-30</a:t>
+              <a:t>2020-11-20</a:t>
             </a:fld>
             <a:endParaRPr lang="ko-KR" altLang="en-US"/>
           </a:p>
@@ -2683,7 +2685,7 @@
           <a:p>
             <a:fld id="{0F03CF3D-38EE-4684-AFC9-14FEB541E724}" type="datetimeFigureOut">
               <a:rPr lang="ko-KR" altLang="en-US" smtClean="0"/>
-              <a:t>2020-10-30</a:t>
+              <a:t>2020-11-20</a:t>
             </a:fld>
             <a:endParaRPr lang="ko-KR" altLang="en-US"/>
           </a:p>
@@ -2924,7 +2926,7 @@
           <a:p>
             <a:fld id="{0F03CF3D-38EE-4684-AFC9-14FEB541E724}" type="datetimeFigureOut">
               <a:rPr lang="ko-KR" altLang="en-US" smtClean="0"/>
-              <a:t>2020-10-30</a:t>
+              <a:t>2020-11-20</a:t>
             </a:fld>
             <a:endParaRPr lang="ko-KR" altLang="en-US"/>
           </a:p>
@@ -6190,8 +6192,8 @@
               </p:sp>
             </mc:Fallback>
           </mc:AlternateContent>
-          <mc:AlternateContent xmlns:mc="http://schemas.openxmlformats.org/markup-compatibility/2006">
-            <mc:Choice xmlns:a14="http://schemas.microsoft.com/office/drawing/2010/main" Requires="a14">
+          <mc:AlternateContent xmlns:mc="http://schemas.openxmlformats.org/markup-compatibility/2006" xmlns:a14="http://schemas.microsoft.com/office/drawing/2010/main">
+            <mc:Choice Requires="a14">
               <p:sp>
                 <p:nvSpPr>
                   <p:cNvPr id="48" name="TextBox 47">
@@ -6262,7 +6264,7 @@
                 </p:txBody>
               </p:sp>
             </mc:Choice>
-            <mc:Fallback>
+            <mc:Fallback xmlns="">
               <p:sp>
                 <p:nvSpPr>
                   <p:cNvPr id="48" name="TextBox 47">
@@ -7732,8 +7734,8 @@
             </p:sp>
           </mc:Fallback>
         </mc:AlternateContent>
-        <mc:AlternateContent xmlns:mc="http://schemas.openxmlformats.org/markup-compatibility/2006">
-          <mc:Choice xmlns:a14="http://schemas.microsoft.com/office/drawing/2010/main" Requires="a14">
+        <mc:AlternateContent xmlns:mc="http://schemas.openxmlformats.org/markup-compatibility/2006" xmlns:a14="http://schemas.microsoft.com/office/drawing/2010/main">
+          <mc:Choice Requires="a14">
             <p:sp>
               <p:nvSpPr>
                 <p:cNvPr id="48" name="TextBox 47">
@@ -7804,7 +7806,7 @@
               </p:txBody>
             </p:sp>
           </mc:Choice>
-          <mc:Fallback>
+          <mc:Fallback xmlns="">
             <p:sp>
               <p:nvSpPr>
                 <p:cNvPr id="48" name="TextBox 47">
@@ -9185,8 +9187,8 @@
             </p:sp>
           </mc:Fallback>
         </mc:AlternateContent>
-        <mc:AlternateContent xmlns:mc="http://schemas.openxmlformats.org/markup-compatibility/2006">
-          <mc:Choice xmlns:a14="http://schemas.microsoft.com/office/drawing/2010/main" Requires="a14">
+        <mc:AlternateContent xmlns:mc="http://schemas.openxmlformats.org/markup-compatibility/2006" xmlns:a14="http://schemas.microsoft.com/office/drawing/2010/main">
+          <mc:Choice Requires="a14">
             <p:sp>
               <p:nvSpPr>
                 <p:cNvPr id="58" name="TextBox 57">
@@ -9263,7 +9265,7 @@
               </p:txBody>
             </p:sp>
           </mc:Choice>
-          <mc:Fallback>
+          <mc:Fallback xmlns="">
             <p:sp>
               <p:nvSpPr>
                 <p:cNvPr id="58" name="TextBox 57">
@@ -9627,8 +9629,8 @@
               </a:p>
             </p:txBody>
           </p:sp>
-          <mc:AlternateContent xmlns:mc="http://schemas.openxmlformats.org/markup-compatibility/2006">
-            <mc:Choice xmlns:a14="http://schemas.microsoft.com/office/drawing/2010/main" Requires="a14">
+          <mc:AlternateContent xmlns:mc="http://schemas.openxmlformats.org/markup-compatibility/2006" xmlns:a14="http://schemas.microsoft.com/office/drawing/2010/main">
+            <mc:Choice Requires="a14">
               <p:sp>
                 <p:nvSpPr>
                   <p:cNvPr id="8" name="TextBox 7">
@@ -9680,7 +9682,7 @@
                 </p:txBody>
               </p:sp>
             </mc:Choice>
-            <mc:Fallback>
+            <mc:Fallback xmlns="">
               <p:sp>
                 <p:nvSpPr>
                   <p:cNvPr id="8" name="TextBox 7">
@@ -9725,8 +9727,8 @@
               </p:sp>
             </mc:Fallback>
           </mc:AlternateContent>
-          <mc:AlternateContent xmlns:mc="http://schemas.openxmlformats.org/markup-compatibility/2006">
-            <mc:Choice xmlns:a14="http://schemas.microsoft.com/office/drawing/2010/main" Requires="a14">
+          <mc:AlternateContent xmlns:mc="http://schemas.openxmlformats.org/markup-compatibility/2006" xmlns:a14="http://schemas.microsoft.com/office/drawing/2010/main">
+            <mc:Choice Requires="a14">
               <p:sp>
                 <p:nvSpPr>
                   <p:cNvPr id="9" name="TextBox 8">
@@ -9778,7 +9780,7 @@
                 </p:txBody>
               </p:sp>
             </mc:Choice>
-            <mc:Fallback>
+            <mc:Fallback xmlns="">
               <p:sp>
                 <p:nvSpPr>
                   <p:cNvPr id="9" name="TextBox 8">
@@ -9823,8 +9825,8 @@
               </p:sp>
             </mc:Fallback>
           </mc:AlternateContent>
-          <mc:AlternateContent xmlns:mc="http://schemas.openxmlformats.org/markup-compatibility/2006">
-            <mc:Choice xmlns:a14="http://schemas.microsoft.com/office/drawing/2010/main" Requires="a14">
+          <mc:AlternateContent xmlns:mc="http://schemas.openxmlformats.org/markup-compatibility/2006" xmlns:a14="http://schemas.microsoft.com/office/drawing/2010/main">
+            <mc:Choice Requires="a14">
               <p:sp>
                 <p:nvSpPr>
                   <p:cNvPr id="10" name="TextBox 9">
@@ -9901,7 +9903,7 @@
                 </p:txBody>
               </p:sp>
             </mc:Choice>
-            <mc:Fallback>
+            <mc:Fallback xmlns="">
               <p:sp>
                 <p:nvSpPr>
                   <p:cNvPr id="10" name="TextBox 9">
@@ -10574,8 +10576,8 @@
               </a:fontRef>
             </p:style>
           </p:cxnSp>
-          <mc:AlternateContent xmlns:mc="http://schemas.openxmlformats.org/markup-compatibility/2006">
-            <mc:Choice xmlns:a14="http://schemas.microsoft.com/office/drawing/2010/main" Requires="a14">
+          <mc:AlternateContent xmlns:mc="http://schemas.openxmlformats.org/markup-compatibility/2006" xmlns:a14="http://schemas.microsoft.com/office/drawing/2010/main">
+            <mc:Choice Requires="a14">
               <p:sp>
                 <p:nvSpPr>
                   <p:cNvPr id="23" name="TextBox 22">
@@ -10646,7 +10648,7 @@
                 </p:txBody>
               </p:sp>
             </mc:Choice>
-            <mc:Fallback>
+            <mc:Fallback xmlns="">
               <p:sp>
                 <p:nvSpPr>
                   <p:cNvPr id="23" name="TextBox 22">
@@ -10808,8 +10810,8 @@
               </p:sp>
             </mc:Fallback>
           </mc:AlternateContent>
-          <mc:AlternateContent xmlns:mc="http://schemas.openxmlformats.org/markup-compatibility/2006">
-            <mc:Choice xmlns:a14="http://schemas.microsoft.com/office/drawing/2010/main" Requires="a14">
+          <mc:AlternateContent xmlns:mc="http://schemas.openxmlformats.org/markup-compatibility/2006" xmlns:a14="http://schemas.microsoft.com/office/drawing/2010/main">
+            <mc:Choice Requires="a14">
               <p:sp>
                 <p:nvSpPr>
                   <p:cNvPr id="25" name="TextBox 24">
@@ -10886,7 +10888,7 @@
                 </p:txBody>
               </p:sp>
             </mc:Choice>
-            <mc:Fallback>
+            <mc:Fallback xmlns="">
               <p:sp>
                 <p:nvSpPr>
                   <p:cNvPr id="25" name="TextBox 24">
@@ -10937,6 +10939,1322 @@
     <p:extLst>
       <p:ext uri="{BB962C8B-B14F-4D97-AF65-F5344CB8AC3E}">
         <p14:creationId xmlns:p14="http://schemas.microsoft.com/office/powerpoint/2010/main" val="349987050"/>
+      </p:ext>
+    </p:extLst>
+  </p:cSld>
+  <p:clrMapOvr>
+    <a:masterClrMapping/>
+  </p:clrMapOvr>
+</p:sld>
+</file>
+
+<file path=ppt/slides/slide5.xml><?xml version="1.0" encoding="utf-8"?>
+<p:sld xmlns:a="http://schemas.openxmlformats.org/drawingml/2006/main" xmlns:r="http://schemas.openxmlformats.org/officeDocument/2006/relationships" xmlns:p="http://schemas.openxmlformats.org/presentationml/2006/main">
+  <p:cSld>
+    <p:spTree>
+      <p:nvGrpSpPr>
+        <p:cNvPr id="1" name=""/>
+        <p:cNvGrpSpPr/>
+        <p:nvPr/>
+      </p:nvGrpSpPr>
+      <p:grpSpPr>
+        <a:xfrm>
+          <a:off x="0" y="0"/>
+          <a:ext cx="0" cy="0"/>
+          <a:chOff x="0" y="0"/>
+          <a:chExt cx="0" cy="0"/>
+        </a:xfrm>
+      </p:grpSpPr>
+      <p:grpSp>
+        <p:nvGrpSpPr>
+          <p:cNvPr id="22" name="그룹 21">
+            <a:extLst>
+              <a:ext uri="{FF2B5EF4-FFF2-40B4-BE49-F238E27FC236}">
+                <a16:creationId xmlns:a16="http://schemas.microsoft.com/office/drawing/2014/main" id="{EBFE3B4C-655D-4E55-8985-034E3238D306}"/>
+              </a:ext>
+            </a:extLst>
+          </p:cNvPr>
+          <p:cNvGrpSpPr/>
+          <p:nvPr/>
+        </p:nvGrpSpPr>
+        <p:grpSpPr>
+          <a:xfrm>
+            <a:off x="4433888" y="3681214"/>
+            <a:ext cx="3582352" cy="1770029"/>
+            <a:chOff x="4433888" y="3681214"/>
+            <a:chExt cx="3582352" cy="1770029"/>
+          </a:xfrm>
+        </p:grpSpPr>
+        <p:cxnSp>
+          <p:nvCxnSpPr>
+            <p:cNvPr id="11" name="직선 화살표 연결선 10">
+              <a:extLst>
+                <a:ext uri="{FF2B5EF4-FFF2-40B4-BE49-F238E27FC236}">
+                  <a16:creationId xmlns:a16="http://schemas.microsoft.com/office/drawing/2014/main" id="{F1060693-13C5-4B9E-AD12-A92E1593583C}"/>
+                </a:ext>
+              </a:extLst>
+            </p:cNvPr>
+            <p:cNvCxnSpPr>
+              <a:cxnSpLocks/>
+            </p:cNvCxnSpPr>
+            <p:nvPr/>
+          </p:nvCxnSpPr>
+          <p:spPr>
+            <a:xfrm>
+              <a:off x="4433888" y="5104949"/>
+              <a:ext cx="3582352" cy="0"/>
+            </a:xfrm>
+            <a:prstGeom prst="straightConnector1">
+              <a:avLst/>
+            </a:prstGeom>
+            <a:ln w="19050">
+              <a:solidFill>
+                <a:schemeClr val="tx1"/>
+              </a:solidFill>
+              <a:tailEnd type="triangle"/>
+            </a:ln>
+          </p:spPr>
+          <p:style>
+            <a:lnRef idx="1">
+              <a:schemeClr val="accent1"/>
+            </a:lnRef>
+            <a:fillRef idx="0">
+              <a:schemeClr val="accent1"/>
+            </a:fillRef>
+            <a:effectRef idx="0">
+              <a:schemeClr val="accent1"/>
+            </a:effectRef>
+            <a:fontRef idx="minor">
+              <a:schemeClr val="tx1"/>
+            </a:fontRef>
+          </p:style>
+        </p:cxnSp>
+        <p:sp>
+          <p:nvSpPr>
+            <p:cNvPr id="12" name="타원 11">
+              <a:extLst>
+                <a:ext uri="{FF2B5EF4-FFF2-40B4-BE49-F238E27FC236}">
+                  <a16:creationId xmlns:a16="http://schemas.microsoft.com/office/drawing/2014/main" id="{3686E177-28E4-4806-AC57-7D41C5248504}"/>
+                </a:ext>
+              </a:extLst>
+            </p:cNvPr>
+            <p:cNvSpPr>
+              <a:spLocks noChangeAspect="1"/>
+            </p:cNvSpPr>
+            <p:nvPr/>
+          </p:nvSpPr>
+          <p:spPr>
+            <a:xfrm>
+              <a:off x="4754880" y="5054149"/>
+              <a:ext cx="101600" cy="101600"/>
+            </a:xfrm>
+            <a:prstGeom prst="ellipse">
+              <a:avLst/>
+            </a:prstGeom>
+            <a:solidFill>
+              <a:schemeClr val="tx1"/>
+            </a:solidFill>
+            <a:ln w="0">
+              <a:noFill/>
+            </a:ln>
+          </p:spPr>
+          <p:style>
+            <a:lnRef idx="2">
+              <a:schemeClr val="accent1">
+                <a:shade val="50000"/>
+              </a:schemeClr>
+            </a:lnRef>
+            <a:fillRef idx="1">
+              <a:schemeClr val="accent1"/>
+            </a:fillRef>
+            <a:effectRef idx="0">
+              <a:schemeClr val="accent1"/>
+            </a:effectRef>
+            <a:fontRef idx="minor">
+              <a:schemeClr val="lt1"/>
+            </a:fontRef>
+          </p:style>
+          <p:txBody>
+            <a:bodyPr rtlCol="0" anchor="ctr"/>
+            <a:lstStyle/>
+            <a:p>
+              <a:pPr algn="ctr"/>
+              <a:endParaRPr lang="ko-KR" altLang="en-US"/>
+            </a:p>
+          </p:txBody>
+        </p:sp>
+        <mc:AlternateContent xmlns:mc="http://schemas.openxmlformats.org/markup-compatibility/2006">
+          <mc:Choice xmlns:a14="http://schemas.microsoft.com/office/drawing/2010/main" Requires="a14">
+            <p:sp>
+              <p:nvSpPr>
+                <p:cNvPr id="16" name="TextBox 15">
+                  <a:extLst>
+                    <a:ext uri="{FF2B5EF4-FFF2-40B4-BE49-F238E27FC236}">
+                      <a16:creationId xmlns:a16="http://schemas.microsoft.com/office/drawing/2014/main" id="{700333B4-A369-4822-B2A7-30E2EA3643C0}"/>
+                    </a:ext>
+                  </a:extLst>
+                </p:cNvPr>
+                <p:cNvSpPr txBox="1"/>
+                <p:nvPr/>
+              </p:nvSpPr>
+              <p:spPr>
+                <a:xfrm>
+                  <a:off x="4754880" y="5081911"/>
+                  <a:ext cx="233680" cy="369332"/>
+                </a:xfrm>
+                <a:prstGeom prst="rect">
+                  <a:avLst/>
+                </a:prstGeom>
+                <a:noFill/>
+              </p:spPr>
+              <p:txBody>
+                <a:bodyPr wrap="square" rtlCol="0">
+                  <a:spAutoFit/>
+                </a:bodyPr>
+                <a:lstStyle/>
+                <a:p>
+                  <a:pPr algn="ctr"/>
+                  <a14:m>
+                    <m:oMathPara xmlns:m="http://schemas.openxmlformats.org/officeDocument/2006/math">
+                      <m:oMathParaPr>
+                        <m:jc m:val="centerGroup"/>
+                      </m:oMathParaPr>
+                      <m:oMath xmlns:m="http://schemas.openxmlformats.org/officeDocument/2006/math">
+                        <m:r>
+                          <a:rPr lang="en-US" altLang="ko-KR" b="0" i="1" smtClean="0">
+                            <a:latin typeface="Cambria Math" panose="02040503050406030204" pitchFamily="18" charset="0"/>
+                          </a:rPr>
+                          <m:t>𝑂</m:t>
+                        </m:r>
+                      </m:oMath>
+                    </m:oMathPara>
+                  </a14:m>
+                  <a:endParaRPr lang="ko-KR" altLang="en-US" dirty="0">
+                    <a:latin typeface="Cambria Math" panose="02040503050406030204" pitchFamily="18" charset="0"/>
+                  </a:endParaRPr>
+                </a:p>
+              </p:txBody>
+            </p:sp>
+          </mc:Choice>
+          <mc:Fallback>
+            <p:sp>
+              <p:nvSpPr>
+                <p:cNvPr id="16" name="TextBox 15">
+                  <a:extLst>
+                    <a:ext uri="{FF2B5EF4-FFF2-40B4-BE49-F238E27FC236}">
+                      <a16:creationId xmlns:a16="http://schemas.microsoft.com/office/drawing/2014/main" id="{700333B4-A369-4822-B2A7-30E2EA3643C0}"/>
+                    </a:ext>
+                  </a:extLst>
+                </p:cNvPr>
+                <p:cNvSpPr txBox="1">
+                  <a:spLocks noRot="1" noChangeAspect="1" noMove="1" noResize="1" noEditPoints="1" noAdjustHandles="1" noChangeArrowheads="1" noChangeShapeType="1" noTextEdit="1"/>
+                </p:cNvSpPr>
+                <p:nvPr/>
+              </p:nvSpPr>
+              <p:spPr>
+                <a:xfrm>
+                  <a:off x="4754880" y="5081911"/>
+                  <a:ext cx="233680" cy="369332"/>
+                </a:xfrm>
+                <a:prstGeom prst="rect">
+                  <a:avLst/>
+                </a:prstGeom>
+                <a:blipFill>
+                  <a:blip r:embed="rId2"/>
+                  <a:stretch>
+                    <a:fillRect l="-31579" r="-7895"/>
+                  </a:stretch>
+                </a:blipFill>
+              </p:spPr>
+              <p:txBody>
+                <a:bodyPr/>
+                <a:lstStyle/>
+                <a:p>
+                  <a:r>
+                    <a:rPr lang="ko-KR" altLang="en-US">
+                      <a:noFill/>
+                    </a:rPr>
+                    <a:t> </a:t>
+                  </a:r>
+                </a:p>
+              </p:txBody>
+            </p:sp>
+          </mc:Fallback>
+        </mc:AlternateContent>
+        <p:cxnSp>
+          <p:nvCxnSpPr>
+            <p:cNvPr id="24" name="직선 화살표 연결선 23">
+              <a:extLst>
+                <a:ext uri="{FF2B5EF4-FFF2-40B4-BE49-F238E27FC236}">
+                  <a16:creationId xmlns:a16="http://schemas.microsoft.com/office/drawing/2014/main" id="{3441F689-BC93-403E-9983-6FB7B3E173C2}"/>
+                </a:ext>
+              </a:extLst>
+            </p:cNvPr>
+            <p:cNvCxnSpPr>
+              <a:cxnSpLocks/>
+            </p:cNvCxnSpPr>
+            <p:nvPr/>
+          </p:nvCxnSpPr>
+          <p:spPr>
+            <a:xfrm flipV="1">
+              <a:off x="4599146" y="3681214"/>
+              <a:ext cx="3177540" cy="1525335"/>
+            </a:xfrm>
+            <a:prstGeom prst="straightConnector1">
+              <a:avLst/>
+            </a:prstGeom>
+            <a:ln w="19050">
+              <a:solidFill>
+                <a:schemeClr val="tx1"/>
+              </a:solidFill>
+              <a:tailEnd type="triangle"/>
+            </a:ln>
+          </p:spPr>
+          <p:style>
+            <a:lnRef idx="1">
+              <a:schemeClr val="accent1"/>
+            </a:lnRef>
+            <a:fillRef idx="0">
+              <a:schemeClr val="accent1"/>
+            </a:fillRef>
+            <a:effectRef idx="0">
+              <a:schemeClr val="accent1"/>
+            </a:effectRef>
+            <a:fontRef idx="minor">
+              <a:schemeClr val="tx1"/>
+            </a:fontRef>
+          </p:style>
+        </p:cxnSp>
+        <mc:AlternateContent xmlns:mc="http://schemas.openxmlformats.org/markup-compatibility/2006">
+          <mc:Choice xmlns:a14="http://schemas.microsoft.com/office/drawing/2010/main" Requires="a14">
+            <p:sp>
+              <p:nvSpPr>
+                <p:cNvPr id="31" name="TextBox 30">
+                  <a:extLst>
+                    <a:ext uri="{FF2B5EF4-FFF2-40B4-BE49-F238E27FC236}">
+                      <a16:creationId xmlns:a16="http://schemas.microsoft.com/office/drawing/2014/main" id="{578B0772-CE90-4D1D-8200-26B33A059DF8}"/>
+                    </a:ext>
+                  </a:extLst>
+                </p:cNvPr>
+                <p:cNvSpPr txBox="1"/>
+                <p:nvPr/>
+              </p:nvSpPr>
+              <p:spPr>
+                <a:xfrm>
+                  <a:off x="5350828" y="4777460"/>
+                  <a:ext cx="233680" cy="369332"/>
+                </a:xfrm>
+                <a:prstGeom prst="rect">
+                  <a:avLst/>
+                </a:prstGeom>
+                <a:noFill/>
+              </p:spPr>
+              <p:txBody>
+                <a:bodyPr wrap="square" rtlCol="0">
+                  <a:spAutoFit/>
+                </a:bodyPr>
+                <a:lstStyle/>
+                <a:p>
+                  <a:pPr algn="ctr"/>
+                  <a14:m>
+                    <m:oMathPara xmlns:m="http://schemas.openxmlformats.org/officeDocument/2006/math">
+                      <m:oMathParaPr>
+                        <m:jc m:val="centerGroup"/>
+                      </m:oMathParaPr>
+                      <m:oMath xmlns:m="http://schemas.openxmlformats.org/officeDocument/2006/math">
+                        <m:r>
+                          <a:rPr lang="en-US" altLang="ko-KR" b="0" i="1" smtClean="0">
+                            <a:latin typeface="Cambria Math" panose="02040503050406030204" pitchFamily="18" charset="0"/>
+                          </a:rPr>
+                          <m:t>𝜃</m:t>
+                        </m:r>
+                      </m:oMath>
+                    </m:oMathPara>
+                  </a14:m>
+                  <a:endParaRPr lang="ko-KR" altLang="en-US" dirty="0">
+                    <a:latin typeface="Cambria Math" panose="02040503050406030204" pitchFamily="18" charset="0"/>
+                  </a:endParaRPr>
+                </a:p>
+              </p:txBody>
+            </p:sp>
+          </mc:Choice>
+          <mc:Fallback>
+            <p:sp>
+              <p:nvSpPr>
+                <p:cNvPr id="31" name="TextBox 30">
+                  <a:extLst>
+                    <a:ext uri="{FF2B5EF4-FFF2-40B4-BE49-F238E27FC236}">
+                      <a16:creationId xmlns:a16="http://schemas.microsoft.com/office/drawing/2014/main" id="{578B0772-CE90-4D1D-8200-26B33A059DF8}"/>
+                    </a:ext>
+                  </a:extLst>
+                </p:cNvPr>
+                <p:cNvSpPr txBox="1">
+                  <a:spLocks noRot="1" noChangeAspect="1" noMove="1" noResize="1" noEditPoints="1" noAdjustHandles="1" noChangeArrowheads="1" noChangeShapeType="1" noTextEdit="1"/>
+                </p:cNvSpPr>
+                <p:nvPr/>
+              </p:nvSpPr>
+              <p:spPr>
+                <a:xfrm>
+                  <a:off x="5350828" y="4777460"/>
+                  <a:ext cx="233680" cy="369332"/>
+                </a:xfrm>
+                <a:prstGeom prst="rect">
+                  <a:avLst/>
+                </a:prstGeom>
+                <a:blipFill>
+                  <a:blip r:embed="rId3"/>
+                  <a:stretch>
+                    <a:fillRect l="-26316"/>
+                  </a:stretch>
+                </a:blipFill>
+              </p:spPr>
+              <p:txBody>
+                <a:bodyPr/>
+                <a:lstStyle/>
+                <a:p>
+                  <a:r>
+                    <a:rPr lang="ko-KR" altLang="en-US">
+                      <a:noFill/>
+                    </a:rPr>
+                    <a:t> </a:t>
+                  </a:r>
+                </a:p>
+              </p:txBody>
+            </p:sp>
+          </mc:Fallback>
+        </mc:AlternateContent>
+        <p:sp>
+          <p:nvSpPr>
+            <p:cNvPr id="17" name="원호 16">
+              <a:extLst>
+                <a:ext uri="{FF2B5EF4-FFF2-40B4-BE49-F238E27FC236}">
+                  <a16:creationId xmlns:a16="http://schemas.microsoft.com/office/drawing/2014/main" id="{FE06874B-E0C6-40C7-943D-5B60414FEE57}"/>
+                </a:ext>
+              </a:extLst>
+            </p:cNvPr>
+            <p:cNvSpPr/>
+            <p:nvPr/>
+          </p:nvSpPr>
+          <p:spPr>
+            <a:xfrm>
+              <a:off x="4805680" y="4883293"/>
+              <a:ext cx="398500" cy="443312"/>
+            </a:xfrm>
+            <a:prstGeom prst="arc">
+              <a:avLst>
+                <a:gd name="adj1" fmla="val 18763266"/>
+                <a:gd name="adj2" fmla="val 0"/>
+              </a:avLst>
+            </a:prstGeom>
+            <a:ln w="19050">
+              <a:solidFill>
+                <a:schemeClr val="tx1"/>
+              </a:solidFill>
+            </a:ln>
+          </p:spPr>
+          <p:style>
+            <a:lnRef idx="1">
+              <a:schemeClr val="accent1"/>
+            </a:lnRef>
+            <a:fillRef idx="0">
+              <a:schemeClr val="accent1"/>
+            </a:fillRef>
+            <a:effectRef idx="0">
+              <a:schemeClr val="accent1"/>
+            </a:effectRef>
+            <a:fontRef idx="minor">
+              <a:schemeClr val="tx1"/>
+            </a:fontRef>
+          </p:style>
+          <p:txBody>
+            <a:bodyPr rtlCol="0" anchor="ctr"/>
+            <a:lstStyle/>
+            <a:p>
+              <a:pPr algn="ctr"/>
+              <a:endParaRPr lang="ko-KR" altLang="en-US"/>
+            </a:p>
+          </p:txBody>
+        </p:sp>
+        <p:sp>
+          <p:nvSpPr>
+            <p:cNvPr id="34" name="타원 33">
+              <a:extLst>
+                <a:ext uri="{FF2B5EF4-FFF2-40B4-BE49-F238E27FC236}">
+                  <a16:creationId xmlns:a16="http://schemas.microsoft.com/office/drawing/2014/main" id="{A1DD3CAD-BAAD-4315-A686-27ACF5A72673}"/>
+                </a:ext>
+              </a:extLst>
+            </p:cNvPr>
+            <p:cNvSpPr>
+              <a:spLocks noChangeAspect="1"/>
+            </p:cNvSpPr>
+            <p:nvPr/>
+          </p:nvSpPr>
+          <p:spPr>
+            <a:xfrm>
+              <a:off x="7223760" y="3873049"/>
+              <a:ext cx="101600" cy="101600"/>
+            </a:xfrm>
+            <a:prstGeom prst="ellipse">
+              <a:avLst/>
+            </a:prstGeom>
+            <a:solidFill>
+              <a:schemeClr val="tx1"/>
+            </a:solidFill>
+            <a:ln w="0">
+              <a:noFill/>
+            </a:ln>
+          </p:spPr>
+          <p:style>
+            <a:lnRef idx="2">
+              <a:schemeClr val="accent1">
+                <a:shade val="50000"/>
+              </a:schemeClr>
+            </a:lnRef>
+            <a:fillRef idx="1">
+              <a:schemeClr val="accent1"/>
+            </a:fillRef>
+            <a:effectRef idx="0">
+              <a:schemeClr val="accent1"/>
+            </a:effectRef>
+            <a:fontRef idx="minor">
+              <a:schemeClr val="lt1"/>
+            </a:fontRef>
+          </p:style>
+          <p:txBody>
+            <a:bodyPr rtlCol="0" anchor="ctr"/>
+            <a:lstStyle/>
+            <a:p>
+              <a:pPr algn="ctr"/>
+              <a:endParaRPr lang="ko-KR" altLang="en-US"/>
+            </a:p>
+          </p:txBody>
+        </p:sp>
+        <mc:AlternateContent xmlns:mc="http://schemas.openxmlformats.org/markup-compatibility/2006">
+          <mc:Choice xmlns:a14="http://schemas.microsoft.com/office/drawing/2010/main" Requires="a14">
+            <p:sp>
+              <p:nvSpPr>
+                <p:cNvPr id="36" name="TextBox 35">
+                  <a:extLst>
+                    <a:ext uri="{FF2B5EF4-FFF2-40B4-BE49-F238E27FC236}">
+                      <a16:creationId xmlns:a16="http://schemas.microsoft.com/office/drawing/2014/main" id="{AE83F495-E53B-43F1-883F-B2743FC4FB69}"/>
+                    </a:ext>
+                  </a:extLst>
+                </p:cNvPr>
+                <p:cNvSpPr txBox="1"/>
+                <p:nvPr/>
+              </p:nvSpPr>
+              <p:spPr>
+                <a:xfrm>
+                  <a:off x="7256938" y="3912330"/>
+                  <a:ext cx="233680" cy="369332"/>
+                </a:xfrm>
+                <a:prstGeom prst="rect">
+                  <a:avLst/>
+                </a:prstGeom>
+                <a:noFill/>
+              </p:spPr>
+              <p:txBody>
+                <a:bodyPr wrap="square" rtlCol="0">
+                  <a:spAutoFit/>
+                </a:bodyPr>
+                <a:lstStyle/>
+                <a:p>
+                  <a:pPr algn="ctr"/>
+                  <a14:m>
+                    <m:oMathPara xmlns:m="http://schemas.openxmlformats.org/officeDocument/2006/math">
+                      <m:oMathParaPr>
+                        <m:jc m:val="centerGroup"/>
+                      </m:oMathParaPr>
+                      <m:oMath xmlns:m="http://schemas.openxmlformats.org/officeDocument/2006/math">
+                        <m:r>
+                          <a:rPr lang="en-US" altLang="ko-KR" b="0" i="1" smtClean="0">
+                            <a:latin typeface="Cambria Math" panose="02040503050406030204" pitchFamily="18" charset="0"/>
+                          </a:rPr>
+                          <m:t>𝑃</m:t>
+                        </m:r>
+                      </m:oMath>
+                    </m:oMathPara>
+                  </a14:m>
+                  <a:endParaRPr lang="ko-KR" altLang="en-US" dirty="0">
+                    <a:latin typeface="Cambria Math" panose="02040503050406030204" pitchFamily="18" charset="0"/>
+                  </a:endParaRPr>
+                </a:p>
+              </p:txBody>
+            </p:sp>
+          </mc:Choice>
+          <mc:Fallback>
+            <p:sp>
+              <p:nvSpPr>
+                <p:cNvPr id="36" name="TextBox 35">
+                  <a:extLst>
+                    <a:ext uri="{FF2B5EF4-FFF2-40B4-BE49-F238E27FC236}">
+                      <a16:creationId xmlns:a16="http://schemas.microsoft.com/office/drawing/2014/main" id="{AE83F495-E53B-43F1-883F-B2743FC4FB69}"/>
+                    </a:ext>
+                  </a:extLst>
+                </p:cNvPr>
+                <p:cNvSpPr txBox="1">
+                  <a:spLocks noRot="1" noChangeAspect="1" noMove="1" noResize="1" noEditPoints="1" noAdjustHandles="1" noChangeArrowheads="1" noChangeShapeType="1" noTextEdit="1"/>
+                </p:cNvSpPr>
+                <p:nvPr/>
+              </p:nvSpPr>
+              <p:spPr>
+                <a:xfrm>
+                  <a:off x="7256938" y="3912330"/>
+                  <a:ext cx="233680" cy="369332"/>
+                </a:xfrm>
+                <a:prstGeom prst="rect">
+                  <a:avLst/>
+                </a:prstGeom>
+                <a:blipFill>
+                  <a:blip r:embed="rId4"/>
+                  <a:stretch>
+                    <a:fillRect l="-25641" r="-5128"/>
+                  </a:stretch>
+                </a:blipFill>
+              </p:spPr>
+              <p:txBody>
+                <a:bodyPr/>
+                <a:lstStyle/>
+                <a:p>
+                  <a:r>
+                    <a:rPr lang="ko-KR" altLang="en-US">
+                      <a:noFill/>
+                    </a:rPr>
+                    <a:t> </a:t>
+                  </a:r>
+                </a:p>
+              </p:txBody>
+            </p:sp>
+          </mc:Fallback>
+        </mc:AlternateContent>
+        <mc:AlternateContent xmlns:mc="http://schemas.openxmlformats.org/markup-compatibility/2006">
+          <mc:Choice xmlns:a14="http://schemas.microsoft.com/office/drawing/2010/main" Requires="a14">
+            <p:sp>
+              <p:nvSpPr>
+                <p:cNvPr id="38" name="TextBox 37">
+                  <a:extLst>
+                    <a:ext uri="{FF2B5EF4-FFF2-40B4-BE49-F238E27FC236}">
+                      <a16:creationId xmlns:a16="http://schemas.microsoft.com/office/drawing/2014/main" id="{5464630E-96C9-4CEB-91AB-D5378F66AD7E}"/>
+                    </a:ext>
+                  </a:extLst>
+                </p:cNvPr>
+                <p:cNvSpPr txBox="1"/>
+                <p:nvPr/>
+              </p:nvSpPr>
+              <p:spPr>
+                <a:xfrm>
+                  <a:off x="5660713" y="3727664"/>
+                  <a:ext cx="233680" cy="369332"/>
+                </a:xfrm>
+                <a:prstGeom prst="rect">
+                  <a:avLst/>
+                </a:prstGeom>
+                <a:noFill/>
+              </p:spPr>
+              <p:txBody>
+                <a:bodyPr wrap="square" rtlCol="0">
+                  <a:spAutoFit/>
+                </a:bodyPr>
+                <a:lstStyle/>
+                <a:p>
+                  <a:pPr algn="ctr"/>
+                  <a14:m>
+                    <m:oMathPara xmlns:m="http://schemas.openxmlformats.org/officeDocument/2006/math">
+                      <m:oMathParaPr>
+                        <m:jc m:val="centerGroup"/>
+                      </m:oMathParaPr>
+                      <m:oMath xmlns:m="http://schemas.openxmlformats.org/officeDocument/2006/math">
+                        <m:r>
+                          <a:rPr lang="en-US" altLang="ko-KR" b="0" i="1" smtClean="0">
+                            <a:latin typeface="Cambria Math" panose="02040503050406030204" pitchFamily="18" charset="0"/>
+                          </a:rPr>
+                          <m:t>𝑟</m:t>
+                        </m:r>
+                      </m:oMath>
+                    </m:oMathPara>
+                  </a14:m>
+                  <a:endParaRPr lang="ko-KR" altLang="en-US" dirty="0">
+                    <a:latin typeface="Cambria Math" panose="02040503050406030204" pitchFamily="18" charset="0"/>
+                  </a:endParaRPr>
+                </a:p>
+              </p:txBody>
+            </p:sp>
+          </mc:Choice>
+          <mc:Fallback>
+            <p:sp>
+              <p:nvSpPr>
+                <p:cNvPr id="38" name="TextBox 37">
+                  <a:extLst>
+                    <a:ext uri="{FF2B5EF4-FFF2-40B4-BE49-F238E27FC236}">
+                      <a16:creationId xmlns:a16="http://schemas.microsoft.com/office/drawing/2014/main" id="{5464630E-96C9-4CEB-91AB-D5378F66AD7E}"/>
+                    </a:ext>
+                  </a:extLst>
+                </p:cNvPr>
+                <p:cNvSpPr txBox="1">
+                  <a:spLocks noRot="1" noChangeAspect="1" noMove="1" noResize="1" noEditPoints="1" noAdjustHandles="1" noChangeArrowheads="1" noChangeShapeType="1" noTextEdit="1"/>
+                </p:cNvSpPr>
+                <p:nvPr/>
+              </p:nvSpPr>
+              <p:spPr>
+                <a:xfrm>
+                  <a:off x="5660713" y="3727664"/>
+                  <a:ext cx="233680" cy="369332"/>
+                </a:xfrm>
+                <a:prstGeom prst="rect">
+                  <a:avLst/>
+                </a:prstGeom>
+                <a:blipFill>
+                  <a:blip r:embed="rId5"/>
+                  <a:stretch>
+                    <a:fillRect l="-13158"/>
+                  </a:stretch>
+                </a:blipFill>
+              </p:spPr>
+              <p:txBody>
+                <a:bodyPr/>
+                <a:lstStyle/>
+                <a:p>
+                  <a:r>
+                    <a:rPr lang="ko-KR" altLang="en-US">
+                      <a:noFill/>
+                    </a:rPr>
+                    <a:t> </a:t>
+                  </a:r>
+                </a:p>
+              </p:txBody>
+            </p:sp>
+          </mc:Fallback>
+        </mc:AlternateContent>
+        <p:sp>
+          <p:nvSpPr>
+            <p:cNvPr id="19" name="왼쪽 중괄호 18">
+              <a:extLst>
+                <a:ext uri="{FF2B5EF4-FFF2-40B4-BE49-F238E27FC236}">
+                  <a16:creationId xmlns:a16="http://schemas.microsoft.com/office/drawing/2014/main" id="{1B79A757-DB5C-4D37-B18F-7D3A7011A906}"/>
+                </a:ext>
+              </a:extLst>
+            </p:cNvPr>
+            <p:cNvSpPr/>
+            <p:nvPr/>
+          </p:nvSpPr>
+          <p:spPr>
+            <a:xfrm rot="3819310">
+              <a:off x="5757233" y="2887350"/>
+              <a:ext cx="274320" cy="2746374"/>
+            </a:xfrm>
+            <a:prstGeom prst="leftBrace">
+              <a:avLst>
+                <a:gd name="adj1" fmla="val 214454"/>
+                <a:gd name="adj2" fmla="val 50000"/>
+              </a:avLst>
+            </a:prstGeom>
+            <a:ln w="19050">
+              <a:solidFill>
+                <a:schemeClr val="tx1"/>
+              </a:solidFill>
+            </a:ln>
+          </p:spPr>
+          <p:style>
+            <a:lnRef idx="1">
+              <a:schemeClr val="accent1"/>
+            </a:lnRef>
+            <a:fillRef idx="0">
+              <a:schemeClr val="accent1"/>
+            </a:fillRef>
+            <a:effectRef idx="0">
+              <a:schemeClr val="accent1"/>
+            </a:effectRef>
+            <a:fontRef idx="minor">
+              <a:schemeClr val="tx1"/>
+            </a:fontRef>
+          </p:style>
+          <p:txBody>
+            <a:bodyPr rtlCol="0" anchor="ctr"/>
+            <a:lstStyle/>
+            <a:p>
+              <a:pPr algn="ctr"/>
+              <a:endParaRPr lang="ko-KR" altLang="en-US"/>
+            </a:p>
+          </p:txBody>
+        </p:sp>
+      </p:grpSp>
+    </p:spTree>
+    <p:extLst>
+      <p:ext uri="{BB962C8B-B14F-4D97-AF65-F5344CB8AC3E}">
+        <p14:creationId xmlns:p14="http://schemas.microsoft.com/office/powerpoint/2010/main" val="3806516501"/>
+      </p:ext>
+    </p:extLst>
+  </p:cSld>
+  <p:clrMapOvr>
+    <a:masterClrMapping/>
+  </p:clrMapOvr>
+</p:sld>
+</file>
+
+<file path=ppt/slides/slide6.xml><?xml version="1.0" encoding="utf-8"?>
+<p:sld xmlns:a="http://schemas.openxmlformats.org/drawingml/2006/main" xmlns:r="http://schemas.openxmlformats.org/officeDocument/2006/relationships" xmlns:p="http://schemas.openxmlformats.org/presentationml/2006/main">
+  <p:cSld>
+    <p:spTree>
+      <p:nvGrpSpPr>
+        <p:cNvPr id="1" name=""/>
+        <p:cNvGrpSpPr/>
+        <p:nvPr/>
+      </p:nvGrpSpPr>
+      <p:grpSpPr>
+        <a:xfrm>
+          <a:off x="0" y="0"/>
+          <a:ext cx="0" cy="0"/>
+          <a:chOff x="0" y="0"/>
+          <a:chExt cx="0" cy="0"/>
+        </a:xfrm>
+      </p:grpSpPr>
+      <p:cxnSp>
+        <p:nvCxnSpPr>
+          <p:cNvPr id="11" name="직선 화살표 연결선 10">
+            <a:extLst>
+              <a:ext uri="{FF2B5EF4-FFF2-40B4-BE49-F238E27FC236}">
+                <a16:creationId xmlns:a16="http://schemas.microsoft.com/office/drawing/2014/main" id="{F1060693-13C5-4B9E-AD12-A92E1593583C}"/>
+              </a:ext>
+            </a:extLst>
+          </p:cNvPr>
+          <p:cNvCxnSpPr>
+            <a:cxnSpLocks/>
+          </p:cNvCxnSpPr>
+          <p:nvPr/>
+        </p:nvCxnSpPr>
+        <p:spPr>
+          <a:xfrm flipV="1">
+            <a:off x="3558540" y="3725451"/>
+            <a:ext cx="2760980" cy="884649"/>
+          </a:xfrm>
+          <a:prstGeom prst="straightConnector1">
+            <a:avLst/>
+          </a:prstGeom>
+          <a:ln w="19050">
+            <a:solidFill>
+              <a:schemeClr val="tx1"/>
+            </a:solidFill>
+            <a:headEnd type="oval"/>
+            <a:tailEnd type="triangle"/>
+          </a:ln>
+        </p:spPr>
+        <p:style>
+          <a:lnRef idx="1">
+            <a:schemeClr val="accent1"/>
+          </a:lnRef>
+          <a:fillRef idx="0">
+            <a:schemeClr val="accent1"/>
+          </a:fillRef>
+          <a:effectRef idx="0">
+            <a:schemeClr val="accent1"/>
+          </a:effectRef>
+          <a:fontRef idx="minor">
+            <a:schemeClr val="tx1"/>
+          </a:fontRef>
+        </p:style>
+      </p:cxnSp>
+      <p:cxnSp>
+        <p:nvCxnSpPr>
+          <p:cNvPr id="24" name="직선 화살표 연결선 23">
+            <a:extLst>
+              <a:ext uri="{FF2B5EF4-FFF2-40B4-BE49-F238E27FC236}">
+                <a16:creationId xmlns:a16="http://schemas.microsoft.com/office/drawing/2014/main" id="{3441F689-BC93-403E-9983-6FB7B3E173C2}"/>
+              </a:ext>
+            </a:extLst>
+          </p:cNvPr>
+          <p:cNvCxnSpPr>
+            <a:cxnSpLocks/>
+          </p:cNvCxnSpPr>
+          <p:nvPr/>
+        </p:nvCxnSpPr>
+        <p:spPr>
+          <a:xfrm flipV="1">
+            <a:off x="3558540" y="3429000"/>
+            <a:ext cx="876300" cy="1181100"/>
+          </a:xfrm>
+          <a:prstGeom prst="straightConnector1">
+            <a:avLst/>
+          </a:prstGeom>
+          <a:ln w="19050">
+            <a:solidFill>
+              <a:schemeClr val="tx1"/>
+            </a:solidFill>
+            <a:headEnd type="oval"/>
+            <a:tailEnd type="triangle"/>
+          </a:ln>
+        </p:spPr>
+        <p:style>
+          <a:lnRef idx="1">
+            <a:schemeClr val="accent1"/>
+          </a:lnRef>
+          <a:fillRef idx="0">
+            <a:schemeClr val="accent1"/>
+          </a:fillRef>
+          <a:effectRef idx="0">
+            <a:schemeClr val="accent1"/>
+          </a:effectRef>
+          <a:fontRef idx="minor">
+            <a:schemeClr val="tx1"/>
+          </a:fontRef>
+        </p:style>
+      </p:cxnSp>
+      <mc:AlternateContent xmlns:mc="http://schemas.openxmlformats.org/markup-compatibility/2006">
+        <mc:Choice xmlns:a14="http://schemas.microsoft.com/office/drawing/2010/main" Requires="a14">
+          <p:sp>
+            <p:nvSpPr>
+              <p:cNvPr id="31" name="TextBox 30">
+                <a:extLst>
+                  <a:ext uri="{FF2B5EF4-FFF2-40B4-BE49-F238E27FC236}">
+                    <a16:creationId xmlns:a16="http://schemas.microsoft.com/office/drawing/2014/main" id="{578B0772-CE90-4D1D-8200-26B33A059DF8}"/>
+                  </a:ext>
+                </a:extLst>
+              </p:cNvPr>
+              <p:cNvSpPr txBox="1"/>
+              <p:nvPr/>
+            </p:nvSpPr>
+            <p:spPr>
+              <a:xfrm>
+                <a:off x="3763010" y="3725451"/>
+                <a:ext cx="233680" cy="369332"/>
+              </a:xfrm>
+              <a:prstGeom prst="rect">
+                <a:avLst/>
+              </a:prstGeom>
+              <a:noFill/>
+            </p:spPr>
+            <p:txBody>
+              <a:bodyPr wrap="square" rtlCol="0">
+                <a:spAutoFit/>
+              </a:bodyPr>
+              <a:lstStyle/>
+              <a:p>
+                <a:pPr algn="ctr"/>
+                <a14:m>
+                  <m:oMathPara xmlns:m="http://schemas.openxmlformats.org/officeDocument/2006/math">
+                    <m:oMathParaPr>
+                      <m:jc m:val="centerGroup"/>
+                    </m:oMathParaPr>
+                    <m:oMath xmlns:m="http://schemas.openxmlformats.org/officeDocument/2006/math">
+                      <m:r>
+                        <a:rPr lang="en-US" altLang="ko-KR" b="0" i="1" smtClean="0">
+                          <a:latin typeface="Cambria Math" panose="02040503050406030204" pitchFamily="18" charset="0"/>
+                        </a:rPr>
+                        <m:t>𝐴</m:t>
+                      </m:r>
+                    </m:oMath>
+                  </m:oMathPara>
+                </a14:m>
+                <a:endParaRPr lang="ko-KR" altLang="en-US" dirty="0">
+                  <a:latin typeface="Cambria Math" panose="02040503050406030204" pitchFamily="18" charset="0"/>
+                </a:endParaRPr>
+              </a:p>
+            </p:txBody>
+          </p:sp>
+        </mc:Choice>
+        <mc:Fallback>
+          <p:sp>
+            <p:nvSpPr>
+              <p:cNvPr id="31" name="TextBox 30">
+                <a:extLst>
+                  <a:ext uri="{FF2B5EF4-FFF2-40B4-BE49-F238E27FC236}">
+                    <a16:creationId xmlns:a16="http://schemas.microsoft.com/office/drawing/2014/main" id="{578B0772-CE90-4D1D-8200-26B33A059DF8}"/>
+                  </a:ext>
+                </a:extLst>
+              </p:cNvPr>
+              <p:cNvSpPr txBox="1">
+                <a:spLocks noRot="1" noChangeAspect="1" noMove="1" noResize="1" noEditPoints="1" noAdjustHandles="1" noChangeArrowheads="1" noChangeShapeType="1" noTextEdit="1"/>
+              </p:cNvSpPr>
+              <p:nvPr/>
+            </p:nvSpPr>
+            <p:spPr>
+              <a:xfrm>
+                <a:off x="3763010" y="3725451"/>
+                <a:ext cx="233680" cy="369332"/>
+              </a:xfrm>
+              <a:prstGeom prst="rect">
+                <a:avLst/>
+              </a:prstGeom>
+              <a:blipFill>
+                <a:blip r:embed="rId2"/>
+                <a:stretch>
+                  <a:fillRect l="-25641" r="-5128"/>
+                </a:stretch>
+              </a:blipFill>
+            </p:spPr>
+            <p:txBody>
+              <a:bodyPr/>
+              <a:lstStyle/>
+              <a:p>
+                <a:r>
+                  <a:rPr lang="ko-KR" altLang="en-US">
+                    <a:noFill/>
+                  </a:rPr>
+                  <a:t> </a:t>
+                </a:r>
+              </a:p>
+            </p:txBody>
+          </p:sp>
+        </mc:Fallback>
+      </mc:AlternateContent>
+      <p:cxnSp>
+        <p:nvCxnSpPr>
+          <p:cNvPr id="18" name="직선 화살표 연결선 17">
+            <a:extLst>
+              <a:ext uri="{FF2B5EF4-FFF2-40B4-BE49-F238E27FC236}">
+                <a16:creationId xmlns:a16="http://schemas.microsoft.com/office/drawing/2014/main" id="{F32B3D5E-75E7-4CBC-BA4F-522A700045A5}"/>
+              </a:ext>
+            </a:extLst>
+          </p:cNvPr>
+          <p:cNvCxnSpPr>
+            <a:cxnSpLocks/>
+          </p:cNvCxnSpPr>
+          <p:nvPr/>
+        </p:nvCxnSpPr>
+        <p:spPr>
+          <a:xfrm flipV="1">
+            <a:off x="4434840" y="2544351"/>
+            <a:ext cx="2760980" cy="884649"/>
+          </a:xfrm>
+          <a:prstGeom prst="straightConnector1">
+            <a:avLst/>
+          </a:prstGeom>
+          <a:ln w="19050">
+            <a:solidFill>
+              <a:srgbClr val="0070C0"/>
+            </a:solidFill>
+            <a:headEnd type="oval"/>
+            <a:tailEnd type="triangle"/>
+          </a:ln>
+        </p:spPr>
+        <p:style>
+          <a:lnRef idx="1">
+            <a:schemeClr val="accent1"/>
+          </a:lnRef>
+          <a:fillRef idx="0">
+            <a:schemeClr val="accent1"/>
+          </a:fillRef>
+          <a:effectRef idx="0">
+            <a:schemeClr val="accent1"/>
+          </a:effectRef>
+          <a:fontRef idx="minor">
+            <a:schemeClr val="tx1"/>
+          </a:fontRef>
+        </p:style>
+      </p:cxnSp>
+      <p:cxnSp>
+        <p:nvCxnSpPr>
+          <p:cNvPr id="20" name="직선 화살표 연결선 19">
+            <a:extLst>
+              <a:ext uri="{FF2B5EF4-FFF2-40B4-BE49-F238E27FC236}">
+                <a16:creationId xmlns:a16="http://schemas.microsoft.com/office/drawing/2014/main" id="{5776C34C-617B-4DDE-9E9D-46915498F73D}"/>
+              </a:ext>
+            </a:extLst>
+          </p:cNvPr>
+          <p:cNvCxnSpPr>
+            <a:cxnSpLocks/>
+          </p:cNvCxnSpPr>
+          <p:nvPr/>
+        </p:nvCxnSpPr>
+        <p:spPr>
+          <a:xfrm flipV="1">
+            <a:off x="6319520" y="2544351"/>
+            <a:ext cx="876300" cy="1181100"/>
+          </a:xfrm>
+          <a:prstGeom prst="straightConnector1">
+            <a:avLst/>
+          </a:prstGeom>
+          <a:ln w="19050">
+            <a:solidFill>
+              <a:srgbClr val="0070C0"/>
+            </a:solidFill>
+            <a:headEnd type="oval"/>
+            <a:tailEnd type="triangle"/>
+          </a:ln>
+        </p:spPr>
+        <p:style>
+          <a:lnRef idx="1">
+            <a:schemeClr val="accent1"/>
+          </a:lnRef>
+          <a:fillRef idx="0">
+            <a:schemeClr val="accent1"/>
+          </a:fillRef>
+          <a:effectRef idx="0">
+            <a:schemeClr val="accent1"/>
+          </a:effectRef>
+          <a:fontRef idx="minor">
+            <a:schemeClr val="tx1"/>
+          </a:fontRef>
+        </p:style>
+      </p:cxnSp>
+      <p:cxnSp>
+        <p:nvCxnSpPr>
+          <p:cNvPr id="21" name="직선 화살표 연결선 20">
+            <a:extLst>
+              <a:ext uri="{FF2B5EF4-FFF2-40B4-BE49-F238E27FC236}">
+                <a16:creationId xmlns:a16="http://schemas.microsoft.com/office/drawing/2014/main" id="{0EB1A261-7F07-4311-A110-0B83EFB8CBAC}"/>
+              </a:ext>
+            </a:extLst>
+          </p:cNvPr>
+          <p:cNvCxnSpPr>
+            <a:cxnSpLocks/>
+          </p:cNvCxnSpPr>
+          <p:nvPr/>
+        </p:nvCxnSpPr>
+        <p:spPr>
+          <a:xfrm flipV="1">
+            <a:off x="3558540" y="2538700"/>
+            <a:ext cx="3637280" cy="2071400"/>
+          </a:xfrm>
+          <a:prstGeom prst="straightConnector1">
+            <a:avLst/>
+          </a:prstGeom>
+          <a:ln w="19050">
+            <a:solidFill>
+              <a:srgbClr val="FF0000"/>
+            </a:solidFill>
+            <a:headEnd type="oval"/>
+            <a:tailEnd type="triangle"/>
+          </a:ln>
+        </p:spPr>
+        <p:style>
+          <a:lnRef idx="1">
+            <a:schemeClr val="accent1"/>
+          </a:lnRef>
+          <a:fillRef idx="0">
+            <a:schemeClr val="accent1"/>
+          </a:fillRef>
+          <a:effectRef idx="0">
+            <a:schemeClr val="accent1"/>
+          </a:effectRef>
+          <a:fontRef idx="minor">
+            <a:schemeClr val="tx1"/>
+          </a:fontRef>
+        </p:style>
+      </p:cxnSp>
+      <mc:AlternateContent xmlns:mc="http://schemas.openxmlformats.org/markup-compatibility/2006">
+        <mc:Choice xmlns:a14="http://schemas.microsoft.com/office/drawing/2010/main" Requires="a14">
+          <p:sp>
+            <p:nvSpPr>
+              <p:cNvPr id="23" name="TextBox 22">
+                <a:extLst>
+                  <a:ext uri="{FF2B5EF4-FFF2-40B4-BE49-F238E27FC236}">
+                    <a16:creationId xmlns:a16="http://schemas.microsoft.com/office/drawing/2014/main" id="{EE4EF6ED-12BD-4EB2-8BB7-0AD5B2B969FA}"/>
+                  </a:ext>
+                </a:extLst>
+              </p:cNvPr>
+              <p:cNvSpPr txBox="1"/>
+              <p:nvPr/>
+            </p:nvSpPr>
+            <p:spPr>
+              <a:xfrm>
+                <a:off x="5041265" y="4206932"/>
+                <a:ext cx="233680" cy="369332"/>
+              </a:xfrm>
+              <a:prstGeom prst="rect">
+                <a:avLst/>
+              </a:prstGeom>
+              <a:noFill/>
+            </p:spPr>
+            <p:txBody>
+              <a:bodyPr wrap="square" rtlCol="0">
+                <a:spAutoFit/>
+              </a:bodyPr>
+              <a:lstStyle/>
+              <a:p>
+                <a:pPr algn="ctr"/>
+                <a14:m>
+                  <m:oMathPara xmlns:m="http://schemas.openxmlformats.org/officeDocument/2006/math">
+                    <m:oMathParaPr>
+                      <m:jc m:val="centerGroup"/>
+                    </m:oMathParaPr>
+                    <m:oMath xmlns:m="http://schemas.openxmlformats.org/officeDocument/2006/math">
+                      <m:r>
+                        <a:rPr lang="en-US" altLang="ko-KR" b="0" i="1" smtClean="0">
+                          <a:latin typeface="Cambria Math" panose="02040503050406030204" pitchFamily="18" charset="0"/>
+                        </a:rPr>
+                        <m:t>𝐵</m:t>
+                      </m:r>
+                    </m:oMath>
+                  </m:oMathPara>
+                </a14:m>
+                <a:endParaRPr lang="ko-KR" altLang="en-US" dirty="0">
+                  <a:latin typeface="Cambria Math" panose="02040503050406030204" pitchFamily="18" charset="0"/>
+                </a:endParaRPr>
+              </a:p>
+            </p:txBody>
+          </p:sp>
+        </mc:Choice>
+        <mc:Fallback>
+          <p:sp>
+            <p:nvSpPr>
+              <p:cNvPr id="23" name="TextBox 22">
+                <a:extLst>
+                  <a:ext uri="{FF2B5EF4-FFF2-40B4-BE49-F238E27FC236}">
+                    <a16:creationId xmlns:a16="http://schemas.microsoft.com/office/drawing/2014/main" id="{EE4EF6ED-12BD-4EB2-8BB7-0AD5B2B969FA}"/>
+                  </a:ext>
+                </a:extLst>
+              </p:cNvPr>
+              <p:cNvSpPr txBox="1">
+                <a:spLocks noRot="1" noChangeAspect="1" noMove="1" noResize="1" noEditPoints="1" noAdjustHandles="1" noChangeArrowheads="1" noChangeShapeType="1" noTextEdit="1"/>
+              </p:cNvSpPr>
+              <p:nvPr/>
+            </p:nvSpPr>
+            <p:spPr>
+              <a:xfrm>
+                <a:off x="5041265" y="4206932"/>
+                <a:ext cx="233680" cy="369332"/>
+              </a:xfrm>
+              <a:prstGeom prst="rect">
+                <a:avLst/>
+              </a:prstGeom>
+              <a:blipFill>
+                <a:blip r:embed="rId3"/>
+                <a:stretch>
+                  <a:fillRect l="-28947" r="-7895"/>
+                </a:stretch>
+              </a:blipFill>
+            </p:spPr>
+            <p:txBody>
+              <a:bodyPr/>
+              <a:lstStyle/>
+              <a:p>
+                <a:r>
+                  <a:rPr lang="ko-KR" altLang="en-US">
+                    <a:noFill/>
+                  </a:rPr>
+                  <a:t> </a:t>
+                </a:r>
+              </a:p>
+            </p:txBody>
+          </p:sp>
+        </mc:Fallback>
+      </mc:AlternateContent>
+      <mc:AlternateContent xmlns:mc="http://schemas.openxmlformats.org/markup-compatibility/2006">
+        <mc:Choice xmlns:a14="http://schemas.microsoft.com/office/drawing/2010/main" Requires="a14">
+          <p:sp>
+            <p:nvSpPr>
+              <p:cNvPr id="25" name="TextBox 24">
+                <a:extLst>
+                  <a:ext uri="{FF2B5EF4-FFF2-40B4-BE49-F238E27FC236}">
+                    <a16:creationId xmlns:a16="http://schemas.microsoft.com/office/drawing/2014/main" id="{AD2DA3D8-6A61-486F-B93D-550C8D7B1D92}"/>
+                  </a:ext>
+                </a:extLst>
+              </p:cNvPr>
+              <p:cNvSpPr txBox="1"/>
+              <p:nvPr/>
+            </p:nvSpPr>
+            <p:spPr>
+              <a:xfrm>
+                <a:off x="4658359" y="3280504"/>
+                <a:ext cx="999491" cy="369332"/>
+              </a:xfrm>
+              <a:prstGeom prst="rect">
+                <a:avLst/>
+              </a:prstGeom>
+              <a:noFill/>
+            </p:spPr>
+            <p:txBody>
+              <a:bodyPr wrap="square" rtlCol="0">
+                <a:spAutoFit/>
+              </a:bodyPr>
+              <a:lstStyle/>
+              <a:p>
+                <a:pPr algn="ctr"/>
+                <a14:m>
+                  <m:oMathPara xmlns:m="http://schemas.openxmlformats.org/officeDocument/2006/math">
+                    <m:oMathParaPr>
+                      <m:jc m:val="centerGroup"/>
+                    </m:oMathParaPr>
+                    <m:oMath xmlns:m="http://schemas.openxmlformats.org/officeDocument/2006/math">
+                      <m:r>
+                        <a:rPr lang="en-US" altLang="ko-KR" b="0" i="1" smtClean="0">
+                          <a:solidFill>
+                            <a:srgbClr val="FF0000"/>
+                          </a:solidFill>
+                          <a:latin typeface="Cambria Math" panose="02040503050406030204" pitchFamily="18" charset="0"/>
+                        </a:rPr>
+                        <m:t>𝐴</m:t>
+                      </m:r>
+                      <m:r>
+                        <a:rPr lang="en-US" altLang="ko-KR" b="0" i="1" smtClean="0">
+                          <a:solidFill>
+                            <a:srgbClr val="FF0000"/>
+                          </a:solidFill>
+                          <a:latin typeface="Cambria Math" panose="02040503050406030204" pitchFamily="18" charset="0"/>
+                        </a:rPr>
+                        <m:t>+</m:t>
+                      </m:r>
+                      <m:r>
+                        <a:rPr lang="en-US" altLang="ko-KR" b="0" i="1" smtClean="0">
+                          <a:solidFill>
+                            <a:srgbClr val="FF0000"/>
+                          </a:solidFill>
+                          <a:latin typeface="Cambria Math" panose="02040503050406030204" pitchFamily="18" charset="0"/>
+                        </a:rPr>
+                        <m:t>𝐵</m:t>
+                      </m:r>
+                    </m:oMath>
+                  </m:oMathPara>
+                </a14:m>
+                <a:endParaRPr lang="ko-KR" altLang="en-US" dirty="0">
+                  <a:solidFill>
+                    <a:srgbClr val="FF0000"/>
+                  </a:solidFill>
+                  <a:latin typeface="Cambria Math" panose="02040503050406030204" pitchFamily="18" charset="0"/>
+                </a:endParaRPr>
+              </a:p>
+            </p:txBody>
+          </p:sp>
+        </mc:Choice>
+        <mc:Fallback>
+          <p:sp>
+            <p:nvSpPr>
+              <p:cNvPr id="25" name="TextBox 24">
+                <a:extLst>
+                  <a:ext uri="{FF2B5EF4-FFF2-40B4-BE49-F238E27FC236}">
+                    <a16:creationId xmlns:a16="http://schemas.microsoft.com/office/drawing/2014/main" id="{AD2DA3D8-6A61-486F-B93D-550C8D7B1D92}"/>
+                  </a:ext>
+                </a:extLst>
+              </p:cNvPr>
+              <p:cNvSpPr txBox="1">
+                <a:spLocks noRot="1" noChangeAspect="1" noMove="1" noResize="1" noEditPoints="1" noAdjustHandles="1" noChangeArrowheads="1" noChangeShapeType="1" noTextEdit="1"/>
+              </p:cNvSpPr>
+              <p:nvPr/>
+            </p:nvSpPr>
+            <p:spPr>
+              <a:xfrm>
+                <a:off x="4658359" y="3280504"/>
+                <a:ext cx="999491" cy="369332"/>
+              </a:xfrm>
+              <a:prstGeom prst="rect">
+                <a:avLst/>
+              </a:prstGeom>
+              <a:blipFill>
+                <a:blip r:embed="rId4"/>
+                <a:stretch>
+                  <a:fillRect/>
+                </a:stretch>
+              </a:blipFill>
+            </p:spPr>
+            <p:txBody>
+              <a:bodyPr/>
+              <a:lstStyle/>
+              <a:p>
+                <a:r>
+                  <a:rPr lang="ko-KR" altLang="en-US">
+                    <a:noFill/>
+                  </a:rPr>
+                  <a:t> </a:t>
+                </a:r>
+              </a:p>
+            </p:txBody>
+          </p:sp>
+        </mc:Fallback>
+      </mc:AlternateContent>
+    </p:spTree>
+    <p:extLst>
+      <p:ext uri="{BB962C8B-B14F-4D97-AF65-F5344CB8AC3E}">
+        <p14:creationId xmlns:p14="http://schemas.microsoft.com/office/powerpoint/2010/main" val="4017676583"/>
       </p:ext>
     </p:extLst>
   </p:cSld>
